--- a/Seminar Raden Asri G64154007 - PPT.pptx
+++ b/Seminar Raden Asri G64154007 - PPT.pptx
@@ -5,81 +5,80 @@
     <p:sldMasterId id="2147483658" r:id="rId1"/>
   </p:sldMasterIdLst>
   <p:notesMasterIdLst>
-    <p:notesMasterId r:id="rId35"/>
+    <p:notesMasterId r:id="rId34"/>
   </p:notesMasterIdLst>
   <p:handoutMasterIdLst>
-    <p:handoutMasterId r:id="rId36"/>
+    <p:handoutMasterId r:id="rId35"/>
   </p:handoutMasterIdLst>
   <p:sldIdLst>
     <p:sldId id="286" r:id="rId2"/>
     <p:sldId id="288" r:id="rId3"/>
     <p:sldId id="289" r:id="rId4"/>
     <p:sldId id="291" r:id="rId5"/>
-    <p:sldId id="313" r:id="rId6"/>
-    <p:sldId id="290" r:id="rId7"/>
-    <p:sldId id="333" r:id="rId8"/>
-    <p:sldId id="292" r:id="rId9"/>
-    <p:sldId id="293" r:id="rId10"/>
-    <p:sldId id="294" r:id="rId11"/>
-    <p:sldId id="295" r:id="rId12"/>
-    <p:sldId id="296" r:id="rId13"/>
-    <p:sldId id="309" r:id="rId14"/>
-    <p:sldId id="307" r:id="rId15"/>
-    <p:sldId id="335" r:id="rId16"/>
-    <p:sldId id="301" r:id="rId17"/>
-    <p:sldId id="306" r:id="rId18"/>
-    <p:sldId id="316" r:id="rId19"/>
-    <p:sldId id="317" r:id="rId20"/>
-    <p:sldId id="318" r:id="rId21"/>
-    <p:sldId id="321" r:id="rId22"/>
-    <p:sldId id="322" r:id="rId23"/>
-    <p:sldId id="323" r:id="rId24"/>
-    <p:sldId id="324" r:id="rId25"/>
-    <p:sldId id="325" r:id="rId26"/>
-    <p:sldId id="326" r:id="rId27"/>
-    <p:sldId id="327" r:id="rId28"/>
-    <p:sldId id="328" r:id="rId29"/>
-    <p:sldId id="329" r:id="rId30"/>
-    <p:sldId id="331" r:id="rId31"/>
-    <p:sldId id="303" r:id="rId32"/>
-    <p:sldId id="332" r:id="rId33"/>
-    <p:sldId id="279" r:id="rId34"/>
+    <p:sldId id="290" r:id="rId6"/>
+    <p:sldId id="333" r:id="rId7"/>
+    <p:sldId id="292" r:id="rId8"/>
+    <p:sldId id="293" r:id="rId9"/>
+    <p:sldId id="294" r:id="rId10"/>
+    <p:sldId id="295" r:id="rId11"/>
+    <p:sldId id="296" r:id="rId12"/>
+    <p:sldId id="309" r:id="rId13"/>
+    <p:sldId id="307" r:id="rId14"/>
+    <p:sldId id="335" r:id="rId15"/>
+    <p:sldId id="301" r:id="rId16"/>
+    <p:sldId id="306" r:id="rId17"/>
+    <p:sldId id="316" r:id="rId18"/>
+    <p:sldId id="317" r:id="rId19"/>
+    <p:sldId id="318" r:id="rId20"/>
+    <p:sldId id="321" r:id="rId21"/>
+    <p:sldId id="322" r:id="rId22"/>
+    <p:sldId id="323" r:id="rId23"/>
+    <p:sldId id="324" r:id="rId24"/>
+    <p:sldId id="325" r:id="rId25"/>
+    <p:sldId id="326" r:id="rId26"/>
+    <p:sldId id="327" r:id="rId27"/>
+    <p:sldId id="328" r:id="rId28"/>
+    <p:sldId id="329" r:id="rId29"/>
+    <p:sldId id="331" r:id="rId30"/>
+    <p:sldId id="303" r:id="rId31"/>
+    <p:sldId id="332" r:id="rId32"/>
+    <p:sldId id="279" r:id="rId33"/>
   </p:sldIdLst>
   <p:sldSz cx="9144000" cy="5143500" type="screen16x9"/>
   <p:notesSz cx="6742113" cy="9875838"/>
   <p:embeddedFontLst>
     <p:embeddedFont>
+      <p:font typeface="Candara" panose="020E0502030303020204" pitchFamily="34" charset="0"/>
+      <p:regular r:id="rId36"/>
+      <p:bold r:id="rId37"/>
+      <p:italic r:id="rId38"/>
+      <p:boldItalic r:id="rId39"/>
+    </p:embeddedFont>
+    <p:embeddedFont>
       <p:font typeface="Dosis" panose="020B0604020202020204" charset="0"/>
-      <p:regular r:id="rId37"/>
-      <p:bold r:id="rId38"/>
+      <p:regular r:id="rId40"/>
+      <p:bold r:id="rId41"/>
     </p:embeddedFont>
     <p:embeddedFont>
       <p:font typeface="Source Sans Pro" panose="020B0604020202020204" charset="0"/>
-      <p:regular r:id="rId39"/>
-      <p:bold r:id="rId40"/>
-      <p:italic r:id="rId41"/>
-      <p:boldItalic r:id="rId42"/>
+      <p:regular r:id="rId42"/>
+      <p:bold r:id="rId43"/>
+      <p:italic r:id="rId44"/>
+      <p:boldItalic r:id="rId45"/>
     </p:embeddedFont>
     <p:embeddedFont>
       <p:font typeface="Roboto" panose="020B0604020202020204" charset="0"/>
-      <p:regular r:id="rId43"/>
-      <p:bold r:id="rId44"/>
-      <p:italic r:id="rId45"/>
-      <p:boldItalic r:id="rId46"/>
+      <p:regular r:id="rId46"/>
+      <p:bold r:id="rId47"/>
+      <p:italic r:id="rId48"/>
+      <p:boldItalic r:id="rId49"/>
     </p:embeddedFont>
     <p:embeddedFont>
       <p:font typeface="Calibri" panose="020F0502020204030204" pitchFamily="34" charset="0"/>
-      <p:regular r:id="rId47"/>
-      <p:bold r:id="rId48"/>
-      <p:italic r:id="rId49"/>
-      <p:boldItalic r:id="rId50"/>
-    </p:embeddedFont>
-    <p:embeddedFont>
-      <p:font typeface="Candara" panose="020E0502030303020204" pitchFamily="34" charset="0"/>
-      <p:regular r:id="rId51"/>
-      <p:bold r:id="rId52"/>
-      <p:italic r:id="rId53"/>
-      <p:boldItalic r:id="rId54"/>
+      <p:regular r:id="rId50"/>
+      <p:bold r:id="rId51"/>
+      <p:italic r:id="rId52"/>
+      <p:boldItalic r:id="rId53"/>
     </p:embeddedFont>
   </p:embeddedFontLst>
   <p:defaultTextStyle>
@@ -6132,748 +6131,6 @@
       <dsp:cNvGrpSpPr/>
     </dsp:nvGrpSpPr>
     <dsp:grpSpPr/>
-    <dsp:sp modelId="{48B3BF87-8B29-4006-9581-CD6A291D5FCF}">
-      <dsp:nvSpPr>
-        <dsp:cNvPr id="0" name=""/>
-        <dsp:cNvSpPr/>
-      </dsp:nvSpPr>
-      <dsp:spPr>
-        <a:xfrm rot="5400000">
-          <a:off x="5259248" y="-1916665"/>
-          <a:ext cx="880309" cy="4937051"/>
-        </a:xfrm>
-        <a:prstGeom prst="roundRect">
-          <a:avLst/>
-        </a:prstGeom>
-        <a:solidFill>
-          <a:schemeClr val="accent4">
-            <a:alpha val="90000"/>
-            <a:tint val="40000"/>
-            <a:hueOff val="0"/>
-            <a:satOff val="0"/>
-            <a:lumOff val="0"/>
-            <a:alphaOff val="0"/>
-          </a:schemeClr>
-        </a:solidFill>
-        <a:ln w="25400" cap="flat" cmpd="sng" algn="ctr">
-          <a:solidFill>
-            <a:schemeClr val="accent4">
-              <a:alpha val="90000"/>
-              <a:tint val="40000"/>
-              <a:hueOff val="0"/>
-              <a:satOff val="0"/>
-              <a:lumOff val="0"/>
-              <a:alphaOff val="0"/>
-            </a:schemeClr>
-          </a:solidFill>
-          <a:prstDash val="solid"/>
-        </a:ln>
-        <a:effectLst/>
-      </dsp:spPr>
-      <dsp:style>
-        <a:lnRef idx="2">
-          <a:scrgbClr r="0" g="0" b="0"/>
-        </a:lnRef>
-        <a:fillRef idx="1">
-          <a:scrgbClr r="0" g="0" b="0"/>
-        </a:fillRef>
-        <a:effectRef idx="0">
-          <a:scrgbClr r="0" g="0" b="0"/>
-        </a:effectRef>
-        <a:fontRef idx="minor"/>
-      </dsp:style>
-      <dsp:txBody>
-        <a:bodyPr spcFirstLastPara="0" vert="horz" wrap="square" lIns="247650" tIns="123825" rIns="247650" bIns="123825" numCol="1" spcCol="1270" anchor="ctr" anchorCtr="0">
-          <a:noAutofit/>
-        </a:bodyPr>
-        <a:lstStyle/>
-        <a:p>
-          <a:pPr marL="171450" lvl="1" indent="-171450" algn="l" defTabSz="800100">
-            <a:lnSpc>
-              <a:spcPct val="90000"/>
-            </a:lnSpc>
-            <a:spcBef>
-              <a:spcPct val="0"/>
-            </a:spcBef>
-            <a:spcAft>
-              <a:spcPct val="15000"/>
-            </a:spcAft>
-            <a:buChar char="••"/>
-          </a:pPr>
-          <a:r>
-            <a:rPr lang="en-US" sz="1800" kern="1200" dirty="0" err="1" smtClean="0">
-              <a:solidFill>
-                <a:schemeClr val="accent1">
-                  <a:lumMod val="50000"/>
-                </a:schemeClr>
-              </a:solidFill>
-              <a:latin typeface="Source Sans Pro" panose="020B0604020202020204" charset="0"/>
-            </a:rPr>
-            <a:t>Mempercepat</a:t>
-          </a:r>
-          <a:endParaRPr lang="en-US" sz="1800" kern="1200" dirty="0">
-            <a:solidFill>
-              <a:schemeClr val="accent1">
-                <a:lumMod val="50000"/>
-              </a:schemeClr>
-            </a:solidFill>
-            <a:latin typeface="Source Sans Pro" panose="020B0604020202020204" charset="0"/>
-          </a:endParaRPr>
-        </a:p>
-      </dsp:txBody>
-      <dsp:txXfrm rot="-5400000">
-        <a:off x="3273850" y="154679"/>
-        <a:ext cx="4851105" cy="794363"/>
-      </dsp:txXfrm>
-    </dsp:sp>
-    <dsp:sp modelId="{8090B05E-3560-4156-A938-FF190559CA5D}">
-      <dsp:nvSpPr>
-        <dsp:cNvPr id="0" name=""/>
-        <dsp:cNvSpPr/>
-      </dsp:nvSpPr>
-      <dsp:spPr>
-        <a:xfrm>
-          <a:off x="925" y="1667"/>
-          <a:ext cx="3229951" cy="1100386"/>
-        </a:xfrm>
-        <a:prstGeom prst="homePlate">
-          <a:avLst/>
-        </a:prstGeom>
-        <a:solidFill>
-          <a:schemeClr val="accent4">
-            <a:hueOff val="0"/>
-            <a:satOff val="0"/>
-            <a:lumOff val="0"/>
-            <a:alphaOff val="0"/>
-          </a:schemeClr>
-        </a:solidFill>
-        <a:ln w="25400" cap="flat" cmpd="sng" algn="ctr">
-          <a:solidFill>
-            <a:schemeClr val="lt1">
-              <a:hueOff val="0"/>
-              <a:satOff val="0"/>
-              <a:lumOff val="0"/>
-              <a:alphaOff val="0"/>
-            </a:schemeClr>
-          </a:solidFill>
-          <a:prstDash val="solid"/>
-        </a:ln>
-        <a:effectLst/>
-      </dsp:spPr>
-      <dsp:style>
-        <a:lnRef idx="2">
-          <a:scrgbClr r="0" g="0" b="0"/>
-        </a:lnRef>
-        <a:fillRef idx="1">
-          <a:scrgbClr r="0" g="0" b="0"/>
-        </a:fillRef>
-        <a:effectRef idx="0">
-          <a:scrgbClr r="0" g="0" b="0"/>
-        </a:effectRef>
-        <a:fontRef idx="minor">
-          <a:schemeClr val="lt1"/>
-        </a:fontRef>
-      </dsp:style>
-      <dsp:txBody>
-        <a:bodyPr spcFirstLastPara="0" vert="horz" wrap="square" lIns="76200" tIns="38100" rIns="76200" bIns="38100" numCol="1" spcCol="1270" anchor="ctr" anchorCtr="0">
-          <a:noAutofit/>
-        </a:bodyPr>
-        <a:lstStyle/>
-        <a:p>
-          <a:pPr lvl="0" algn="l" defTabSz="889000">
-            <a:lnSpc>
-              <a:spcPct val="90000"/>
-            </a:lnSpc>
-            <a:spcBef>
-              <a:spcPct val="0"/>
-            </a:spcBef>
-            <a:spcAft>
-              <a:spcPct val="35000"/>
-            </a:spcAft>
-          </a:pPr>
-          <a:r>
-            <a:rPr lang="en-US" sz="2000" kern="1200" dirty="0" err="1" smtClean="0">
-              <a:latin typeface="Source Sans Pro" panose="020B0604020202020204" charset="0"/>
-            </a:rPr>
-            <a:t>Instrumentasi</a:t>
-          </a:r>
-          <a:r>
-            <a:rPr lang="en-US" sz="2000" kern="1200" dirty="0" smtClean="0">
-              <a:latin typeface="Source Sans Pro" panose="020B0604020202020204" charset="0"/>
-            </a:rPr>
-            <a:t> </a:t>
-          </a:r>
-          <a:r>
-            <a:rPr lang="en-US" sz="2000" kern="1200" dirty="0" err="1" smtClean="0">
-              <a:latin typeface="Source Sans Pro" panose="020B0604020202020204" charset="0"/>
-            </a:rPr>
-            <a:t>Otomatis</a:t>
-          </a:r>
-          <a:endParaRPr lang="en-US" sz="2000" kern="1200" dirty="0">
-            <a:latin typeface="Source Sans Pro" panose="020B0604020202020204" charset="0"/>
-          </a:endParaRPr>
-        </a:p>
-      </dsp:txBody>
-      <dsp:txXfrm>
-        <a:off x="925" y="1667"/>
-        <a:ext cx="2954855" cy="1100386"/>
-      </dsp:txXfrm>
-    </dsp:sp>
-    <dsp:sp modelId="{7FA37ADF-57BD-4926-AC8F-CE6C781DCA99}">
-      <dsp:nvSpPr>
-        <dsp:cNvPr id="0" name=""/>
-        <dsp:cNvSpPr/>
-      </dsp:nvSpPr>
-      <dsp:spPr>
-        <a:xfrm rot="5400000">
-          <a:off x="5233018" y="-784234"/>
-          <a:ext cx="880309" cy="4983001"/>
-        </a:xfrm>
-        <a:prstGeom prst="roundRect">
-          <a:avLst/>
-        </a:prstGeom>
-        <a:solidFill>
-          <a:schemeClr val="accent4">
-            <a:alpha val="90000"/>
-            <a:tint val="40000"/>
-            <a:hueOff val="0"/>
-            <a:satOff val="0"/>
-            <a:lumOff val="0"/>
-            <a:alphaOff val="0"/>
-          </a:schemeClr>
-        </a:solidFill>
-        <a:ln w="25400" cap="flat" cmpd="sng" algn="ctr">
-          <a:solidFill>
-            <a:schemeClr val="accent4">
-              <a:alpha val="90000"/>
-              <a:tint val="40000"/>
-              <a:hueOff val="0"/>
-              <a:satOff val="0"/>
-              <a:lumOff val="0"/>
-              <a:alphaOff val="0"/>
-            </a:schemeClr>
-          </a:solidFill>
-          <a:prstDash val="solid"/>
-        </a:ln>
-        <a:effectLst/>
-      </dsp:spPr>
-      <dsp:style>
-        <a:lnRef idx="2">
-          <a:scrgbClr r="0" g="0" b="0"/>
-        </a:lnRef>
-        <a:fillRef idx="1">
-          <a:scrgbClr r="0" g="0" b="0"/>
-        </a:fillRef>
-        <a:effectRef idx="0">
-          <a:scrgbClr r="0" g="0" b="0"/>
-        </a:effectRef>
-        <a:fontRef idx="minor"/>
-      </dsp:style>
-      <dsp:txBody>
-        <a:bodyPr spcFirstLastPara="0" vert="horz" wrap="square" lIns="247650" tIns="123825" rIns="247650" bIns="123825" numCol="1" spcCol="1270" anchor="ctr" anchorCtr="0">
-          <a:noAutofit/>
-        </a:bodyPr>
-        <a:lstStyle/>
-        <a:p>
-          <a:pPr marL="171450" lvl="1" indent="-171450" algn="l" defTabSz="800100">
-            <a:lnSpc>
-              <a:spcPct val="90000"/>
-            </a:lnSpc>
-            <a:spcBef>
-              <a:spcPct val="0"/>
-            </a:spcBef>
-            <a:spcAft>
-              <a:spcPct val="15000"/>
-            </a:spcAft>
-            <a:buChar char="••"/>
-          </a:pPr>
-          <a:r>
-            <a:rPr lang="en-US" sz="1800" kern="1200" dirty="0" err="1" smtClean="0">
-              <a:solidFill>
-                <a:schemeClr val="accent1">
-                  <a:lumMod val="50000"/>
-                </a:schemeClr>
-              </a:solidFill>
-              <a:latin typeface="Source Sans Pro" panose="020B0604020202020204" charset="0"/>
-            </a:rPr>
-            <a:t>Membangkitkan</a:t>
-          </a:r>
-          <a:r>
-            <a:rPr lang="en-US" sz="1800" kern="1200" dirty="0" smtClean="0">
-              <a:solidFill>
-                <a:schemeClr val="accent1">
-                  <a:lumMod val="50000"/>
-                </a:schemeClr>
-              </a:solidFill>
-              <a:latin typeface="Source Sans Pro" panose="020B0604020202020204" charset="0"/>
-            </a:rPr>
-            <a:t> data </a:t>
-          </a:r>
-          <a:r>
-            <a:rPr lang="en-US" sz="1800" kern="1200" dirty="0" err="1" smtClean="0">
-              <a:solidFill>
-                <a:schemeClr val="accent1">
-                  <a:lumMod val="50000"/>
-                </a:schemeClr>
-              </a:solidFill>
-              <a:latin typeface="Source Sans Pro" panose="020B0604020202020204" charset="0"/>
-            </a:rPr>
-            <a:t>uji</a:t>
-          </a:r>
-          <a:endParaRPr lang="en-US" sz="1800" kern="1200" dirty="0">
-            <a:solidFill>
-              <a:schemeClr val="accent1">
-                <a:lumMod val="50000"/>
-              </a:schemeClr>
-            </a:solidFill>
-            <a:latin typeface="Source Sans Pro" panose="020B0604020202020204" charset="0"/>
-          </a:endParaRPr>
-        </a:p>
-      </dsp:txBody>
-      <dsp:txXfrm rot="-5400000">
-        <a:off x="3224645" y="1310085"/>
-        <a:ext cx="4897055" cy="794363"/>
-      </dsp:txXfrm>
-    </dsp:sp>
-    <dsp:sp modelId="{FDEC739D-C1BC-4493-BEC8-EAE5DDEEB49E}">
-      <dsp:nvSpPr>
-        <dsp:cNvPr id="0" name=""/>
-        <dsp:cNvSpPr/>
-      </dsp:nvSpPr>
-      <dsp:spPr>
-        <a:xfrm>
-          <a:off x="925" y="1157072"/>
-          <a:ext cx="3180746" cy="1100386"/>
-        </a:xfrm>
-        <a:prstGeom prst="homePlate">
-          <a:avLst/>
-        </a:prstGeom>
-        <a:solidFill>
-          <a:schemeClr val="accent4">
-            <a:hueOff val="0"/>
-            <a:satOff val="0"/>
-            <a:lumOff val="0"/>
-            <a:alphaOff val="0"/>
-          </a:schemeClr>
-        </a:solidFill>
-        <a:ln w="25400" cap="flat" cmpd="sng" algn="ctr">
-          <a:solidFill>
-            <a:schemeClr val="lt1">
-              <a:hueOff val="0"/>
-              <a:satOff val="0"/>
-              <a:lumOff val="0"/>
-              <a:alphaOff val="0"/>
-            </a:schemeClr>
-          </a:solidFill>
-          <a:prstDash val="solid"/>
-        </a:ln>
-        <a:effectLst/>
-      </dsp:spPr>
-      <dsp:style>
-        <a:lnRef idx="2">
-          <a:scrgbClr r="0" g="0" b="0"/>
-        </a:lnRef>
-        <a:fillRef idx="1">
-          <a:scrgbClr r="0" g="0" b="0"/>
-        </a:fillRef>
-        <a:effectRef idx="0">
-          <a:scrgbClr r="0" g="0" b="0"/>
-        </a:effectRef>
-        <a:fontRef idx="minor">
-          <a:schemeClr val="lt1"/>
-        </a:fontRef>
-      </dsp:style>
-      <dsp:txBody>
-        <a:bodyPr spcFirstLastPara="0" vert="horz" wrap="square" lIns="76200" tIns="38100" rIns="76200" bIns="38100" numCol="1" spcCol="1270" anchor="ctr" anchorCtr="0">
-          <a:noAutofit/>
-        </a:bodyPr>
-        <a:lstStyle/>
-        <a:p>
-          <a:pPr lvl="0" algn="l" defTabSz="889000">
-            <a:lnSpc>
-              <a:spcPct val="90000"/>
-            </a:lnSpc>
-            <a:spcBef>
-              <a:spcPct val="0"/>
-            </a:spcBef>
-            <a:spcAft>
-              <a:spcPct val="35000"/>
-            </a:spcAft>
-          </a:pPr>
-          <a:r>
-            <a:rPr lang="en-US" sz="2000" kern="1200" dirty="0" err="1" smtClean="0">
-              <a:latin typeface="Source Sans Pro" panose="020B0604020202020204" charset="0"/>
-            </a:rPr>
-            <a:t>Membangkitkan</a:t>
-          </a:r>
-          <a:r>
-            <a:rPr lang="en-US" sz="2000" kern="1200" dirty="0" smtClean="0">
-              <a:latin typeface="Source Sans Pro" panose="020B0604020202020204" charset="0"/>
-            </a:rPr>
-            <a:t> </a:t>
-          </a:r>
-          <a:r>
-            <a:rPr lang="en-US" sz="2000" kern="1200" dirty="0" err="1" smtClean="0">
-              <a:latin typeface="Source Sans Pro" panose="020B0604020202020204" charset="0"/>
-            </a:rPr>
-            <a:t>jalur</a:t>
-          </a:r>
-          <a:endParaRPr lang="en-US" sz="2000" kern="1200" dirty="0">
-            <a:latin typeface="Source Sans Pro" panose="020B0604020202020204" charset="0"/>
-          </a:endParaRPr>
-        </a:p>
-      </dsp:txBody>
-      <dsp:txXfrm>
-        <a:off x="925" y="1157072"/>
-        <a:ext cx="2905650" cy="1100386"/>
-      </dsp:txXfrm>
-    </dsp:sp>
-    <dsp:sp modelId="{558FD4D8-578C-4CB8-A2E2-9FE13722BE3C}">
-      <dsp:nvSpPr>
-        <dsp:cNvPr id="0" name=""/>
-        <dsp:cNvSpPr/>
-      </dsp:nvSpPr>
-      <dsp:spPr>
-        <a:xfrm rot="5400000">
-          <a:off x="5205041" y="340584"/>
-          <a:ext cx="880309" cy="5044174"/>
-        </a:xfrm>
-        <a:prstGeom prst="roundRect">
-          <a:avLst/>
-        </a:prstGeom>
-        <a:solidFill>
-          <a:schemeClr val="accent4">
-            <a:alpha val="90000"/>
-            <a:tint val="40000"/>
-            <a:hueOff val="0"/>
-            <a:satOff val="0"/>
-            <a:lumOff val="0"/>
-            <a:alphaOff val="0"/>
-          </a:schemeClr>
-        </a:solidFill>
-        <a:ln w="25400" cap="flat" cmpd="sng" algn="ctr">
-          <a:solidFill>
-            <a:schemeClr val="accent4">
-              <a:alpha val="90000"/>
-              <a:tint val="40000"/>
-              <a:hueOff val="0"/>
-              <a:satOff val="0"/>
-              <a:lumOff val="0"/>
-              <a:alphaOff val="0"/>
-            </a:schemeClr>
-          </a:solidFill>
-          <a:prstDash val="solid"/>
-        </a:ln>
-        <a:effectLst/>
-      </dsp:spPr>
-      <dsp:style>
-        <a:lnRef idx="2">
-          <a:scrgbClr r="0" g="0" b="0"/>
-        </a:lnRef>
-        <a:fillRef idx="1">
-          <a:scrgbClr r="0" g="0" b="0"/>
-        </a:fillRef>
-        <a:effectRef idx="0">
-          <a:scrgbClr r="0" g="0" b="0"/>
-        </a:effectRef>
-        <a:fontRef idx="minor"/>
-      </dsp:style>
-      <dsp:txBody>
-        <a:bodyPr spcFirstLastPara="0" vert="horz" wrap="square" lIns="247650" tIns="123825" rIns="247650" bIns="123825" numCol="1" spcCol="1270" anchor="ctr" anchorCtr="0">
-          <a:noAutofit/>
-        </a:bodyPr>
-        <a:lstStyle/>
-        <a:p>
-          <a:pPr marL="171450" lvl="1" indent="-171450" algn="l" defTabSz="800100">
-            <a:lnSpc>
-              <a:spcPct val="90000"/>
-            </a:lnSpc>
-            <a:spcBef>
-              <a:spcPct val="0"/>
-            </a:spcBef>
-            <a:spcAft>
-              <a:spcPct val="15000"/>
-            </a:spcAft>
-            <a:buChar char="••"/>
-          </a:pPr>
-          <a:r>
-            <a:rPr lang="en-US" sz="1800" kern="1200" dirty="0" err="1" smtClean="0">
-              <a:solidFill>
-                <a:schemeClr val="accent1">
-                  <a:lumMod val="50000"/>
-                </a:schemeClr>
-              </a:solidFill>
-              <a:latin typeface="Source Sans Pro" panose="020B0604020202020204" charset="0"/>
-            </a:rPr>
-            <a:t>Memahami</a:t>
-          </a:r>
-          <a:r>
-            <a:rPr lang="en-US" sz="1800" kern="1200" dirty="0" smtClean="0">
-              <a:solidFill>
-                <a:schemeClr val="accent1">
-                  <a:lumMod val="50000"/>
-                </a:schemeClr>
-              </a:solidFill>
-              <a:latin typeface="Source Sans Pro" panose="020B0604020202020204" charset="0"/>
-            </a:rPr>
-            <a:t> </a:t>
-          </a:r>
-          <a:r>
-            <a:rPr lang="en-US" sz="1800" kern="1200" dirty="0" err="1" smtClean="0">
-              <a:solidFill>
-                <a:schemeClr val="accent1">
-                  <a:lumMod val="50000"/>
-                </a:schemeClr>
-              </a:solidFill>
-              <a:latin typeface="Source Sans Pro" panose="020B0604020202020204" charset="0"/>
-            </a:rPr>
-            <a:t>struktur</a:t>
-          </a:r>
-          <a:r>
-            <a:rPr lang="en-US" sz="1800" kern="1200" dirty="0" smtClean="0">
-              <a:solidFill>
-                <a:schemeClr val="accent1">
-                  <a:lumMod val="50000"/>
-                </a:schemeClr>
-              </a:solidFill>
-              <a:latin typeface="Source Sans Pro" panose="020B0604020202020204" charset="0"/>
-            </a:rPr>
-            <a:t> </a:t>
-          </a:r>
-          <a:r>
-            <a:rPr lang="en-US" sz="1800" kern="1200" dirty="0" err="1" smtClean="0">
-              <a:solidFill>
-                <a:schemeClr val="accent1">
-                  <a:lumMod val="50000"/>
-                </a:schemeClr>
-              </a:solidFill>
-              <a:latin typeface="Source Sans Pro" panose="020B0604020202020204" charset="0"/>
-            </a:rPr>
-            <a:t>dan</a:t>
-          </a:r>
-          <a:r>
-            <a:rPr lang="en-US" sz="1800" kern="1200" dirty="0" smtClean="0">
-              <a:solidFill>
-                <a:schemeClr val="accent1">
-                  <a:lumMod val="50000"/>
-                </a:schemeClr>
-              </a:solidFill>
-              <a:latin typeface="Source Sans Pro" panose="020B0604020202020204" charset="0"/>
-            </a:rPr>
-            <a:t> </a:t>
-          </a:r>
-          <a:r>
-            <a:rPr lang="en-US" sz="1800" kern="1200" dirty="0" err="1" smtClean="0">
-              <a:solidFill>
-                <a:schemeClr val="accent1">
-                  <a:lumMod val="50000"/>
-                </a:schemeClr>
-              </a:solidFill>
-              <a:latin typeface="Source Sans Pro" panose="020B0604020202020204" charset="0"/>
-            </a:rPr>
-            <a:t>alur</a:t>
-          </a:r>
-          <a:r>
-            <a:rPr lang="en-US" sz="1800" kern="1200" dirty="0" smtClean="0">
-              <a:solidFill>
-                <a:schemeClr val="accent1">
-                  <a:lumMod val="50000"/>
-                </a:schemeClr>
-              </a:solidFill>
-              <a:latin typeface="Source Sans Pro" panose="020B0604020202020204" charset="0"/>
-            </a:rPr>
-            <a:t> </a:t>
-          </a:r>
-          <a:r>
-            <a:rPr lang="en-US" sz="1800" kern="1200" dirty="0" err="1" smtClean="0">
-              <a:solidFill>
-                <a:schemeClr val="accent1">
-                  <a:lumMod val="50000"/>
-                </a:schemeClr>
-              </a:solidFill>
-              <a:latin typeface="Source Sans Pro" panose="020B0604020202020204" charset="0"/>
-            </a:rPr>
-            <a:t>dari</a:t>
-          </a:r>
-          <a:r>
-            <a:rPr lang="en-US" sz="1800" kern="1200" dirty="0" smtClean="0">
-              <a:solidFill>
-                <a:schemeClr val="accent1">
-                  <a:lumMod val="50000"/>
-                </a:schemeClr>
-              </a:solidFill>
-              <a:latin typeface="Source Sans Pro" panose="020B0604020202020204" charset="0"/>
-            </a:rPr>
-            <a:t> </a:t>
-          </a:r>
-          <a:r>
-            <a:rPr lang="en-US" sz="1800" kern="1200" dirty="0" err="1" smtClean="0">
-              <a:solidFill>
-                <a:schemeClr val="accent1">
-                  <a:lumMod val="50000"/>
-                </a:schemeClr>
-              </a:solidFill>
-              <a:latin typeface="Source Sans Pro" panose="020B0604020202020204" charset="0"/>
-            </a:rPr>
-            <a:t>suatu</a:t>
-          </a:r>
-          <a:r>
-            <a:rPr lang="en-US" sz="1800" kern="1200" dirty="0" smtClean="0">
-              <a:solidFill>
-                <a:schemeClr val="accent1">
-                  <a:lumMod val="50000"/>
-                </a:schemeClr>
-              </a:solidFill>
-              <a:latin typeface="Source Sans Pro" panose="020B0604020202020204" charset="0"/>
-            </a:rPr>
-            <a:t> program → </a:t>
-          </a:r>
-          <a:r>
-            <a:rPr lang="en-US" sz="1800" i="1" kern="1200" dirty="0" smtClean="0">
-              <a:solidFill>
-                <a:schemeClr val="accent1">
-                  <a:lumMod val="50000"/>
-                </a:schemeClr>
-              </a:solidFill>
-              <a:latin typeface="Source Sans Pro" panose="020B0604020202020204" charset="0"/>
-            </a:rPr>
-            <a:t>re-engineering </a:t>
-          </a:r>
-          <a:r>
-            <a:rPr lang="en-US" sz="1800" kern="1200" dirty="0" err="1" smtClean="0">
-              <a:solidFill>
-                <a:schemeClr val="accent1">
-                  <a:lumMod val="50000"/>
-                </a:schemeClr>
-              </a:solidFill>
-              <a:latin typeface="Source Sans Pro" panose="020B0604020202020204" charset="0"/>
-            </a:rPr>
-            <a:t>perangkat</a:t>
-          </a:r>
-          <a:r>
-            <a:rPr lang="en-US" sz="1800" kern="1200" dirty="0" smtClean="0">
-              <a:solidFill>
-                <a:schemeClr val="accent1">
-                  <a:lumMod val="50000"/>
-                </a:schemeClr>
-              </a:solidFill>
-              <a:latin typeface="Source Sans Pro" panose="020B0604020202020204" charset="0"/>
-            </a:rPr>
-            <a:t> </a:t>
-          </a:r>
-          <a:r>
-            <a:rPr lang="en-US" sz="1800" kern="1200" dirty="0" err="1" smtClean="0">
-              <a:solidFill>
-                <a:schemeClr val="accent1">
-                  <a:lumMod val="50000"/>
-                </a:schemeClr>
-              </a:solidFill>
-              <a:latin typeface="Source Sans Pro" panose="020B0604020202020204" charset="0"/>
-            </a:rPr>
-            <a:t>lunak</a:t>
-          </a:r>
-          <a:endParaRPr lang="en-US" sz="1800" kern="1200" dirty="0">
-            <a:solidFill>
-              <a:schemeClr val="accent1">
-                <a:lumMod val="50000"/>
-              </a:schemeClr>
-            </a:solidFill>
-            <a:latin typeface="Source Sans Pro" panose="020B0604020202020204" charset="0"/>
-          </a:endParaRPr>
-        </a:p>
-      </dsp:txBody>
-      <dsp:txXfrm rot="-5400000">
-        <a:off x="3166082" y="2465489"/>
-        <a:ext cx="4958228" cy="794363"/>
-      </dsp:txXfrm>
-    </dsp:sp>
-    <dsp:sp modelId="{FBF819AE-80D6-43AC-BF03-C06B61FF179E}">
-      <dsp:nvSpPr>
-        <dsp:cNvPr id="0" name=""/>
-        <dsp:cNvSpPr/>
-      </dsp:nvSpPr>
-      <dsp:spPr>
-        <a:xfrm>
-          <a:off x="925" y="2312478"/>
-          <a:ext cx="3122183" cy="1100386"/>
-        </a:xfrm>
-        <a:prstGeom prst="homePlate">
-          <a:avLst/>
-        </a:prstGeom>
-        <a:solidFill>
-          <a:schemeClr val="accent4">
-            <a:hueOff val="0"/>
-            <a:satOff val="0"/>
-            <a:lumOff val="0"/>
-            <a:alphaOff val="0"/>
-          </a:schemeClr>
-        </a:solidFill>
-        <a:ln w="25400" cap="flat" cmpd="sng" algn="ctr">
-          <a:solidFill>
-            <a:schemeClr val="lt1">
-              <a:hueOff val="0"/>
-              <a:satOff val="0"/>
-              <a:lumOff val="0"/>
-              <a:alphaOff val="0"/>
-            </a:schemeClr>
-          </a:solidFill>
-          <a:prstDash val="solid"/>
-        </a:ln>
-        <a:effectLst/>
-      </dsp:spPr>
-      <dsp:style>
-        <a:lnRef idx="2">
-          <a:scrgbClr r="0" g="0" b="0"/>
-        </a:lnRef>
-        <a:fillRef idx="1">
-          <a:scrgbClr r="0" g="0" b="0"/>
-        </a:fillRef>
-        <a:effectRef idx="0">
-          <a:scrgbClr r="0" g="0" b="0"/>
-        </a:effectRef>
-        <a:fontRef idx="minor">
-          <a:schemeClr val="lt1"/>
-        </a:fontRef>
-      </dsp:style>
-      <dsp:txBody>
-        <a:bodyPr spcFirstLastPara="0" vert="horz" wrap="square" lIns="76200" tIns="38100" rIns="76200" bIns="38100" numCol="1" spcCol="1270" anchor="ctr" anchorCtr="0">
-          <a:noAutofit/>
-        </a:bodyPr>
-        <a:lstStyle/>
-        <a:p>
-          <a:pPr lvl="0" algn="l" defTabSz="889000">
-            <a:lnSpc>
-              <a:spcPct val="90000"/>
-            </a:lnSpc>
-            <a:spcBef>
-              <a:spcPct val="0"/>
-            </a:spcBef>
-            <a:spcAft>
-              <a:spcPct val="35000"/>
-            </a:spcAft>
-          </a:pPr>
-          <a:r>
-            <a:rPr lang="en-US" sz="2000" kern="1200" dirty="0" err="1" smtClean="0">
-              <a:latin typeface="Source Sans Pro" panose="020B0604020202020204" charset="0"/>
-            </a:rPr>
-            <a:t>Membangkitkan</a:t>
-          </a:r>
-          <a:r>
-            <a:rPr lang="en-US" sz="2000" kern="1200" dirty="0" smtClean="0">
-              <a:latin typeface="Source Sans Pro" panose="020B0604020202020204" charset="0"/>
-            </a:rPr>
-            <a:t> diagram CFG</a:t>
-          </a:r>
-          <a:endParaRPr lang="en-US" sz="2000" kern="1200" dirty="0">
-            <a:latin typeface="Source Sans Pro" panose="020B0604020202020204" charset="0"/>
-          </a:endParaRPr>
-        </a:p>
-      </dsp:txBody>
-      <dsp:txXfrm>
-        <a:off x="925" y="2312478"/>
-        <a:ext cx="2847087" cy="1100386"/>
-      </dsp:txXfrm>
-    </dsp:sp>
   </dsp:spTree>
 </dsp:drawing>
 </file>
@@ -6886,370 +6143,6 @@
       <dsp:cNvGrpSpPr/>
     </dsp:nvGrpSpPr>
     <dsp:grpSpPr/>
-    <dsp:sp modelId="{63AD735B-45E6-4FFB-9292-3BF4081B5527}">
-      <dsp:nvSpPr>
-        <dsp:cNvPr id="0" name=""/>
-        <dsp:cNvSpPr/>
-      </dsp:nvSpPr>
-      <dsp:spPr>
-        <a:xfrm>
-          <a:off x="632623" y="0"/>
-          <a:ext cx="7169730" cy="3215640"/>
-        </a:xfrm>
-        <a:prstGeom prst="rightArrow">
-          <a:avLst/>
-        </a:prstGeom>
-        <a:solidFill>
-          <a:schemeClr val="accent4">
-            <a:tint val="40000"/>
-            <a:hueOff val="0"/>
-            <a:satOff val="0"/>
-            <a:lumOff val="0"/>
-            <a:alphaOff val="0"/>
-          </a:schemeClr>
-        </a:solidFill>
-        <a:ln>
-          <a:noFill/>
-        </a:ln>
-        <a:effectLst/>
-      </dsp:spPr>
-      <dsp:style>
-        <a:lnRef idx="0">
-          <a:scrgbClr r="0" g="0" b="0"/>
-        </a:lnRef>
-        <a:fillRef idx="1">
-          <a:scrgbClr r="0" g="0" b="0"/>
-        </a:fillRef>
-        <a:effectRef idx="0">
-          <a:scrgbClr r="0" g="0" b="0"/>
-        </a:effectRef>
-        <a:fontRef idx="minor"/>
-      </dsp:style>
-    </dsp:sp>
-    <dsp:sp modelId="{6F8601C0-123A-4A92-9605-9D9A351038AD}">
-      <dsp:nvSpPr>
-        <dsp:cNvPr id="0" name=""/>
-        <dsp:cNvSpPr/>
-      </dsp:nvSpPr>
-      <dsp:spPr>
-        <a:xfrm>
-          <a:off x="3959" y="964692"/>
-          <a:ext cx="1964516" cy="1286256"/>
-        </a:xfrm>
-        <a:prstGeom prst="roundRect">
-          <a:avLst/>
-        </a:prstGeom>
-        <a:solidFill>
-          <a:schemeClr val="accent4">
-            <a:hueOff val="0"/>
-            <a:satOff val="0"/>
-            <a:lumOff val="0"/>
-            <a:alphaOff val="0"/>
-          </a:schemeClr>
-        </a:solidFill>
-        <a:ln w="25400" cap="flat" cmpd="sng" algn="ctr">
-          <a:solidFill>
-            <a:schemeClr val="lt1">
-              <a:hueOff val="0"/>
-              <a:satOff val="0"/>
-              <a:lumOff val="0"/>
-              <a:alphaOff val="0"/>
-            </a:schemeClr>
-          </a:solidFill>
-          <a:prstDash val="solid"/>
-        </a:ln>
-        <a:effectLst/>
-      </dsp:spPr>
-      <dsp:style>
-        <a:lnRef idx="2">
-          <a:scrgbClr r="0" g="0" b="0"/>
-        </a:lnRef>
-        <a:fillRef idx="1">
-          <a:scrgbClr r="0" g="0" b="0"/>
-        </a:fillRef>
-        <a:effectRef idx="0">
-          <a:scrgbClr r="0" g="0" b="0"/>
-        </a:effectRef>
-        <a:fontRef idx="minor">
-          <a:schemeClr val="lt1"/>
-        </a:fontRef>
-      </dsp:style>
-      <dsp:txBody>
-        <a:bodyPr spcFirstLastPara="0" vert="horz" wrap="square" lIns="83820" tIns="83820" rIns="83820" bIns="83820" numCol="1" spcCol="1270" anchor="ctr" anchorCtr="0">
-          <a:noAutofit/>
-        </a:bodyPr>
-        <a:lstStyle/>
-        <a:p>
-          <a:pPr lvl="0" algn="ctr" defTabSz="977900">
-            <a:lnSpc>
-              <a:spcPct val="90000"/>
-            </a:lnSpc>
-            <a:spcBef>
-              <a:spcPct val="0"/>
-            </a:spcBef>
-            <a:spcAft>
-              <a:spcPct val="35000"/>
-            </a:spcAft>
-          </a:pPr>
-          <a:r>
-            <a:rPr lang="en-US" sz="2200" kern="1200" dirty="0" err="1" smtClean="0">
-              <a:latin typeface="Source Sans Pro" panose="020B0604020202020204" charset="0"/>
-            </a:rPr>
-            <a:t>Analisis</a:t>
-          </a:r>
-          <a:endParaRPr lang="en-US" sz="2200" kern="1200" dirty="0">
-            <a:latin typeface="Source Sans Pro" panose="020B0604020202020204" charset="0"/>
-          </a:endParaRPr>
-        </a:p>
-      </dsp:txBody>
-      <dsp:txXfrm>
-        <a:off x="66749" y="1027482"/>
-        <a:ext cx="1838936" cy="1160676"/>
-      </dsp:txXfrm>
-    </dsp:sp>
-    <dsp:sp modelId="{0C389756-8E27-425C-93A7-1F122AB3A498}">
-      <dsp:nvSpPr>
-        <dsp:cNvPr id="0" name=""/>
-        <dsp:cNvSpPr/>
-      </dsp:nvSpPr>
-      <dsp:spPr>
-        <a:xfrm>
-          <a:off x="2158140" y="964692"/>
-          <a:ext cx="1964516" cy="1286256"/>
-        </a:xfrm>
-        <a:prstGeom prst="roundRect">
-          <a:avLst/>
-        </a:prstGeom>
-        <a:solidFill>
-          <a:schemeClr val="accent4">
-            <a:hueOff val="0"/>
-            <a:satOff val="0"/>
-            <a:lumOff val="0"/>
-            <a:alphaOff val="0"/>
-          </a:schemeClr>
-        </a:solidFill>
-        <a:ln w="25400" cap="flat" cmpd="sng" algn="ctr">
-          <a:solidFill>
-            <a:schemeClr val="lt1">
-              <a:hueOff val="0"/>
-              <a:satOff val="0"/>
-              <a:lumOff val="0"/>
-              <a:alphaOff val="0"/>
-            </a:schemeClr>
-          </a:solidFill>
-          <a:prstDash val="solid"/>
-        </a:ln>
-        <a:effectLst/>
-      </dsp:spPr>
-      <dsp:style>
-        <a:lnRef idx="2">
-          <a:scrgbClr r="0" g="0" b="0"/>
-        </a:lnRef>
-        <a:fillRef idx="1">
-          <a:scrgbClr r="0" g="0" b="0"/>
-        </a:fillRef>
-        <a:effectRef idx="0">
-          <a:scrgbClr r="0" g="0" b="0"/>
-        </a:effectRef>
-        <a:fontRef idx="minor">
-          <a:schemeClr val="lt1"/>
-        </a:fontRef>
-      </dsp:style>
-      <dsp:txBody>
-        <a:bodyPr spcFirstLastPara="0" vert="horz" wrap="square" lIns="83820" tIns="83820" rIns="83820" bIns="83820" numCol="1" spcCol="1270" anchor="ctr" anchorCtr="0">
-          <a:noAutofit/>
-        </a:bodyPr>
-        <a:lstStyle/>
-        <a:p>
-          <a:pPr lvl="0" algn="ctr" defTabSz="977900">
-            <a:lnSpc>
-              <a:spcPct val="90000"/>
-            </a:lnSpc>
-            <a:spcBef>
-              <a:spcPct val="0"/>
-            </a:spcBef>
-            <a:spcAft>
-              <a:spcPct val="35000"/>
-            </a:spcAft>
-          </a:pPr>
-          <a:r>
-            <a:rPr lang="en-US" sz="2200" kern="1200" dirty="0" err="1" smtClean="0">
-              <a:latin typeface="Source Sans Pro" panose="020B0604020202020204" charset="0"/>
-            </a:rPr>
-            <a:t>Perancangan</a:t>
-          </a:r>
-          <a:endParaRPr lang="en-US" sz="2200" kern="1200" dirty="0">
-            <a:latin typeface="Source Sans Pro" panose="020B0604020202020204" charset="0"/>
-          </a:endParaRPr>
-        </a:p>
-      </dsp:txBody>
-      <dsp:txXfrm>
-        <a:off x="2220930" y="1027482"/>
-        <a:ext cx="1838936" cy="1160676"/>
-      </dsp:txXfrm>
-    </dsp:sp>
-    <dsp:sp modelId="{8C6F6F11-0F0B-4F42-91AB-3CACEA25B23E}">
-      <dsp:nvSpPr>
-        <dsp:cNvPr id="0" name=""/>
-        <dsp:cNvSpPr/>
-      </dsp:nvSpPr>
-      <dsp:spPr>
-        <a:xfrm>
-          <a:off x="4312320" y="964692"/>
-          <a:ext cx="1964516" cy="1286256"/>
-        </a:xfrm>
-        <a:prstGeom prst="roundRect">
-          <a:avLst/>
-        </a:prstGeom>
-        <a:solidFill>
-          <a:schemeClr val="accent4">
-            <a:hueOff val="0"/>
-            <a:satOff val="0"/>
-            <a:lumOff val="0"/>
-            <a:alphaOff val="0"/>
-          </a:schemeClr>
-        </a:solidFill>
-        <a:ln w="25400" cap="flat" cmpd="sng" algn="ctr">
-          <a:solidFill>
-            <a:schemeClr val="lt1">
-              <a:hueOff val="0"/>
-              <a:satOff val="0"/>
-              <a:lumOff val="0"/>
-              <a:alphaOff val="0"/>
-            </a:schemeClr>
-          </a:solidFill>
-          <a:prstDash val="solid"/>
-        </a:ln>
-        <a:effectLst/>
-      </dsp:spPr>
-      <dsp:style>
-        <a:lnRef idx="2">
-          <a:scrgbClr r="0" g="0" b="0"/>
-        </a:lnRef>
-        <a:fillRef idx="1">
-          <a:scrgbClr r="0" g="0" b="0"/>
-        </a:fillRef>
-        <a:effectRef idx="0">
-          <a:scrgbClr r="0" g="0" b="0"/>
-        </a:effectRef>
-        <a:fontRef idx="minor">
-          <a:schemeClr val="lt1"/>
-        </a:fontRef>
-      </dsp:style>
-      <dsp:txBody>
-        <a:bodyPr spcFirstLastPara="0" vert="horz" wrap="square" lIns="83820" tIns="83820" rIns="83820" bIns="83820" numCol="1" spcCol="1270" anchor="ctr" anchorCtr="0">
-          <a:noAutofit/>
-        </a:bodyPr>
-        <a:lstStyle/>
-        <a:p>
-          <a:pPr lvl="0" algn="ctr" defTabSz="977900">
-            <a:lnSpc>
-              <a:spcPct val="90000"/>
-            </a:lnSpc>
-            <a:spcBef>
-              <a:spcPct val="0"/>
-            </a:spcBef>
-            <a:spcAft>
-              <a:spcPct val="35000"/>
-            </a:spcAft>
-          </a:pPr>
-          <a:r>
-            <a:rPr lang="en-US" sz="2200" kern="1200" dirty="0" err="1" smtClean="0">
-              <a:latin typeface="Source Sans Pro" panose="020B0604020202020204" charset="0"/>
-            </a:rPr>
-            <a:t>Implementasi</a:t>
-          </a:r>
-          <a:endParaRPr lang="en-US" sz="2200" kern="1200" dirty="0">
-            <a:latin typeface="Source Sans Pro" panose="020B0604020202020204" charset="0"/>
-          </a:endParaRPr>
-        </a:p>
-      </dsp:txBody>
-      <dsp:txXfrm>
-        <a:off x="4375110" y="1027482"/>
-        <a:ext cx="1838936" cy="1160676"/>
-      </dsp:txXfrm>
-    </dsp:sp>
-    <dsp:sp modelId="{ABB1979C-B098-4B33-BBEE-84A63DE08A5F}">
-      <dsp:nvSpPr>
-        <dsp:cNvPr id="0" name=""/>
-        <dsp:cNvSpPr/>
-      </dsp:nvSpPr>
-      <dsp:spPr>
-        <a:xfrm>
-          <a:off x="6466500" y="964692"/>
-          <a:ext cx="1964516" cy="1286256"/>
-        </a:xfrm>
-        <a:prstGeom prst="roundRect">
-          <a:avLst/>
-        </a:prstGeom>
-        <a:solidFill>
-          <a:schemeClr val="accent4">
-            <a:hueOff val="0"/>
-            <a:satOff val="0"/>
-            <a:lumOff val="0"/>
-            <a:alphaOff val="0"/>
-          </a:schemeClr>
-        </a:solidFill>
-        <a:ln w="25400" cap="flat" cmpd="sng" algn="ctr">
-          <a:solidFill>
-            <a:schemeClr val="lt1">
-              <a:hueOff val="0"/>
-              <a:satOff val="0"/>
-              <a:lumOff val="0"/>
-              <a:alphaOff val="0"/>
-            </a:schemeClr>
-          </a:solidFill>
-          <a:prstDash val="solid"/>
-        </a:ln>
-        <a:effectLst/>
-      </dsp:spPr>
-      <dsp:style>
-        <a:lnRef idx="2">
-          <a:scrgbClr r="0" g="0" b="0"/>
-        </a:lnRef>
-        <a:fillRef idx="1">
-          <a:scrgbClr r="0" g="0" b="0"/>
-        </a:fillRef>
-        <a:effectRef idx="0">
-          <a:scrgbClr r="0" g="0" b="0"/>
-        </a:effectRef>
-        <a:fontRef idx="minor">
-          <a:schemeClr val="lt1"/>
-        </a:fontRef>
-      </dsp:style>
-      <dsp:txBody>
-        <a:bodyPr spcFirstLastPara="0" vert="horz" wrap="square" lIns="83820" tIns="83820" rIns="83820" bIns="83820" numCol="1" spcCol="1270" anchor="ctr" anchorCtr="0">
-          <a:noAutofit/>
-        </a:bodyPr>
-        <a:lstStyle/>
-        <a:p>
-          <a:pPr lvl="0" algn="ctr" defTabSz="977900">
-            <a:lnSpc>
-              <a:spcPct val="90000"/>
-            </a:lnSpc>
-            <a:spcBef>
-              <a:spcPct val="0"/>
-            </a:spcBef>
-            <a:spcAft>
-              <a:spcPct val="35000"/>
-            </a:spcAft>
-          </a:pPr>
-          <a:r>
-            <a:rPr lang="en-US" sz="2200" kern="1200" dirty="0" err="1" smtClean="0">
-              <a:latin typeface="Source Sans Pro" panose="020B0604020202020204" charset="0"/>
-            </a:rPr>
-            <a:t>Pengujian</a:t>
-          </a:r>
-          <a:endParaRPr lang="en-US" sz="2200" kern="1200" dirty="0">
-            <a:latin typeface="Source Sans Pro" panose="020B0604020202020204" charset="0"/>
-          </a:endParaRPr>
-        </a:p>
-      </dsp:txBody>
-      <dsp:txXfrm>
-        <a:off x="6529290" y="1027482"/>
-        <a:ext cx="1838936" cy="1160676"/>
-      </dsp:txXfrm>
-    </dsp:sp>
   </dsp:spTree>
 </dsp:drawing>
 </file>
@@ -7262,484 +6155,6 @@
       <dsp:cNvGrpSpPr/>
     </dsp:nvGrpSpPr>
     <dsp:grpSpPr/>
-    <dsp:sp modelId="{1719AB82-CE56-4DCF-8F4B-9C307663A787}">
-      <dsp:nvSpPr>
-        <dsp:cNvPr id="0" name=""/>
-        <dsp:cNvSpPr/>
-      </dsp:nvSpPr>
-      <dsp:spPr>
-        <a:xfrm>
-          <a:off x="-3454107" y="-534615"/>
-          <a:ext cx="4146063" cy="4146063"/>
-        </a:xfrm>
-        <a:prstGeom prst="blockArc">
-          <a:avLst>
-            <a:gd name="adj1" fmla="val 18900000"/>
-            <a:gd name="adj2" fmla="val 2700000"/>
-            <a:gd name="adj3" fmla="val 521"/>
-          </a:avLst>
-        </a:prstGeom>
-        <a:noFill/>
-        <a:ln w="25400" cap="flat" cmpd="sng" algn="ctr">
-          <a:solidFill>
-            <a:schemeClr val="accent4">
-              <a:hueOff val="0"/>
-              <a:satOff val="0"/>
-              <a:lumOff val="0"/>
-              <a:alphaOff val="0"/>
-            </a:schemeClr>
-          </a:solidFill>
-          <a:prstDash val="solid"/>
-        </a:ln>
-        <a:effectLst/>
-      </dsp:spPr>
-      <dsp:style>
-        <a:lnRef idx="2">
-          <a:scrgbClr r="0" g="0" b="0"/>
-        </a:lnRef>
-        <a:fillRef idx="0">
-          <a:scrgbClr r="0" g="0" b="0"/>
-        </a:fillRef>
-        <a:effectRef idx="0">
-          <a:scrgbClr r="0" g="0" b="0"/>
-        </a:effectRef>
-        <a:fontRef idx="minor"/>
-      </dsp:style>
-    </dsp:sp>
-    <dsp:sp modelId="{9111F394-CE64-4CAA-B1E0-7E90D3908268}">
-      <dsp:nvSpPr>
-        <dsp:cNvPr id="0" name=""/>
-        <dsp:cNvSpPr/>
-      </dsp:nvSpPr>
-      <dsp:spPr>
-        <a:xfrm>
-          <a:off x="565598" y="439556"/>
-          <a:ext cx="6852818" cy="878989"/>
-        </a:xfrm>
-        <a:prstGeom prst="rect">
-          <a:avLst/>
-        </a:prstGeom>
-        <a:solidFill>
-          <a:schemeClr val="accent3">
-            <a:hueOff val="0"/>
-            <a:satOff val="0"/>
-            <a:lumOff val="0"/>
-            <a:alphaOff val="0"/>
-          </a:schemeClr>
-        </a:solidFill>
-        <a:ln w="25400" cap="flat" cmpd="sng" algn="ctr">
-          <a:solidFill>
-            <a:schemeClr val="lt1">
-              <a:hueOff val="0"/>
-              <a:satOff val="0"/>
-              <a:lumOff val="0"/>
-              <a:alphaOff val="0"/>
-            </a:schemeClr>
-          </a:solidFill>
-          <a:prstDash val="solid"/>
-        </a:ln>
-        <a:effectLst/>
-      </dsp:spPr>
-      <dsp:style>
-        <a:lnRef idx="2">
-          <a:scrgbClr r="0" g="0" b="0"/>
-        </a:lnRef>
-        <a:fillRef idx="1">
-          <a:scrgbClr r="0" g="0" b="0"/>
-        </a:fillRef>
-        <a:effectRef idx="0">
-          <a:scrgbClr r="0" g="0" b="0"/>
-        </a:effectRef>
-        <a:fontRef idx="minor">
-          <a:schemeClr val="lt1"/>
-        </a:fontRef>
-      </dsp:style>
-      <dsp:txBody>
-        <a:bodyPr spcFirstLastPara="0" vert="horz" wrap="square" lIns="697698" tIns="58420" rIns="58420" bIns="58420" numCol="1" spcCol="1270" anchor="ctr" anchorCtr="0">
-          <a:noAutofit/>
-        </a:bodyPr>
-        <a:lstStyle/>
-        <a:p>
-          <a:pPr lvl="0" algn="l" defTabSz="1022350">
-            <a:lnSpc>
-              <a:spcPct val="90000"/>
-            </a:lnSpc>
-            <a:spcBef>
-              <a:spcPct val="0"/>
-            </a:spcBef>
-            <a:spcAft>
-              <a:spcPct val="35000"/>
-            </a:spcAft>
-          </a:pPr>
-          <a:r>
-            <a:rPr lang="en-US" sz="2300" kern="1200" dirty="0" err="1" smtClean="0">
-              <a:latin typeface="Source Sans Pro" panose="020B0604020202020204" charset="0"/>
-            </a:rPr>
-            <a:t>Mendefinisikan</a:t>
-          </a:r>
-          <a:r>
-            <a:rPr lang="en-US" sz="2300" kern="1200" dirty="0" smtClean="0">
-              <a:latin typeface="Source Sans Pro" panose="020B0604020202020204" charset="0"/>
-            </a:rPr>
-            <a:t> </a:t>
-          </a:r>
-          <a:r>
-            <a:rPr lang="en-US" sz="2300" kern="1200" dirty="0" err="1" smtClean="0">
-              <a:latin typeface="Source Sans Pro" panose="020B0604020202020204" charset="0"/>
-            </a:rPr>
-            <a:t>Kebutuhan</a:t>
-          </a:r>
-          <a:endParaRPr lang="en-US" sz="2300" kern="1200" dirty="0" smtClean="0">
-            <a:latin typeface="Source Sans Pro" panose="020B0604020202020204" charset="0"/>
-          </a:endParaRPr>
-        </a:p>
-      </dsp:txBody>
-      <dsp:txXfrm>
-        <a:off x="565598" y="439556"/>
-        <a:ext cx="6852818" cy="878989"/>
-      </dsp:txXfrm>
-    </dsp:sp>
-    <dsp:sp modelId="{EC3302C0-9F90-4715-B939-D9F64ABD56B6}">
-      <dsp:nvSpPr>
-        <dsp:cNvPr id="0" name=""/>
-        <dsp:cNvSpPr/>
-      </dsp:nvSpPr>
-      <dsp:spPr>
-        <a:xfrm>
-          <a:off x="16230" y="329682"/>
-          <a:ext cx="1098737" cy="1098737"/>
-        </a:xfrm>
-        <a:prstGeom prst="ellipse">
-          <a:avLst/>
-        </a:prstGeom>
-        <a:solidFill>
-          <a:schemeClr val="lt1">
-            <a:hueOff val="0"/>
-            <a:satOff val="0"/>
-            <a:lumOff val="0"/>
-            <a:alphaOff val="0"/>
-          </a:schemeClr>
-        </a:solidFill>
-        <a:ln w="25400" cap="flat" cmpd="sng" algn="ctr">
-          <a:solidFill>
-            <a:schemeClr val="accent3">
-              <a:hueOff val="0"/>
-              <a:satOff val="0"/>
-              <a:lumOff val="0"/>
-              <a:alphaOff val="0"/>
-            </a:schemeClr>
-          </a:solidFill>
-          <a:prstDash val="solid"/>
-        </a:ln>
-        <a:effectLst/>
-      </dsp:spPr>
-      <dsp:style>
-        <a:lnRef idx="2">
-          <a:scrgbClr r="0" g="0" b="0"/>
-        </a:lnRef>
-        <a:fillRef idx="1">
-          <a:scrgbClr r="0" g="0" b="0"/>
-        </a:fillRef>
-        <a:effectRef idx="0">
-          <a:scrgbClr r="0" g="0" b="0"/>
-        </a:effectRef>
-        <a:fontRef idx="minor"/>
-      </dsp:style>
-    </dsp:sp>
-    <dsp:sp modelId="{3D8B31FE-B9BC-47D2-BE12-041186235984}">
-      <dsp:nvSpPr>
-        <dsp:cNvPr id="0" name=""/>
-        <dsp:cNvSpPr/>
-      </dsp:nvSpPr>
-      <dsp:spPr>
-        <a:xfrm>
-          <a:off x="565598" y="1627647"/>
-          <a:ext cx="6852818" cy="1140269"/>
-        </a:xfrm>
-        <a:prstGeom prst="rect">
-          <a:avLst/>
-        </a:prstGeom>
-        <a:solidFill>
-          <a:schemeClr val="accent3">
-            <a:hueOff val="6639025"/>
-            <a:satOff val="-5461"/>
-            <a:lumOff val="6078"/>
-            <a:alphaOff val="0"/>
-          </a:schemeClr>
-        </a:solidFill>
-        <a:ln w="25400" cap="flat" cmpd="sng" algn="ctr">
-          <a:solidFill>
-            <a:schemeClr val="lt1">
-              <a:hueOff val="0"/>
-              <a:satOff val="0"/>
-              <a:lumOff val="0"/>
-              <a:alphaOff val="0"/>
-            </a:schemeClr>
-          </a:solidFill>
-          <a:prstDash val="solid"/>
-        </a:ln>
-        <a:effectLst/>
-      </dsp:spPr>
-      <dsp:style>
-        <a:lnRef idx="2">
-          <a:scrgbClr r="0" g="0" b="0"/>
-        </a:lnRef>
-        <a:fillRef idx="1">
-          <a:scrgbClr r="0" g="0" b="0"/>
-        </a:fillRef>
-        <a:effectRef idx="0">
-          <a:scrgbClr r="0" g="0" b="0"/>
-        </a:effectRef>
-        <a:fontRef idx="minor">
-          <a:schemeClr val="lt1"/>
-        </a:fontRef>
-      </dsp:style>
-      <dsp:txBody>
-        <a:bodyPr spcFirstLastPara="0" vert="horz" wrap="square" lIns="697698" tIns="58420" rIns="58420" bIns="58420" numCol="1" spcCol="1270" anchor="t" anchorCtr="0">
-          <a:noAutofit/>
-        </a:bodyPr>
-        <a:lstStyle/>
-        <a:p>
-          <a:pPr lvl="0" algn="l" defTabSz="1022350">
-            <a:lnSpc>
-              <a:spcPct val="90000"/>
-            </a:lnSpc>
-            <a:spcBef>
-              <a:spcPct val="0"/>
-            </a:spcBef>
-            <a:spcAft>
-              <a:spcPct val="35000"/>
-            </a:spcAft>
-          </a:pPr>
-          <a:r>
-            <a:rPr lang="en-US" sz="2300" kern="1200" dirty="0" err="1" smtClean="0">
-              <a:latin typeface="Source Sans Pro" panose="020B0604020202020204" charset="0"/>
-            </a:rPr>
-            <a:t>Mengumpulkan</a:t>
-          </a:r>
-          <a:r>
-            <a:rPr lang="en-US" sz="2300" kern="1200" dirty="0" smtClean="0">
-              <a:latin typeface="Source Sans Pro" panose="020B0604020202020204" charset="0"/>
-            </a:rPr>
-            <a:t> </a:t>
-          </a:r>
-          <a:r>
-            <a:rPr lang="en-US" sz="2300" kern="1200" dirty="0" err="1" smtClean="0">
-              <a:latin typeface="Source Sans Pro" panose="020B0604020202020204" charset="0"/>
-            </a:rPr>
-            <a:t>contoh</a:t>
-          </a:r>
-          <a:r>
-            <a:rPr lang="en-US" sz="2300" kern="1200" dirty="0" smtClean="0">
-              <a:latin typeface="Source Sans Pro" panose="020B0604020202020204" charset="0"/>
-            </a:rPr>
-            <a:t> program</a:t>
-          </a:r>
-          <a:endParaRPr lang="en-US" sz="2300" kern="1200" dirty="0">
-            <a:latin typeface="Source Sans Pro" panose="020B0604020202020204" charset="0"/>
-          </a:endParaRPr>
-        </a:p>
-        <a:p>
-          <a:pPr marL="171450" lvl="1" indent="-171450" algn="l" defTabSz="800100">
-            <a:lnSpc>
-              <a:spcPct val="90000"/>
-            </a:lnSpc>
-            <a:spcBef>
-              <a:spcPct val="0"/>
-            </a:spcBef>
-            <a:spcAft>
-              <a:spcPct val="15000"/>
-            </a:spcAft>
-            <a:buChar char="••"/>
-          </a:pPr>
-          <a:r>
-            <a:rPr lang="en-US" sz="1800" kern="1200" dirty="0" err="1" smtClean="0">
-              <a:latin typeface="Source Sans Pro" panose="020B0604020202020204" charset="0"/>
-            </a:rPr>
-            <a:t>Memiliki</a:t>
-          </a:r>
-          <a:r>
-            <a:rPr lang="en-US" sz="1800" kern="1200" dirty="0" smtClean="0">
-              <a:latin typeface="Source Sans Pro" panose="020B0604020202020204" charset="0"/>
-            </a:rPr>
-            <a:t> </a:t>
-          </a:r>
-          <a:r>
-            <a:rPr lang="en-US" sz="1800" kern="1200" dirty="0" err="1" smtClean="0">
-              <a:latin typeface="Source Sans Pro" panose="020B0604020202020204" charset="0"/>
-            </a:rPr>
-            <a:t>perintah</a:t>
-          </a:r>
-          <a:r>
-            <a:rPr lang="en-US" sz="1800" kern="1200" dirty="0" smtClean="0">
-              <a:latin typeface="Source Sans Pro" panose="020B0604020202020204" charset="0"/>
-            </a:rPr>
-            <a:t> </a:t>
-          </a:r>
-          <a:r>
-            <a:rPr lang="en-US" sz="1800" kern="1200" dirty="0" err="1" smtClean="0">
-              <a:latin typeface="Source Sans Pro" panose="020B0604020202020204" charset="0"/>
-            </a:rPr>
-            <a:t>struktur</a:t>
-          </a:r>
-          <a:r>
-            <a:rPr lang="en-US" sz="1800" kern="1200" dirty="0" smtClean="0">
-              <a:latin typeface="Source Sans Pro" panose="020B0604020202020204" charset="0"/>
-            </a:rPr>
-            <a:t> </a:t>
-          </a:r>
-          <a:r>
-            <a:rPr lang="en-US" sz="1800" kern="1200" dirty="0" err="1" smtClean="0">
-              <a:latin typeface="Source Sans Pro" panose="020B0604020202020204" charset="0"/>
-            </a:rPr>
-            <a:t>kontrol</a:t>
-          </a:r>
-          <a:endParaRPr lang="en-US" sz="1800" kern="1200" dirty="0">
-            <a:latin typeface="Source Sans Pro" panose="020B0604020202020204" charset="0"/>
-          </a:endParaRPr>
-        </a:p>
-        <a:p>
-          <a:pPr marL="171450" lvl="1" indent="-171450" algn="l" defTabSz="800100">
-            <a:lnSpc>
-              <a:spcPct val="90000"/>
-            </a:lnSpc>
-            <a:spcBef>
-              <a:spcPct val="0"/>
-            </a:spcBef>
-            <a:spcAft>
-              <a:spcPct val="15000"/>
-            </a:spcAft>
-            <a:buChar char="••"/>
-          </a:pPr>
-          <a:r>
-            <a:rPr lang="en-US" sz="1800" kern="1200" dirty="0" err="1" smtClean="0">
-              <a:latin typeface="Source Sans Pro" panose="020B0604020202020204" charset="0"/>
-            </a:rPr>
-            <a:t>Diperoleh</a:t>
-          </a:r>
-          <a:r>
-            <a:rPr lang="en-US" sz="1800" kern="1200" dirty="0" smtClean="0">
-              <a:latin typeface="Source Sans Pro" panose="020B0604020202020204" charset="0"/>
-            </a:rPr>
-            <a:t> </a:t>
-          </a:r>
-          <a:r>
-            <a:rPr lang="en-US" sz="1800" kern="1200" dirty="0" err="1" smtClean="0">
-              <a:latin typeface="Source Sans Pro" panose="020B0604020202020204" charset="0"/>
-            </a:rPr>
-            <a:t>dari</a:t>
-          </a:r>
-          <a:r>
-            <a:rPr lang="en-US" sz="1800" kern="1200" dirty="0" smtClean="0">
-              <a:latin typeface="Source Sans Pro" panose="020B0604020202020204" charset="0"/>
-            </a:rPr>
-            <a:t> </a:t>
-          </a:r>
-          <a:r>
-            <a:rPr lang="en-US" sz="1800" kern="1200" dirty="0" err="1" smtClean="0">
-              <a:latin typeface="Source Sans Pro" panose="020B0604020202020204" charset="0"/>
-            </a:rPr>
-            <a:t>penelitian</a:t>
-          </a:r>
-          <a:r>
-            <a:rPr lang="en-US" sz="1800" kern="1200" dirty="0" smtClean="0">
-              <a:latin typeface="Source Sans Pro" panose="020B0604020202020204" charset="0"/>
-            </a:rPr>
-            <a:t> yang </a:t>
-          </a:r>
-          <a:r>
-            <a:rPr lang="en-US" sz="1800" kern="1200" dirty="0" err="1" smtClean="0">
-              <a:latin typeface="Source Sans Pro" panose="020B0604020202020204" charset="0"/>
-            </a:rPr>
-            <a:t>dilakukan</a:t>
-          </a:r>
-          <a:r>
-            <a:rPr lang="en-US" sz="1800" kern="1200" dirty="0" smtClean="0">
-              <a:latin typeface="Source Sans Pro" panose="020B0604020202020204" charset="0"/>
-            </a:rPr>
-            <a:t> </a:t>
-          </a:r>
-          <a:r>
-            <a:rPr lang="en-US" sz="1800" kern="1200" dirty="0" err="1" smtClean="0">
-              <a:latin typeface="Source Sans Pro" panose="020B0604020202020204" charset="0"/>
-            </a:rPr>
-            <a:t>oleh</a:t>
-          </a:r>
-          <a:r>
-            <a:rPr lang="en-US" sz="1800" kern="1200" dirty="0" smtClean="0">
-              <a:latin typeface="Source Sans Pro" panose="020B0604020202020204" charset="0"/>
-            </a:rPr>
-            <a:t> </a:t>
-          </a:r>
-          <a:r>
-            <a:rPr lang="en-US" sz="1800" kern="1200" dirty="0" err="1" smtClean="0">
-              <a:latin typeface="Source Sans Pro" panose="020B0604020202020204" charset="0"/>
-            </a:rPr>
-            <a:t>Hermadi</a:t>
-          </a:r>
-          <a:r>
-            <a:rPr lang="en-US" sz="1800" kern="1200" dirty="0" smtClean="0">
-              <a:latin typeface="Source Sans Pro" panose="020B0604020202020204" charset="0"/>
-            </a:rPr>
-            <a:t> (2015)</a:t>
-          </a:r>
-          <a:endParaRPr lang="en-US" sz="1800" kern="1200" dirty="0">
-            <a:latin typeface="Source Sans Pro" panose="020B0604020202020204" charset="0"/>
-          </a:endParaRPr>
-        </a:p>
-      </dsp:txBody>
-      <dsp:txXfrm>
-        <a:off x="565598" y="1627647"/>
-        <a:ext cx="6852818" cy="1140269"/>
-      </dsp:txXfrm>
-    </dsp:sp>
-    <dsp:sp modelId="{B0ED614E-BDFE-4BE3-B7A1-3279A830C87A}">
-      <dsp:nvSpPr>
-        <dsp:cNvPr id="0" name=""/>
-        <dsp:cNvSpPr/>
-      </dsp:nvSpPr>
-      <dsp:spPr>
-        <a:xfrm>
-          <a:off x="16230" y="1648413"/>
-          <a:ext cx="1098737" cy="1098737"/>
-        </a:xfrm>
-        <a:prstGeom prst="ellipse">
-          <a:avLst/>
-        </a:prstGeom>
-        <a:solidFill>
-          <a:schemeClr val="lt1">
-            <a:hueOff val="0"/>
-            <a:satOff val="0"/>
-            <a:lumOff val="0"/>
-            <a:alphaOff val="0"/>
-          </a:schemeClr>
-        </a:solidFill>
-        <a:ln w="25400" cap="flat" cmpd="sng" algn="ctr">
-          <a:solidFill>
-            <a:schemeClr val="accent3">
-              <a:hueOff val="6639025"/>
-              <a:satOff val="-5461"/>
-              <a:lumOff val="6078"/>
-              <a:alphaOff val="0"/>
-            </a:schemeClr>
-          </a:solidFill>
-          <a:prstDash val="solid"/>
-        </a:ln>
-        <a:effectLst/>
-      </dsp:spPr>
-      <dsp:style>
-        <a:lnRef idx="2">
-          <a:scrgbClr r="0" g="0" b="0"/>
-        </a:lnRef>
-        <a:fillRef idx="1">
-          <a:scrgbClr r="0" g="0" b="0"/>
-        </a:fillRef>
-        <a:effectRef idx="0">
-          <a:scrgbClr r="0" g="0" b="0"/>
-        </a:effectRef>
-        <a:fontRef idx="minor"/>
-      </dsp:style>
-    </dsp:sp>
   </dsp:spTree>
 </dsp:drawing>
 </file>
@@ -7752,484 +6167,6 @@
       <dsp:cNvGrpSpPr/>
     </dsp:nvGrpSpPr>
     <dsp:grpSpPr/>
-    <dsp:sp modelId="{D47DB433-B974-4179-AA2E-DE90A950C112}">
-      <dsp:nvSpPr>
-        <dsp:cNvPr id="0" name=""/>
-        <dsp:cNvSpPr/>
-      </dsp:nvSpPr>
-      <dsp:spPr>
-        <a:xfrm rot="1141814">
-          <a:off x="1221122" y="1561458"/>
-          <a:ext cx="368625" cy="66005"/>
-        </a:xfrm>
-        <a:custGeom>
-          <a:avLst/>
-          <a:gdLst/>
-          <a:ahLst/>
-          <a:cxnLst/>
-          <a:rect l="0" t="0" r="0" b="0"/>
-          <a:pathLst>
-            <a:path>
-              <a:moveTo>
-                <a:pt x="0" y="33002"/>
-              </a:moveTo>
-              <a:lnTo>
-                <a:pt x="368625" y="33002"/>
-              </a:lnTo>
-            </a:path>
-          </a:pathLst>
-        </a:custGeom>
-        <a:noFill/>
-        <a:ln w="25400" cap="flat" cmpd="sng" algn="ctr">
-          <a:solidFill>
-            <a:schemeClr val="accent4">
-              <a:shade val="80000"/>
-              <a:hueOff val="0"/>
-              <a:satOff val="0"/>
-              <a:lumOff val="0"/>
-              <a:alphaOff val="0"/>
-            </a:schemeClr>
-          </a:solidFill>
-          <a:prstDash val="solid"/>
-        </a:ln>
-        <a:effectLst/>
-      </dsp:spPr>
-      <dsp:style>
-        <a:lnRef idx="2">
-          <a:scrgbClr r="0" g="0" b="0"/>
-        </a:lnRef>
-        <a:fillRef idx="0">
-          <a:scrgbClr r="0" g="0" b="0"/>
-        </a:fillRef>
-        <a:effectRef idx="0">
-          <a:scrgbClr r="0" g="0" b="0"/>
-        </a:effectRef>
-        <a:fontRef idx="minor"/>
-      </dsp:style>
-    </dsp:sp>
-    <dsp:sp modelId="{243BB063-ABBA-4974-BA37-23D7CD84FD37}">
-      <dsp:nvSpPr>
-        <dsp:cNvPr id="0" name=""/>
-        <dsp:cNvSpPr/>
-      </dsp:nvSpPr>
-      <dsp:spPr>
-        <a:xfrm rot="19821053">
-          <a:off x="1203579" y="910091"/>
-          <a:ext cx="421850" cy="66005"/>
-        </a:xfrm>
-        <a:custGeom>
-          <a:avLst/>
-          <a:gdLst/>
-          <a:ahLst/>
-          <a:cxnLst/>
-          <a:rect l="0" t="0" r="0" b="0"/>
-          <a:pathLst>
-            <a:path>
-              <a:moveTo>
-                <a:pt x="0" y="33002"/>
-              </a:moveTo>
-              <a:lnTo>
-                <a:pt x="421850" y="33002"/>
-              </a:lnTo>
-            </a:path>
-          </a:pathLst>
-        </a:custGeom>
-        <a:noFill/>
-        <a:ln w="25400" cap="flat" cmpd="sng" algn="ctr">
-          <a:solidFill>
-            <a:schemeClr val="accent4">
-              <a:shade val="80000"/>
-              <a:hueOff val="0"/>
-              <a:satOff val="0"/>
-              <a:lumOff val="0"/>
-              <a:alphaOff val="0"/>
-            </a:schemeClr>
-          </a:solidFill>
-          <a:prstDash val="solid"/>
-        </a:ln>
-        <a:effectLst/>
-      </dsp:spPr>
-      <dsp:style>
-        <a:lnRef idx="2">
-          <a:scrgbClr r="0" g="0" b="0"/>
-        </a:lnRef>
-        <a:fillRef idx="0">
-          <a:scrgbClr r="0" g="0" b="0"/>
-        </a:fillRef>
-        <a:effectRef idx="0">
-          <a:scrgbClr r="0" g="0" b="0"/>
-        </a:effectRef>
-        <a:fontRef idx="minor"/>
-      </dsp:style>
-    </dsp:sp>
-    <dsp:sp modelId="{DA3A1A91-0499-4E3B-9C1A-783010B9DF77}">
-      <dsp:nvSpPr>
-        <dsp:cNvPr id="0" name=""/>
-        <dsp:cNvSpPr/>
-      </dsp:nvSpPr>
-      <dsp:spPr>
-        <a:xfrm>
-          <a:off x="78688" y="553129"/>
-          <a:ext cx="1344388" cy="1376866"/>
-        </a:xfrm>
-        <a:prstGeom prst="ellipse">
-          <a:avLst/>
-        </a:prstGeom>
-        <a:solidFill>
-          <a:schemeClr val="accent4">
-            <a:shade val="50000"/>
-            <a:hueOff val="0"/>
-            <a:satOff val="0"/>
-            <a:lumOff val="0"/>
-            <a:alphaOff val="0"/>
-          </a:schemeClr>
-        </a:solidFill>
-        <a:ln w="25400" cap="flat" cmpd="sng" algn="ctr">
-          <a:solidFill>
-            <a:schemeClr val="lt1">
-              <a:hueOff val="0"/>
-              <a:satOff val="0"/>
-              <a:lumOff val="0"/>
-              <a:alphaOff val="0"/>
-            </a:schemeClr>
-          </a:solidFill>
-          <a:prstDash val="solid"/>
-        </a:ln>
-        <a:effectLst/>
-      </dsp:spPr>
-      <dsp:style>
-        <a:lnRef idx="2">
-          <a:scrgbClr r="0" g="0" b="0"/>
-        </a:lnRef>
-        <a:fillRef idx="1">
-          <a:scrgbClr r="0" g="0" b="0"/>
-        </a:fillRef>
-        <a:effectRef idx="0">
-          <a:scrgbClr r="0" g="0" b="0"/>
-        </a:effectRef>
-        <a:fontRef idx="minor">
-          <a:schemeClr val="lt1"/>
-        </a:fontRef>
-      </dsp:style>
-    </dsp:sp>
-    <dsp:sp modelId="{68FB99BD-C535-4618-AB9F-048238826CE9}">
-      <dsp:nvSpPr>
-        <dsp:cNvPr id="0" name=""/>
-        <dsp:cNvSpPr/>
-      </dsp:nvSpPr>
-      <dsp:spPr>
-        <a:xfrm>
-          <a:off x="1537887" y="91056"/>
-          <a:ext cx="972898" cy="1009825"/>
-        </a:xfrm>
-        <a:prstGeom prst="ellipse">
-          <a:avLst/>
-        </a:prstGeom>
-        <a:solidFill>
-          <a:schemeClr val="accent4">
-            <a:shade val="50000"/>
-            <a:hueOff val="100784"/>
-            <a:satOff val="-4617"/>
-            <a:lumOff val="27791"/>
-            <a:alphaOff val="0"/>
-          </a:schemeClr>
-        </a:solidFill>
-        <a:ln w="25400" cap="flat" cmpd="sng" algn="ctr">
-          <a:solidFill>
-            <a:schemeClr val="lt1">
-              <a:hueOff val="0"/>
-              <a:satOff val="0"/>
-              <a:lumOff val="0"/>
-              <a:alphaOff val="0"/>
-            </a:schemeClr>
-          </a:solidFill>
-          <a:prstDash val="solid"/>
-        </a:ln>
-        <a:effectLst/>
-      </dsp:spPr>
-      <dsp:style>
-        <a:lnRef idx="2">
-          <a:scrgbClr r="0" g="0" b="0"/>
-        </a:lnRef>
-        <a:fillRef idx="1">
-          <a:scrgbClr r="0" g="0" b="0"/>
-        </a:fillRef>
-        <a:effectRef idx="0">
-          <a:scrgbClr r="0" g="0" b="0"/>
-        </a:effectRef>
-        <a:fontRef idx="minor">
-          <a:schemeClr val="lt1"/>
-        </a:fontRef>
-      </dsp:style>
-      <dsp:txBody>
-        <a:bodyPr spcFirstLastPara="0" vert="horz" wrap="square" lIns="9525" tIns="9525" rIns="9525" bIns="9525" numCol="1" spcCol="1270" anchor="ctr" anchorCtr="0">
-          <a:noAutofit/>
-        </a:bodyPr>
-        <a:lstStyle/>
-        <a:p>
-          <a:pPr lvl="0" algn="ctr" defTabSz="666750">
-            <a:lnSpc>
-              <a:spcPct val="90000"/>
-            </a:lnSpc>
-            <a:spcBef>
-              <a:spcPct val="0"/>
-            </a:spcBef>
-            <a:spcAft>
-              <a:spcPct val="35000"/>
-            </a:spcAft>
-          </a:pPr>
-          <a:r>
-            <a:rPr lang="en-US" sz="1500" kern="1200" dirty="0" err="1" smtClean="0"/>
-            <a:t>Elemen</a:t>
-          </a:r>
-          <a:endParaRPr lang="en-US" sz="1500" kern="1200" dirty="0"/>
-        </a:p>
-      </dsp:txBody>
-      <dsp:txXfrm>
-        <a:off x="1680365" y="238941"/>
-        <a:ext cx="687942" cy="714055"/>
-      </dsp:txXfrm>
-    </dsp:sp>
-    <dsp:sp modelId="{83D16681-D3BC-4030-93A5-5DCECBE24348}">
-      <dsp:nvSpPr>
-        <dsp:cNvPr id="0" name=""/>
-        <dsp:cNvSpPr/>
-      </dsp:nvSpPr>
-      <dsp:spPr>
-        <a:xfrm>
-          <a:off x="2527404" y="91056"/>
-          <a:ext cx="1459347" cy="1009825"/>
-        </a:xfrm>
-        <a:prstGeom prst="rect">
-          <a:avLst/>
-        </a:prstGeom>
-        <a:noFill/>
-        <a:ln>
-          <a:noFill/>
-        </a:ln>
-        <a:effectLst/>
-      </dsp:spPr>
-      <dsp:style>
-        <a:lnRef idx="0">
-          <a:scrgbClr r="0" g="0" b="0"/>
-        </a:lnRef>
-        <a:fillRef idx="0">
-          <a:scrgbClr r="0" g="0" b="0"/>
-        </a:fillRef>
-        <a:effectRef idx="0">
-          <a:scrgbClr r="0" g="0" b="0"/>
-        </a:effectRef>
-        <a:fontRef idx="minor"/>
-      </dsp:style>
-      <dsp:txBody>
-        <a:bodyPr spcFirstLastPara="0" vert="horz" wrap="square" lIns="0" tIns="0" rIns="0" bIns="0" numCol="1" spcCol="1270" anchor="ctr" anchorCtr="0">
-          <a:noAutofit/>
-        </a:bodyPr>
-        <a:lstStyle/>
-        <a:p>
-          <a:pPr marL="114300" lvl="1" indent="-114300" algn="l" defTabSz="622300">
-            <a:lnSpc>
-              <a:spcPct val="90000"/>
-            </a:lnSpc>
-            <a:spcBef>
-              <a:spcPct val="0"/>
-            </a:spcBef>
-            <a:spcAft>
-              <a:spcPct val="15000"/>
-            </a:spcAft>
-            <a:buChar char="••"/>
-          </a:pPr>
-          <a:r>
-            <a:rPr lang="en-US" sz="1400" kern="1200" dirty="0" err="1" smtClean="0"/>
-            <a:t>Menggambarkan</a:t>
-          </a:r>
-          <a:r>
-            <a:rPr lang="en-US" sz="1400" kern="1200" dirty="0" smtClean="0"/>
-            <a:t> </a:t>
-          </a:r>
-          <a:r>
-            <a:rPr lang="en-US" sz="1400" kern="1200" dirty="0" err="1" smtClean="0"/>
-            <a:t>struktur</a:t>
-          </a:r>
-          <a:r>
-            <a:rPr lang="en-US" sz="1400" kern="1200" dirty="0" smtClean="0"/>
-            <a:t> </a:t>
-          </a:r>
-          <a:r>
-            <a:rPr lang="en-US" sz="1400" kern="1200" dirty="0" err="1" smtClean="0"/>
-            <a:t>dokumen</a:t>
-          </a:r>
-          <a:endParaRPr lang="en-US" sz="1400" kern="1200" dirty="0"/>
-        </a:p>
-      </dsp:txBody>
-      <dsp:txXfrm>
-        <a:off x="2527404" y="91056"/>
-        <a:ext cx="1459347" cy="1009825"/>
-      </dsp:txXfrm>
-    </dsp:sp>
-    <dsp:sp modelId="{EE3BCBBE-2D89-44CB-B053-B1A7CF57059F}">
-      <dsp:nvSpPr>
-        <dsp:cNvPr id="0" name=""/>
-        <dsp:cNvSpPr/>
-      </dsp:nvSpPr>
-      <dsp:spPr>
-        <a:xfrm>
-          <a:off x="1554853" y="1308870"/>
-          <a:ext cx="972898" cy="1009825"/>
-        </a:xfrm>
-        <a:prstGeom prst="ellipse">
-          <a:avLst/>
-        </a:prstGeom>
-        <a:solidFill>
-          <a:schemeClr val="accent4">
-            <a:shade val="50000"/>
-            <a:hueOff val="100784"/>
-            <a:satOff val="-4617"/>
-            <a:lumOff val="27791"/>
-            <a:alphaOff val="0"/>
-          </a:schemeClr>
-        </a:solidFill>
-        <a:ln w="25400" cap="flat" cmpd="sng" algn="ctr">
-          <a:solidFill>
-            <a:schemeClr val="lt1">
-              <a:hueOff val="0"/>
-              <a:satOff val="0"/>
-              <a:lumOff val="0"/>
-              <a:alphaOff val="0"/>
-            </a:schemeClr>
-          </a:solidFill>
-          <a:prstDash val="solid"/>
-        </a:ln>
-        <a:effectLst/>
-      </dsp:spPr>
-      <dsp:style>
-        <a:lnRef idx="2">
-          <a:scrgbClr r="0" g="0" b="0"/>
-        </a:lnRef>
-        <a:fillRef idx="1">
-          <a:scrgbClr r="0" g="0" b="0"/>
-        </a:fillRef>
-        <a:effectRef idx="0">
-          <a:scrgbClr r="0" g="0" b="0"/>
-        </a:effectRef>
-        <a:fontRef idx="minor">
-          <a:schemeClr val="lt1"/>
-        </a:fontRef>
-      </dsp:style>
-      <dsp:txBody>
-        <a:bodyPr spcFirstLastPara="0" vert="horz" wrap="square" lIns="9525" tIns="9525" rIns="9525" bIns="9525" numCol="1" spcCol="1270" anchor="ctr" anchorCtr="0">
-          <a:noAutofit/>
-        </a:bodyPr>
-        <a:lstStyle/>
-        <a:p>
-          <a:pPr lvl="0" algn="ctr" defTabSz="666750">
-            <a:lnSpc>
-              <a:spcPct val="90000"/>
-            </a:lnSpc>
-            <a:spcBef>
-              <a:spcPct val="0"/>
-            </a:spcBef>
-            <a:spcAft>
-              <a:spcPct val="35000"/>
-            </a:spcAft>
-          </a:pPr>
-          <a:r>
-            <a:rPr lang="en-US" sz="1500" kern="1200" dirty="0" err="1" smtClean="0"/>
-            <a:t>Atribut</a:t>
-          </a:r>
-          <a:endParaRPr lang="en-US" sz="1500" kern="1200" dirty="0"/>
-        </a:p>
-      </dsp:txBody>
-      <dsp:txXfrm>
-        <a:off x="1697331" y="1456755"/>
-        <a:ext cx="687942" cy="714055"/>
-      </dsp:txXfrm>
-    </dsp:sp>
-    <dsp:sp modelId="{5400A7D4-0735-45A0-ACC1-EAED31E67AAF}">
-      <dsp:nvSpPr>
-        <dsp:cNvPr id="0" name=""/>
-        <dsp:cNvSpPr/>
-      </dsp:nvSpPr>
-      <dsp:spPr>
-        <a:xfrm>
-          <a:off x="2544371" y="1308870"/>
-          <a:ext cx="1459347" cy="1009825"/>
-        </a:xfrm>
-        <a:prstGeom prst="rect">
-          <a:avLst/>
-        </a:prstGeom>
-        <a:noFill/>
-        <a:ln>
-          <a:noFill/>
-        </a:ln>
-        <a:effectLst/>
-      </dsp:spPr>
-      <dsp:style>
-        <a:lnRef idx="0">
-          <a:scrgbClr r="0" g="0" b="0"/>
-        </a:lnRef>
-        <a:fillRef idx="0">
-          <a:scrgbClr r="0" g="0" b="0"/>
-        </a:fillRef>
-        <a:effectRef idx="0">
-          <a:scrgbClr r="0" g="0" b="0"/>
-        </a:effectRef>
-        <a:fontRef idx="minor"/>
-      </dsp:style>
-      <dsp:txBody>
-        <a:bodyPr spcFirstLastPara="0" vert="horz" wrap="square" lIns="0" tIns="0" rIns="0" bIns="0" numCol="1" spcCol="1270" anchor="ctr" anchorCtr="0">
-          <a:noAutofit/>
-        </a:bodyPr>
-        <a:lstStyle/>
-        <a:p>
-          <a:pPr marL="114300" lvl="1" indent="-114300" algn="l" defTabSz="622300">
-            <a:lnSpc>
-              <a:spcPct val="90000"/>
-            </a:lnSpc>
-            <a:spcBef>
-              <a:spcPct val="0"/>
-            </a:spcBef>
-            <a:spcAft>
-              <a:spcPct val="15000"/>
-            </a:spcAft>
-            <a:buChar char="••"/>
-          </a:pPr>
-          <a:r>
-            <a:rPr lang="en-US" sz="1400" kern="1200" dirty="0" err="1" smtClean="0"/>
-            <a:t>Informasi</a:t>
-          </a:r>
-          <a:r>
-            <a:rPr lang="en-US" sz="1400" kern="1200" dirty="0" smtClean="0"/>
-            <a:t> </a:t>
-          </a:r>
-          <a:r>
-            <a:rPr lang="en-US" sz="1400" kern="1200" dirty="0" err="1" smtClean="0"/>
-            <a:t>tambahan</a:t>
-          </a:r>
-          <a:r>
-            <a:rPr lang="en-US" sz="1400" kern="1200" dirty="0" smtClean="0"/>
-            <a:t> </a:t>
-          </a:r>
-          <a:r>
-            <a:rPr lang="en-US" sz="1400" kern="1200" dirty="0" err="1" smtClean="0"/>
-            <a:t>setiap</a:t>
-          </a:r>
-          <a:r>
-            <a:rPr lang="en-US" sz="1400" kern="1200" dirty="0" smtClean="0"/>
-            <a:t> </a:t>
-          </a:r>
-          <a:r>
-            <a:rPr lang="en-US" sz="1400" kern="1200" dirty="0" err="1" smtClean="0"/>
-            <a:t>elemen</a:t>
-          </a:r>
-          <a:endParaRPr lang="en-US" sz="1400" kern="1200" dirty="0"/>
-        </a:p>
-      </dsp:txBody>
-      <dsp:txXfrm>
-        <a:off x="2544371" y="1308870"/>
-        <a:ext cx="1459347" cy="1009825"/>
-      </dsp:txXfrm>
-    </dsp:sp>
   </dsp:spTree>
 </dsp:drawing>
 </file>
@@ -14462,7 +12399,7 @@
           <a:p>
             <a:fld id="{7717DE1C-13B2-47C9-806C-1318394A9837}" type="datetimeFigureOut">
               <a:rPr lang="en-US" smtClean="0"/>
-              <a:t>2/24/2018</a:t>
+              <a:t>4/9/2018</a:t>
             </a:fld>
             <a:endParaRPr lang="en-US"/>
           </a:p>
@@ -16442,7 +14379,7 @@
           <a:p>
             <a:fld id="{7AEAD291-DF67-4094-9F24-9BEBF498ADE0}" type="datetimeFigureOut">
               <a:rPr lang="en-US" smtClean="0"/>
-              <a:t>2/24/2018</a:t>
+              <a:t>4/9/2018</a:t>
             </a:fld>
             <a:endParaRPr lang="en-US"/>
           </a:p>
@@ -17692,10 +15629,16 @@
               <a:t> </a:t>
             </a:r>
             <a:r>
+              <a:rPr lang="en-US" sz="2800" i="1" dirty="0" smtClean="0">
+                <a:latin typeface="Candara" panose="020E0502030303020204" pitchFamily="34" charset="0"/>
+              </a:rPr>
+              <a:t>Path </a:t>
+            </a:r>
+            <a:r>
               <a:rPr lang="en-US" sz="2800" i="1" dirty="0">
                 <a:latin typeface="Candara" panose="020E0502030303020204" pitchFamily="34" charset="0"/>
               </a:rPr>
-              <a:t>Basis Path Testing</a:t>
+              <a:t>Testing</a:t>
             </a:r>
           </a:p>
         </p:txBody>
@@ -18126,29 +16069,6 @@
       </p:grpSpPr>
       <p:sp>
         <p:nvSpPr>
-          <p:cNvPr id="2" name="Title 1"/>
-          <p:cNvSpPr>
-            <a:spLocks noGrp="1"/>
-          </p:cNvSpPr>
-          <p:nvPr>
-            <p:ph type="title"/>
-          </p:nvPr>
-        </p:nvSpPr>
-        <p:spPr/>
-        <p:txBody>
-          <a:bodyPr/>
-          <a:lstStyle/>
-          <a:p>
-            <a:r>
-              <a:rPr lang="en-US" dirty="0" err="1" smtClean="0"/>
-              <a:t>Manfaat</a:t>
-            </a:r>
-            <a:endParaRPr lang="en-US" dirty="0"/>
-          </a:p>
-        </p:txBody>
-      </p:sp>
-      <p:sp>
-        <p:nvSpPr>
           <p:cNvPr id="4" name="Slide Number Placeholder 3"/>
           <p:cNvSpPr>
             <a:spLocks noGrp="1"/>
@@ -18178,19 +16098,19 @@
       </p:sp>
       <p:graphicFrame>
         <p:nvGraphicFramePr>
-          <p:cNvPr id="6" name="Diagram 5"/>
+          <p:cNvPr id="27" name="Diagram 26"/>
           <p:cNvGraphicFramePr/>
           <p:nvPr>
             <p:extLst>
               <p:ext uri="{D42A27DB-BD31-4B8C-83A1-F6EECF244321}">
-                <p14:modId xmlns:p14="http://schemas.microsoft.com/office/powerpoint/2010/main" val="2561141939"/>
+                <p14:modId xmlns:p14="http://schemas.microsoft.com/office/powerpoint/2010/main" val="1773682009"/>
               </p:ext>
             </p:extLst>
           </p:nvPr>
         </p:nvGraphicFramePr>
         <p:xfrm>
-          <a:off x="801524" y="1377387"/>
-          <a:ext cx="8168855" cy="3414532"/>
+          <a:off x="411479" y="1493520"/>
+          <a:ext cx="8434977" cy="3215640"/>
         </p:xfrm>
         <a:graphic>
           <a:graphicData uri="http://schemas.openxmlformats.org/drawingml/2006/diagram">
@@ -18198,10 +16118,38 @@
           </a:graphicData>
         </a:graphic>
       </p:graphicFrame>
+      <p:sp>
+        <p:nvSpPr>
+          <p:cNvPr id="7" name="Title 1"/>
+          <p:cNvSpPr>
+            <a:spLocks noGrp="1"/>
+          </p:cNvSpPr>
+          <p:nvPr>
+            <p:ph type="title"/>
+          </p:nvPr>
+        </p:nvSpPr>
+        <p:spPr>
+          <a:xfrm>
+            <a:off x="844425" y="130112"/>
+            <a:ext cx="8002032" cy="879774"/>
+          </a:xfrm>
+        </p:spPr>
+        <p:txBody>
+          <a:bodyPr/>
+          <a:lstStyle/>
+          <a:p>
+            <a:r>
+              <a:rPr lang="en-US" dirty="0" smtClean="0"/>
+              <a:t>METODE PENELITIAN</a:t>
+            </a:r>
+            <a:endParaRPr lang="en-US" dirty="0"/>
+          </a:p>
+        </p:txBody>
+      </p:sp>
     </p:spTree>
     <p:extLst>
       <p:ext uri="{BB962C8B-B14F-4D97-AF65-F5344CB8AC3E}">
-        <p14:creationId xmlns:p14="http://schemas.microsoft.com/office/powerpoint/2010/main" val="554514951"/>
+        <p14:creationId xmlns:p14="http://schemas.microsoft.com/office/powerpoint/2010/main" val="2054394330"/>
       </p:ext>
     </p:extLst>
   </p:cSld>
@@ -18264,122 +16212,6 @@
           </a:p>
         </p:txBody>
       </p:sp>
-      <p:graphicFrame>
-        <p:nvGraphicFramePr>
-          <p:cNvPr id="27" name="Diagram 26"/>
-          <p:cNvGraphicFramePr/>
-          <p:nvPr>
-            <p:extLst>
-              <p:ext uri="{D42A27DB-BD31-4B8C-83A1-F6EECF244321}">
-                <p14:modId xmlns:p14="http://schemas.microsoft.com/office/powerpoint/2010/main" val="1773682009"/>
-              </p:ext>
-            </p:extLst>
-          </p:nvPr>
-        </p:nvGraphicFramePr>
-        <p:xfrm>
-          <a:off x="411479" y="1493520"/>
-          <a:ext cx="8434977" cy="3215640"/>
-        </p:xfrm>
-        <a:graphic>
-          <a:graphicData uri="http://schemas.openxmlformats.org/drawingml/2006/diagram">
-            <dgm:relIds xmlns:dgm="http://schemas.openxmlformats.org/drawingml/2006/diagram" xmlns:r="http://schemas.openxmlformats.org/officeDocument/2006/relationships" r:dm="rId2" r:lo="rId3" r:qs="rId4" r:cs="rId5"/>
-          </a:graphicData>
-        </a:graphic>
-      </p:graphicFrame>
-      <p:sp>
-        <p:nvSpPr>
-          <p:cNvPr id="7" name="Title 1"/>
-          <p:cNvSpPr>
-            <a:spLocks noGrp="1"/>
-          </p:cNvSpPr>
-          <p:nvPr>
-            <p:ph type="title"/>
-          </p:nvPr>
-        </p:nvSpPr>
-        <p:spPr>
-          <a:xfrm>
-            <a:off x="844425" y="130112"/>
-            <a:ext cx="8002032" cy="879774"/>
-          </a:xfrm>
-        </p:spPr>
-        <p:txBody>
-          <a:bodyPr/>
-          <a:lstStyle/>
-          <a:p>
-            <a:r>
-              <a:rPr lang="en-US" dirty="0" smtClean="0"/>
-              <a:t>METODE PENELITIAN</a:t>
-            </a:r>
-            <a:endParaRPr lang="en-US" dirty="0"/>
-          </a:p>
-        </p:txBody>
-      </p:sp>
-    </p:spTree>
-    <p:extLst>
-      <p:ext uri="{BB962C8B-B14F-4D97-AF65-F5344CB8AC3E}">
-        <p14:creationId xmlns:p14="http://schemas.microsoft.com/office/powerpoint/2010/main" val="2054394330"/>
-      </p:ext>
-    </p:extLst>
-  </p:cSld>
-  <p:clrMapOvr>
-    <a:masterClrMapping/>
-  </p:clrMapOvr>
-  <p:timing>
-    <p:tnLst>
-      <p:par>
-        <p:cTn id="1" dur="indefinite" restart="never" nodeType="tmRoot"/>
-      </p:par>
-    </p:tnLst>
-  </p:timing>
-</p:sld>
-</file>
-
-<file path=ppt/slides/slide12.xml><?xml version="1.0" encoding="utf-8"?>
-<p:sld xmlns:a="http://schemas.openxmlformats.org/drawingml/2006/main" xmlns:r="http://schemas.openxmlformats.org/officeDocument/2006/relationships" xmlns:p="http://schemas.openxmlformats.org/presentationml/2006/main">
-  <p:cSld>
-    <p:spTree>
-      <p:nvGrpSpPr>
-        <p:cNvPr id="1" name=""/>
-        <p:cNvGrpSpPr/>
-        <p:nvPr/>
-      </p:nvGrpSpPr>
-      <p:grpSpPr>
-        <a:xfrm>
-          <a:off x="0" y="0"/>
-          <a:ext cx="0" cy="0"/>
-          <a:chOff x="0" y="0"/>
-          <a:chExt cx="0" cy="0"/>
-        </a:xfrm>
-      </p:grpSpPr>
-      <p:sp>
-        <p:nvSpPr>
-          <p:cNvPr id="4" name="Slide Number Placeholder 3"/>
-          <p:cNvSpPr>
-            <a:spLocks noGrp="1"/>
-          </p:cNvSpPr>
-          <p:nvPr>
-            <p:ph type="sldNum" idx="12"/>
-          </p:nvPr>
-        </p:nvSpPr>
-        <p:spPr/>
-        <p:txBody>
-          <a:bodyPr/>
-          <a:lstStyle/>
-          <a:p>
-            <a:pPr lvl="0">
-              <a:spcBef>
-                <a:spcPts val="0"/>
-              </a:spcBef>
-              <a:buNone/>
-            </a:pPr>
-            <a:fld id="{00000000-1234-1234-1234-123412341234}" type="slidenum">
-              <a:rPr lang="en" smtClean="0"/>
-              <a:t>11</a:t>
-            </a:fld>
-            <a:endParaRPr lang="en"/>
-          </a:p>
-        </p:txBody>
-      </p:sp>
       <p:sp>
         <p:nvSpPr>
           <p:cNvPr id="7" name="Title 1"/>
@@ -18461,7 +16293,7 @@
 </p:sld>
 </file>
 
-<file path=ppt/slides/slide13.xml><?xml version="1.0" encoding="utf-8"?>
+<file path=ppt/slides/slide12.xml><?xml version="1.0" encoding="utf-8"?>
 <p:sld xmlns:a="http://schemas.openxmlformats.org/drawingml/2006/main" xmlns:r="http://schemas.openxmlformats.org/officeDocument/2006/relationships" xmlns:p="http://schemas.openxmlformats.org/presentationml/2006/main">
   <p:cSld>
     <p:spTree>
@@ -18611,7 +16443,7 @@
             </a:pPr>
             <a:fld id="{00000000-1234-1234-1234-123412341234}" type="slidenum">
               <a:rPr lang="en" smtClean="0"/>
-              <a:t>12</a:t>
+              <a:t>11</a:t>
             </a:fld>
             <a:endParaRPr lang="en"/>
           </a:p>
@@ -19100,7 +16932,7 @@
 </p:sld>
 </file>
 
-<file path=ppt/slides/slide14.xml><?xml version="1.0" encoding="utf-8"?>
+<file path=ppt/slides/slide13.xml><?xml version="1.0" encoding="utf-8"?>
 <p:sld xmlns:a="http://schemas.openxmlformats.org/drawingml/2006/main" xmlns:r="http://schemas.openxmlformats.org/officeDocument/2006/relationships" xmlns:p="http://schemas.openxmlformats.org/presentationml/2006/main">
   <p:cSld>
     <p:spTree>
@@ -19224,7 +17056,7 @@
             </a:pPr>
             <a:fld id="{00000000-1234-1234-1234-123412341234}" type="slidenum">
               <a:rPr lang="en" smtClean="0"/>
-              <a:t>13</a:t>
+              <a:t>12</a:t>
             </a:fld>
             <a:endParaRPr lang="en"/>
           </a:p>
@@ -20074,7 +17906,7 @@
 </p:sld>
 </file>
 
-<file path=ppt/slides/slide15.xml><?xml version="1.0" encoding="utf-8"?>
+<file path=ppt/slides/slide14.xml><?xml version="1.0" encoding="utf-8"?>
 <p:sld xmlns:a="http://schemas.openxmlformats.org/drawingml/2006/main" xmlns:r="http://schemas.openxmlformats.org/officeDocument/2006/relationships" xmlns:p="http://schemas.openxmlformats.org/presentationml/2006/main">
   <p:cSld>
     <p:spTree>
@@ -20114,7 +17946,7 @@
             </a:pPr>
             <a:fld id="{00000000-1234-1234-1234-123412341234}" type="slidenum">
               <a:rPr lang="en" smtClean="0"/>
-              <a:t>14</a:t>
+              <a:t>13</a:t>
             </a:fld>
             <a:endParaRPr lang="en"/>
           </a:p>
@@ -20700,6 +18532,415 @@
 </p:sld>
 </file>
 
+<file path=ppt/slides/slide15.xml><?xml version="1.0" encoding="utf-8"?>
+<p:sld xmlns:a="http://schemas.openxmlformats.org/drawingml/2006/main" xmlns:r="http://schemas.openxmlformats.org/officeDocument/2006/relationships" xmlns:p="http://schemas.openxmlformats.org/presentationml/2006/main">
+  <p:cSld>
+    <p:spTree>
+      <p:nvGrpSpPr>
+        <p:cNvPr id="1" name=""/>
+        <p:cNvGrpSpPr/>
+        <p:nvPr/>
+      </p:nvGrpSpPr>
+      <p:grpSpPr>
+        <a:xfrm>
+          <a:off x="0" y="0"/>
+          <a:ext cx="0" cy="0"/>
+          <a:chOff x="0" y="0"/>
+          <a:chExt cx="0" cy="0"/>
+        </a:xfrm>
+      </p:grpSpPr>
+      <p:sp>
+        <p:nvSpPr>
+          <p:cNvPr id="2" name="Title 1"/>
+          <p:cNvSpPr>
+            <a:spLocks noGrp="1"/>
+          </p:cNvSpPr>
+          <p:nvPr>
+            <p:ph type="title"/>
+          </p:nvPr>
+        </p:nvSpPr>
+        <p:spPr>
+          <a:xfrm>
+            <a:off x="844425" y="130112"/>
+            <a:ext cx="8002032" cy="879774"/>
+          </a:xfrm>
+        </p:spPr>
+        <p:txBody>
+          <a:bodyPr/>
+          <a:lstStyle/>
+          <a:p>
+            <a:r>
+              <a:rPr lang="en-US" dirty="0" smtClean="0"/>
+              <a:t>METODE PENELITIAN</a:t>
+            </a:r>
+            <a:br>
+              <a:rPr lang="en-US" dirty="0" smtClean="0"/>
+            </a:br>
+            <a:r>
+              <a:rPr lang="en-US" dirty="0" err="1" smtClean="0"/>
+              <a:t>Implementasi</a:t>
+            </a:r>
+            <a:endParaRPr lang="en-US" dirty="0"/>
+          </a:p>
+        </p:txBody>
+      </p:sp>
+      <p:sp>
+        <p:nvSpPr>
+          <p:cNvPr id="3" name="Text Placeholder 2"/>
+          <p:cNvSpPr>
+            <a:spLocks noGrp="1"/>
+          </p:cNvSpPr>
+          <p:nvPr>
+            <p:ph type="body" idx="1"/>
+          </p:nvPr>
+        </p:nvSpPr>
+        <p:spPr/>
+        <p:txBody>
+          <a:bodyPr/>
+          <a:lstStyle/>
+          <a:p>
+            <a:r>
+              <a:rPr lang="en-US" sz="2000" dirty="0" err="1">
+                <a:latin typeface="Source Sans Pro" panose="020B0604020202020204" charset="0"/>
+                <a:ea typeface="Roboto" panose="020B0604020202020204" charset="0"/>
+              </a:rPr>
+              <a:t>B</a:t>
+            </a:r>
+            <a:r>
+              <a:rPr lang="en-US" sz="2000" dirty="0" err="1" smtClean="0">
+                <a:latin typeface="Source Sans Pro" panose="020B0604020202020204" charset="0"/>
+                <a:ea typeface="Roboto" panose="020B0604020202020204" charset="0"/>
+              </a:rPr>
+              <a:t>erbasis</a:t>
+            </a:r>
+            <a:r>
+              <a:rPr lang="en-US" sz="2000" dirty="0" smtClean="0">
+                <a:latin typeface="Source Sans Pro" panose="020B0604020202020204" charset="0"/>
+                <a:ea typeface="Roboto" panose="020B0604020202020204" charset="0"/>
+              </a:rPr>
+              <a:t> web</a:t>
+            </a:r>
+          </a:p>
+          <a:p>
+            <a:r>
+              <a:rPr lang="en-US" sz="2000" dirty="0" err="1" smtClean="0">
+                <a:latin typeface="Source Sans Pro" panose="020B0604020202020204" charset="0"/>
+                <a:ea typeface="Roboto" panose="020B0604020202020204" charset="0"/>
+              </a:rPr>
+              <a:t>Menggunakan</a:t>
+            </a:r>
+            <a:r>
+              <a:rPr lang="en-US" sz="2000" dirty="0" smtClean="0">
+                <a:latin typeface="Source Sans Pro" panose="020B0604020202020204" charset="0"/>
+                <a:ea typeface="Roboto" panose="020B0604020202020204" charset="0"/>
+              </a:rPr>
+              <a:t> </a:t>
+            </a:r>
+            <a:r>
+              <a:rPr lang="en-US" sz="2000" dirty="0" err="1" smtClean="0">
+                <a:latin typeface="Source Sans Pro" panose="020B0604020202020204" charset="0"/>
+                <a:ea typeface="Roboto" panose="020B0604020202020204" charset="0"/>
+              </a:rPr>
+              <a:t>bahasa</a:t>
+            </a:r>
+            <a:r>
+              <a:rPr lang="en-US" sz="2000" dirty="0" smtClean="0">
+                <a:latin typeface="Source Sans Pro" panose="020B0604020202020204" charset="0"/>
+                <a:ea typeface="Roboto" panose="020B0604020202020204" charset="0"/>
+              </a:rPr>
+              <a:t> </a:t>
+            </a:r>
+            <a:r>
+              <a:rPr lang="en-US" sz="2000" dirty="0" err="1" smtClean="0">
+                <a:latin typeface="Source Sans Pro" panose="020B0604020202020204" charset="0"/>
+                <a:ea typeface="Roboto" panose="020B0604020202020204" charset="0"/>
+              </a:rPr>
+              <a:t>pemrograman</a:t>
+            </a:r>
+            <a:r>
+              <a:rPr lang="en-US" sz="2000" dirty="0" smtClean="0">
+                <a:latin typeface="Source Sans Pro" panose="020B0604020202020204" charset="0"/>
+                <a:ea typeface="Roboto" panose="020B0604020202020204" charset="0"/>
+              </a:rPr>
+              <a:t> </a:t>
+            </a:r>
+            <a:r>
+              <a:rPr lang="en-US" sz="2000" dirty="0" smtClean="0"/>
+              <a:t>C#</a:t>
+            </a:r>
+          </a:p>
+          <a:p>
+            <a:r>
+              <a:rPr lang="en-US" sz="2000" dirty="0">
+                <a:latin typeface="Source Sans Pro" panose="020B0604020202020204" charset="0"/>
+                <a:ea typeface="Roboto" panose="020B0604020202020204" charset="0"/>
+              </a:rPr>
+              <a:t>E</a:t>
+            </a:r>
+            <a:r>
+              <a:rPr lang="en-US" sz="2000" dirty="0" smtClean="0">
+                <a:latin typeface="Source Sans Pro" panose="020B0604020202020204" charset="0"/>
+                <a:ea typeface="Roboto" panose="020B0604020202020204" charset="0"/>
+              </a:rPr>
+              <a:t>ditor </a:t>
+            </a:r>
+            <a:r>
+              <a:rPr lang="en-US" sz="2000" dirty="0" err="1" smtClean="0">
+                <a:latin typeface="Source Sans Pro" panose="020B0604020202020204" charset="0"/>
+                <a:ea typeface="Roboto" panose="020B0604020202020204" charset="0"/>
+              </a:rPr>
+              <a:t>menggunakan</a:t>
+            </a:r>
+            <a:r>
+              <a:rPr lang="en-US" sz="2000" dirty="0" smtClean="0">
+                <a:latin typeface="Source Sans Pro" panose="020B0604020202020204" charset="0"/>
+                <a:ea typeface="Roboto" panose="020B0604020202020204" charset="0"/>
+              </a:rPr>
+              <a:t> </a:t>
+            </a:r>
+            <a:r>
+              <a:rPr lang="en-US" sz="2000" dirty="0"/>
+              <a:t>IDE Microsoft Visual </a:t>
+            </a:r>
+            <a:r>
+              <a:rPr lang="en-US" sz="2000" dirty="0" smtClean="0"/>
+              <a:t>Studio Ultimate </a:t>
+            </a:r>
+            <a:r>
+              <a:rPr lang="en-US" sz="2000" dirty="0"/>
+              <a:t>2013 </a:t>
+            </a:r>
+            <a:endParaRPr lang="en-US" sz="2000" dirty="0" smtClean="0">
+              <a:latin typeface="Source Sans Pro" panose="020B0604020202020204" charset="0"/>
+              <a:ea typeface="Roboto" panose="020B0604020202020204" charset="0"/>
+            </a:endParaRPr>
+          </a:p>
+          <a:p>
+            <a:r>
+              <a:rPr lang="en-US" sz="2000" dirty="0" smtClean="0">
+                <a:latin typeface="Source Sans Pro" panose="020B0604020202020204" charset="0"/>
+                <a:ea typeface="Roboto" panose="020B0604020202020204" charset="0"/>
+              </a:rPr>
+              <a:t>CFG </a:t>
+            </a:r>
+            <a:r>
+              <a:rPr lang="en-US" sz="2000" dirty="0" err="1">
+                <a:latin typeface="Source Sans Pro" panose="020B0604020202020204" charset="0"/>
+                <a:ea typeface="Roboto" panose="020B0604020202020204" charset="0"/>
+              </a:rPr>
+              <a:t>akan</a:t>
+            </a:r>
+            <a:r>
+              <a:rPr lang="en-US" sz="2000" dirty="0">
+                <a:latin typeface="Source Sans Pro" panose="020B0604020202020204" charset="0"/>
+                <a:ea typeface="Roboto" panose="020B0604020202020204" charset="0"/>
+              </a:rPr>
+              <a:t> </a:t>
+            </a:r>
+            <a:r>
+              <a:rPr lang="en-US" sz="2000" dirty="0" err="1">
+                <a:latin typeface="Source Sans Pro" panose="020B0604020202020204" charset="0"/>
+                <a:ea typeface="Roboto" panose="020B0604020202020204" charset="0"/>
+              </a:rPr>
+              <a:t>divisualisasikan</a:t>
+            </a:r>
+            <a:r>
+              <a:rPr lang="en-US" sz="2000" dirty="0">
+                <a:latin typeface="Source Sans Pro" panose="020B0604020202020204" charset="0"/>
+                <a:ea typeface="Roboto" panose="020B0604020202020204" charset="0"/>
+              </a:rPr>
+              <a:t> </a:t>
+            </a:r>
+            <a:r>
+              <a:rPr lang="en-US" sz="2000" dirty="0" err="1">
+                <a:latin typeface="Source Sans Pro" panose="020B0604020202020204" charset="0"/>
+                <a:ea typeface="Roboto" panose="020B0604020202020204" charset="0"/>
+              </a:rPr>
+              <a:t>dengan</a:t>
+            </a:r>
+            <a:r>
+              <a:rPr lang="en-US" sz="2000" dirty="0">
+                <a:latin typeface="Source Sans Pro" panose="020B0604020202020204" charset="0"/>
+                <a:ea typeface="Roboto" panose="020B0604020202020204" charset="0"/>
+              </a:rPr>
+              <a:t> </a:t>
+            </a:r>
+            <a:r>
+              <a:rPr lang="en-US" sz="2000" dirty="0" err="1">
+                <a:latin typeface="Source Sans Pro" panose="020B0604020202020204" charset="0"/>
+                <a:ea typeface="Roboto" panose="020B0604020202020204" charset="0"/>
+              </a:rPr>
+              <a:t>menggunakan</a:t>
+            </a:r>
+            <a:r>
+              <a:rPr lang="en-US" sz="2000" dirty="0">
+                <a:latin typeface="Source Sans Pro" panose="020B0604020202020204" charset="0"/>
+                <a:ea typeface="Roboto" panose="020B0604020202020204" charset="0"/>
+              </a:rPr>
+              <a:t> </a:t>
+            </a:r>
+            <a:r>
+              <a:rPr lang="en-US" sz="2000" i="1" dirty="0">
+                <a:latin typeface="Source Sans Pro" panose="020B0604020202020204" charset="0"/>
+                <a:ea typeface="Roboto" panose="020B0604020202020204" charset="0"/>
+              </a:rPr>
+              <a:t>library</a:t>
+            </a:r>
+            <a:r>
+              <a:rPr lang="en-US" sz="2000" dirty="0">
+                <a:latin typeface="Source Sans Pro" panose="020B0604020202020204" charset="0"/>
+                <a:ea typeface="Roboto" panose="020B0604020202020204" charset="0"/>
+              </a:rPr>
+              <a:t> </a:t>
+            </a:r>
+            <a:r>
+              <a:rPr lang="en-US" sz="2000" dirty="0" err="1"/>
+              <a:t>Graphviz.Net</a:t>
+            </a:r>
+            <a:r>
+              <a:rPr lang="en-US" sz="2000" dirty="0"/>
+              <a:t> </a:t>
+            </a:r>
+            <a:endParaRPr lang="en-US" sz="2000" dirty="0" smtClean="0"/>
+          </a:p>
+          <a:p>
+            <a:pPr>
+              <a:buNone/>
+            </a:pPr>
+            <a:r>
+              <a:rPr lang="en-US" sz="2000" dirty="0"/>
+              <a:t/>
+            </a:r>
+            <a:br>
+              <a:rPr lang="en-US" sz="2000" dirty="0"/>
+            </a:br>
+            <a:r>
+              <a:rPr lang="en-US" sz="2000" dirty="0">
+                <a:latin typeface="Source Sans Pro" panose="020B0604020202020204" charset="0"/>
+                <a:ea typeface="Roboto" panose="020B0604020202020204" charset="0"/>
+              </a:rPr>
+              <a:t/>
+            </a:r>
+            <a:br>
+              <a:rPr lang="en-US" sz="2000" dirty="0">
+                <a:latin typeface="Source Sans Pro" panose="020B0604020202020204" charset="0"/>
+                <a:ea typeface="Roboto" panose="020B0604020202020204" charset="0"/>
+              </a:rPr>
+            </a:br>
+            <a:endParaRPr lang="en-US" sz="2000" dirty="0">
+              <a:latin typeface="Source Sans Pro" panose="020B0604020202020204" charset="0"/>
+              <a:ea typeface="Roboto" panose="020B0604020202020204" charset="0"/>
+            </a:endParaRPr>
+          </a:p>
+          <a:p>
+            <a:endParaRPr lang="en-US" sz="2000" dirty="0">
+              <a:latin typeface="Source Sans Pro" panose="020B0604020202020204" charset="0"/>
+            </a:endParaRPr>
+          </a:p>
+        </p:txBody>
+      </p:sp>
+      <p:sp>
+        <p:nvSpPr>
+          <p:cNvPr id="4" name="Slide Number Placeholder 3"/>
+          <p:cNvSpPr>
+            <a:spLocks noGrp="1"/>
+          </p:cNvSpPr>
+          <p:nvPr>
+            <p:ph type="sldNum" idx="12"/>
+          </p:nvPr>
+        </p:nvSpPr>
+        <p:spPr/>
+        <p:txBody>
+          <a:bodyPr/>
+          <a:lstStyle/>
+          <a:p>
+            <a:pPr lvl="0">
+              <a:spcBef>
+                <a:spcPts val="0"/>
+              </a:spcBef>
+              <a:buNone/>
+            </a:pPr>
+            <a:fld id="{00000000-1234-1234-1234-123412341234}" type="slidenum">
+              <a:rPr lang="en" smtClean="0"/>
+              <a:t>14</a:t>
+            </a:fld>
+            <a:endParaRPr lang="en"/>
+          </a:p>
+        </p:txBody>
+      </p:sp>
+      <p:sp>
+        <p:nvSpPr>
+          <p:cNvPr id="7" name="Rectangle 6"/>
+          <p:cNvSpPr/>
+          <p:nvPr/>
+        </p:nvSpPr>
+        <p:spPr>
+          <a:xfrm>
+            <a:off x="844425" y="3863427"/>
+            <a:ext cx="7521654" cy="646331"/>
+          </a:xfrm>
+          <a:prstGeom prst="rect">
+            <a:avLst/>
+          </a:prstGeom>
+        </p:spPr>
+        <p:txBody>
+          <a:bodyPr wrap="square">
+            <a:spAutoFit/>
+          </a:bodyPr>
+          <a:lstStyle/>
+          <a:p>
+            <a:pPr>
+              <a:buClr>
+                <a:srgbClr val="0DB7C4"/>
+              </a:buClr>
+              <a:buSzPct val="100000"/>
+            </a:pPr>
+            <a:r>
+              <a:rPr lang="en-US" sz="1800" dirty="0">
+                <a:solidFill>
+                  <a:srgbClr val="415665"/>
+                </a:solidFill>
+                <a:latin typeface="Source Sans Pro" panose="020B0604020202020204" charset="0"/>
+              </a:rPr>
+              <a:t/>
+            </a:r>
+            <a:br>
+              <a:rPr lang="en-US" sz="1800" dirty="0">
+                <a:solidFill>
+                  <a:srgbClr val="415665"/>
+                </a:solidFill>
+                <a:latin typeface="Source Sans Pro" panose="020B0604020202020204" charset="0"/>
+              </a:rPr>
+            </a:br>
+            <a:endParaRPr lang="en-US" sz="1800" dirty="0">
+              <a:solidFill>
+                <a:srgbClr val="415665"/>
+              </a:solidFill>
+              <a:latin typeface="Source Sans Pro" panose="020B0604020202020204" charset="0"/>
+            </a:endParaRPr>
+          </a:p>
+        </p:txBody>
+      </p:sp>
+    </p:spTree>
+    <p:extLst>
+      <p:ext uri="{BB962C8B-B14F-4D97-AF65-F5344CB8AC3E}">
+        <p14:creationId xmlns:p14="http://schemas.microsoft.com/office/powerpoint/2010/main" val="690143026"/>
+      </p:ext>
+    </p:extLst>
+  </p:cSld>
+  <p:clrMapOvr>
+    <a:masterClrMapping/>
+  </p:clrMapOvr>
+  <p:timing>
+    <p:tnLst>
+      <p:par>
+        <p:cTn id="1" dur="indefinite" restart="never" nodeType="tmRoot"/>
+      </p:par>
+    </p:tnLst>
+  </p:timing>
+</p:sld>
+</file>
+
 <file path=ppt/slides/slide16.xml><?xml version="1.0" encoding="utf-8"?>
 <p:sld xmlns:a="http://schemas.openxmlformats.org/drawingml/2006/main" xmlns:r="http://schemas.openxmlformats.org/officeDocument/2006/relationships" xmlns:p="http://schemas.openxmlformats.org/presentationml/2006/main">
   <p:cSld>
@@ -20746,264 +18987,9 @@
             </a:br>
             <a:r>
               <a:rPr lang="en-US" dirty="0" err="1" smtClean="0"/>
-              <a:t>Implementasi</a:t>
+              <a:t>Pengujian</a:t>
             </a:r>
             <a:endParaRPr lang="en-US" dirty="0"/>
-          </a:p>
-        </p:txBody>
-      </p:sp>
-      <p:sp>
-        <p:nvSpPr>
-          <p:cNvPr id="3" name="Text Placeholder 2"/>
-          <p:cNvSpPr>
-            <a:spLocks noGrp="1"/>
-          </p:cNvSpPr>
-          <p:nvPr>
-            <p:ph type="body" idx="1"/>
-          </p:nvPr>
-        </p:nvSpPr>
-        <p:spPr/>
-        <p:txBody>
-          <a:bodyPr/>
-          <a:lstStyle/>
-          <a:p>
-            <a:r>
-              <a:rPr lang="en-US" sz="2000" dirty="0" err="1">
-                <a:latin typeface="Source Sans Pro" panose="020B0604020202020204" charset="0"/>
-                <a:ea typeface="Roboto" panose="020B0604020202020204" charset="0"/>
-              </a:rPr>
-              <a:t>B</a:t>
-            </a:r>
-            <a:r>
-              <a:rPr lang="en-US" sz="2000" dirty="0" err="1" smtClean="0">
-                <a:latin typeface="Source Sans Pro" panose="020B0604020202020204" charset="0"/>
-                <a:ea typeface="Roboto" panose="020B0604020202020204" charset="0"/>
-              </a:rPr>
-              <a:t>erbasis</a:t>
-            </a:r>
-            <a:r>
-              <a:rPr lang="en-US" sz="2000" dirty="0" smtClean="0">
-                <a:latin typeface="Source Sans Pro" panose="020B0604020202020204" charset="0"/>
-                <a:ea typeface="Roboto" panose="020B0604020202020204" charset="0"/>
-              </a:rPr>
-              <a:t> web</a:t>
-            </a:r>
-          </a:p>
-          <a:p>
-            <a:r>
-              <a:rPr lang="en-US" sz="2000" dirty="0" err="1" smtClean="0">
-                <a:latin typeface="Source Sans Pro" panose="020B0604020202020204" charset="0"/>
-                <a:ea typeface="Roboto" panose="020B0604020202020204" charset="0"/>
-              </a:rPr>
-              <a:t>Menggunakan</a:t>
-            </a:r>
-            <a:r>
-              <a:rPr lang="en-US" sz="2000" dirty="0" smtClean="0">
-                <a:latin typeface="Source Sans Pro" panose="020B0604020202020204" charset="0"/>
-                <a:ea typeface="Roboto" panose="020B0604020202020204" charset="0"/>
-              </a:rPr>
-              <a:t> </a:t>
-            </a:r>
-            <a:r>
-              <a:rPr lang="en-US" sz="2000" dirty="0" err="1" smtClean="0">
-                <a:latin typeface="Source Sans Pro" panose="020B0604020202020204" charset="0"/>
-                <a:ea typeface="Roboto" panose="020B0604020202020204" charset="0"/>
-              </a:rPr>
-              <a:t>bahasa</a:t>
-            </a:r>
-            <a:r>
-              <a:rPr lang="en-US" sz="2000" dirty="0" smtClean="0">
-                <a:latin typeface="Source Sans Pro" panose="020B0604020202020204" charset="0"/>
-                <a:ea typeface="Roboto" panose="020B0604020202020204" charset="0"/>
-              </a:rPr>
-              <a:t> </a:t>
-            </a:r>
-            <a:r>
-              <a:rPr lang="en-US" sz="2000" dirty="0" err="1" smtClean="0">
-                <a:latin typeface="Source Sans Pro" panose="020B0604020202020204" charset="0"/>
-                <a:ea typeface="Roboto" panose="020B0604020202020204" charset="0"/>
-              </a:rPr>
-              <a:t>pemrograman</a:t>
-            </a:r>
-            <a:r>
-              <a:rPr lang="en-US" sz="2000" dirty="0" smtClean="0">
-                <a:latin typeface="Source Sans Pro" panose="020B0604020202020204" charset="0"/>
-                <a:ea typeface="Roboto" panose="020B0604020202020204" charset="0"/>
-              </a:rPr>
-              <a:t> </a:t>
-            </a:r>
-            <a:r>
-              <a:rPr lang="en-US" sz="2000" dirty="0" smtClean="0"/>
-              <a:t>C#</a:t>
-            </a:r>
-          </a:p>
-          <a:p>
-            <a:r>
-              <a:rPr lang="en-US" sz="2000" dirty="0">
-                <a:latin typeface="Source Sans Pro" panose="020B0604020202020204" charset="0"/>
-                <a:ea typeface="Roboto" panose="020B0604020202020204" charset="0"/>
-              </a:rPr>
-              <a:t>E</a:t>
-            </a:r>
-            <a:r>
-              <a:rPr lang="en-US" sz="2000" dirty="0" smtClean="0">
-                <a:latin typeface="Source Sans Pro" panose="020B0604020202020204" charset="0"/>
-                <a:ea typeface="Roboto" panose="020B0604020202020204" charset="0"/>
-              </a:rPr>
-              <a:t>ditor </a:t>
-            </a:r>
-            <a:r>
-              <a:rPr lang="en-US" sz="2000" dirty="0" err="1" smtClean="0">
-                <a:latin typeface="Source Sans Pro" panose="020B0604020202020204" charset="0"/>
-                <a:ea typeface="Roboto" panose="020B0604020202020204" charset="0"/>
-              </a:rPr>
-              <a:t>menggunakan</a:t>
-            </a:r>
-            <a:r>
-              <a:rPr lang="en-US" sz="2000" dirty="0" smtClean="0">
-                <a:latin typeface="Source Sans Pro" panose="020B0604020202020204" charset="0"/>
-                <a:ea typeface="Roboto" panose="020B0604020202020204" charset="0"/>
-              </a:rPr>
-              <a:t> </a:t>
-            </a:r>
-            <a:r>
-              <a:rPr lang="en-US" sz="2000" dirty="0"/>
-              <a:t>IDE Microsoft Visual </a:t>
-            </a:r>
-            <a:r>
-              <a:rPr lang="en-US" sz="2000" dirty="0" smtClean="0"/>
-              <a:t>Studio Ultimate </a:t>
-            </a:r>
-            <a:r>
-              <a:rPr lang="en-US" sz="2000" dirty="0"/>
-              <a:t>2013 </a:t>
-            </a:r>
-            <a:endParaRPr lang="en-US" sz="2000" dirty="0" smtClean="0">
-              <a:latin typeface="Source Sans Pro" panose="020B0604020202020204" charset="0"/>
-              <a:ea typeface="Roboto" panose="020B0604020202020204" charset="0"/>
-            </a:endParaRPr>
-          </a:p>
-          <a:p>
-            <a:r>
-              <a:rPr lang="en-US" sz="2000" dirty="0" smtClean="0">
-                <a:latin typeface="Source Sans Pro" panose="020B0604020202020204" charset="0"/>
-                <a:ea typeface="Roboto" panose="020B0604020202020204" charset="0"/>
-              </a:rPr>
-              <a:t>CFG </a:t>
-            </a:r>
-            <a:r>
-              <a:rPr lang="en-US" sz="2000" dirty="0" err="1">
-                <a:latin typeface="Source Sans Pro" panose="020B0604020202020204" charset="0"/>
-                <a:ea typeface="Roboto" panose="020B0604020202020204" charset="0"/>
-              </a:rPr>
-              <a:t>akan</a:t>
-            </a:r>
-            <a:r>
-              <a:rPr lang="en-US" sz="2000" dirty="0">
-                <a:latin typeface="Source Sans Pro" panose="020B0604020202020204" charset="0"/>
-                <a:ea typeface="Roboto" panose="020B0604020202020204" charset="0"/>
-              </a:rPr>
-              <a:t> </a:t>
-            </a:r>
-            <a:r>
-              <a:rPr lang="en-US" sz="2000" dirty="0" err="1">
-                <a:latin typeface="Source Sans Pro" panose="020B0604020202020204" charset="0"/>
-                <a:ea typeface="Roboto" panose="020B0604020202020204" charset="0"/>
-              </a:rPr>
-              <a:t>divisualisasikan</a:t>
-            </a:r>
-            <a:r>
-              <a:rPr lang="en-US" sz="2000" dirty="0">
-                <a:latin typeface="Source Sans Pro" panose="020B0604020202020204" charset="0"/>
-                <a:ea typeface="Roboto" panose="020B0604020202020204" charset="0"/>
-              </a:rPr>
-              <a:t> </a:t>
-            </a:r>
-            <a:r>
-              <a:rPr lang="en-US" sz="2000" dirty="0" err="1">
-                <a:latin typeface="Source Sans Pro" panose="020B0604020202020204" charset="0"/>
-                <a:ea typeface="Roboto" panose="020B0604020202020204" charset="0"/>
-              </a:rPr>
-              <a:t>dengan</a:t>
-            </a:r>
-            <a:r>
-              <a:rPr lang="en-US" sz="2000" dirty="0">
-                <a:latin typeface="Source Sans Pro" panose="020B0604020202020204" charset="0"/>
-                <a:ea typeface="Roboto" panose="020B0604020202020204" charset="0"/>
-              </a:rPr>
-              <a:t> </a:t>
-            </a:r>
-            <a:r>
-              <a:rPr lang="en-US" sz="2000" dirty="0" err="1">
-                <a:latin typeface="Source Sans Pro" panose="020B0604020202020204" charset="0"/>
-                <a:ea typeface="Roboto" panose="020B0604020202020204" charset="0"/>
-              </a:rPr>
-              <a:t>menggunakan</a:t>
-            </a:r>
-            <a:r>
-              <a:rPr lang="en-US" sz="2000" dirty="0">
-                <a:latin typeface="Source Sans Pro" panose="020B0604020202020204" charset="0"/>
-                <a:ea typeface="Roboto" panose="020B0604020202020204" charset="0"/>
-              </a:rPr>
-              <a:t> </a:t>
-            </a:r>
-            <a:r>
-              <a:rPr lang="en-US" sz="2000" i="1" dirty="0">
-                <a:latin typeface="Source Sans Pro" panose="020B0604020202020204" charset="0"/>
-                <a:ea typeface="Roboto" panose="020B0604020202020204" charset="0"/>
-              </a:rPr>
-              <a:t>library</a:t>
-            </a:r>
-            <a:r>
-              <a:rPr lang="en-US" sz="2000" dirty="0">
-                <a:latin typeface="Source Sans Pro" panose="020B0604020202020204" charset="0"/>
-                <a:ea typeface="Roboto" panose="020B0604020202020204" charset="0"/>
-              </a:rPr>
-              <a:t> </a:t>
-            </a:r>
-            <a:r>
-              <a:rPr lang="en-US" sz="2000" dirty="0" err="1"/>
-              <a:t>Graphviz.Net</a:t>
-            </a:r>
-            <a:r>
-              <a:rPr lang="en-US" sz="2000" dirty="0"/>
-              <a:t> </a:t>
-            </a:r>
-            <a:endParaRPr lang="en-US" sz="2000" dirty="0" smtClean="0"/>
-          </a:p>
-          <a:p>
-            <a:pPr>
-              <a:buNone/>
-            </a:pPr>
-            <a:r>
-              <a:rPr lang="en-US" sz="2000" dirty="0"/>
-              <a:t/>
-            </a:r>
-            <a:br>
-              <a:rPr lang="en-US" sz="2000" dirty="0"/>
-            </a:br>
-            <a:r>
-              <a:rPr lang="en-US" sz="2000" dirty="0">
-                <a:latin typeface="Source Sans Pro" panose="020B0604020202020204" charset="0"/>
-                <a:ea typeface="Roboto" panose="020B0604020202020204" charset="0"/>
-              </a:rPr>
-              <a:t/>
-            </a:r>
-            <a:br>
-              <a:rPr lang="en-US" sz="2000" dirty="0">
-                <a:latin typeface="Source Sans Pro" panose="020B0604020202020204" charset="0"/>
-                <a:ea typeface="Roboto" panose="020B0604020202020204" charset="0"/>
-              </a:rPr>
-            </a:br>
-            <a:endParaRPr lang="en-US" sz="2000" dirty="0">
-              <a:latin typeface="Source Sans Pro" panose="020B0604020202020204" charset="0"/>
-              <a:ea typeface="Roboto" panose="020B0604020202020204" charset="0"/>
-            </a:endParaRPr>
-          </a:p>
-          <a:p>
-            <a:endParaRPr lang="en-US" sz="2000" dirty="0">
-              <a:latin typeface="Source Sans Pro" panose="020B0604020202020204" charset="0"/>
-            </a:endParaRPr>
           </a:p>
         </p:txBody>
       </p:sp>
@@ -21031,160 +19017,6 @@
             <a:fld id="{00000000-1234-1234-1234-123412341234}" type="slidenum">
               <a:rPr lang="en" smtClean="0"/>
               <a:t>15</a:t>
-            </a:fld>
-            <a:endParaRPr lang="en"/>
-          </a:p>
-        </p:txBody>
-      </p:sp>
-      <p:sp>
-        <p:nvSpPr>
-          <p:cNvPr id="7" name="Rectangle 6"/>
-          <p:cNvSpPr/>
-          <p:nvPr/>
-        </p:nvSpPr>
-        <p:spPr>
-          <a:xfrm>
-            <a:off x="844425" y="3863427"/>
-            <a:ext cx="7521654" cy="646331"/>
-          </a:xfrm>
-          <a:prstGeom prst="rect">
-            <a:avLst/>
-          </a:prstGeom>
-        </p:spPr>
-        <p:txBody>
-          <a:bodyPr wrap="square">
-            <a:spAutoFit/>
-          </a:bodyPr>
-          <a:lstStyle/>
-          <a:p>
-            <a:pPr>
-              <a:buClr>
-                <a:srgbClr val="0DB7C4"/>
-              </a:buClr>
-              <a:buSzPct val="100000"/>
-            </a:pPr>
-            <a:r>
-              <a:rPr lang="en-US" sz="1800" dirty="0">
-                <a:solidFill>
-                  <a:srgbClr val="415665"/>
-                </a:solidFill>
-                <a:latin typeface="Source Sans Pro" panose="020B0604020202020204" charset="0"/>
-              </a:rPr>
-              <a:t/>
-            </a:r>
-            <a:br>
-              <a:rPr lang="en-US" sz="1800" dirty="0">
-                <a:solidFill>
-                  <a:srgbClr val="415665"/>
-                </a:solidFill>
-                <a:latin typeface="Source Sans Pro" panose="020B0604020202020204" charset="0"/>
-              </a:rPr>
-            </a:br>
-            <a:endParaRPr lang="en-US" sz="1800" dirty="0">
-              <a:solidFill>
-                <a:srgbClr val="415665"/>
-              </a:solidFill>
-              <a:latin typeface="Source Sans Pro" panose="020B0604020202020204" charset="0"/>
-            </a:endParaRPr>
-          </a:p>
-        </p:txBody>
-      </p:sp>
-    </p:spTree>
-    <p:extLst>
-      <p:ext uri="{BB962C8B-B14F-4D97-AF65-F5344CB8AC3E}">
-        <p14:creationId xmlns:p14="http://schemas.microsoft.com/office/powerpoint/2010/main" val="690143026"/>
-      </p:ext>
-    </p:extLst>
-  </p:cSld>
-  <p:clrMapOvr>
-    <a:masterClrMapping/>
-  </p:clrMapOvr>
-  <p:timing>
-    <p:tnLst>
-      <p:par>
-        <p:cTn id="1" dur="indefinite" restart="never" nodeType="tmRoot"/>
-      </p:par>
-    </p:tnLst>
-  </p:timing>
-</p:sld>
-</file>
-
-<file path=ppt/slides/slide17.xml><?xml version="1.0" encoding="utf-8"?>
-<p:sld xmlns:a="http://schemas.openxmlformats.org/drawingml/2006/main" xmlns:r="http://schemas.openxmlformats.org/officeDocument/2006/relationships" xmlns:p="http://schemas.openxmlformats.org/presentationml/2006/main">
-  <p:cSld>
-    <p:spTree>
-      <p:nvGrpSpPr>
-        <p:cNvPr id="1" name=""/>
-        <p:cNvGrpSpPr/>
-        <p:nvPr/>
-      </p:nvGrpSpPr>
-      <p:grpSpPr>
-        <a:xfrm>
-          <a:off x="0" y="0"/>
-          <a:ext cx="0" cy="0"/>
-          <a:chOff x="0" y="0"/>
-          <a:chExt cx="0" cy="0"/>
-        </a:xfrm>
-      </p:grpSpPr>
-      <p:sp>
-        <p:nvSpPr>
-          <p:cNvPr id="2" name="Title 1"/>
-          <p:cNvSpPr>
-            <a:spLocks noGrp="1"/>
-          </p:cNvSpPr>
-          <p:nvPr>
-            <p:ph type="title"/>
-          </p:nvPr>
-        </p:nvSpPr>
-        <p:spPr>
-          <a:xfrm>
-            <a:off x="844425" y="130112"/>
-            <a:ext cx="8002032" cy="879774"/>
-          </a:xfrm>
-        </p:spPr>
-        <p:txBody>
-          <a:bodyPr/>
-          <a:lstStyle/>
-          <a:p>
-            <a:r>
-              <a:rPr lang="en-US" dirty="0" smtClean="0"/>
-              <a:t>METODE PENELITIAN</a:t>
-            </a:r>
-            <a:br>
-              <a:rPr lang="en-US" dirty="0" smtClean="0"/>
-            </a:br>
-            <a:r>
-              <a:rPr lang="en-US" dirty="0" err="1" smtClean="0"/>
-              <a:t>Pengujian</a:t>
-            </a:r>
-            <a:endParaRPr lang="en-US" dirty="0"/>
-          </a:p>
-        </p:txBody>
-      </p:sp>
-      <p:sp>
-        <p:nvSpPr>
-          <p:cNvPr id="4" name="Slide Number Placeholder 3"/>
-          <p:cNvSpPr>
-            <a:spLocks noGrp="1"/>
-          </p:cNvSpPr>
-          <p:nvPr>
-            <p:ph type="sldNum" idx="12"/>
-          </p:nvPr>
-        </p:nvSpPr>
-        <p:spPr/>
-        <p:txBody>
-          <a:bodyPr/>
-          <a:lstStyle/>
-          <a:p>
-            <a:pPr lvl="0">
-              <a:spcBef>
-                <a:spcPts val="0"/>
-              </a:spcBef>
-              <a:buNone/>
-            </a:pPr>
-            <a:fld id="{00000000-1234-1234-1234-123412341234}" type="slidenum">
-              <a:rPr lang="en" smtClean="0"/>
-              <a:t>16</a:t>
             </a:fld>
             <a:endParaRPr lang="en"/>
           </a:p>
@@ -22359,7 +20191,7 @@
 </p:sld>
 </file>
 
-<file path=ppt/slides/slide18.xml><?xml version="1.0" encoding="utf-8"?>
+<file path=ppt/slides/slide17.xml><?xml version="1.0" encoding="utf-8"?>
 <p:sld xmlns:a="http://schemas.openxmlformats.org/drawingml/2006/main" xmlns:r="http://schemas.openxmlformats.org/officeDocument/2006/relationships" xmlns:p="http://schemas.openxmlformats.org/presentationml/2006/main">
   <p:cSld>
     <p:spTree>
@@ -22438,7 +20270,7 @@
             </a:pPr>
             <a:fld id="{00000000-1234-1234-1234-123412341234}" type="slidenum">
               <a:rPr lang="en" smtClean="0"/>
-              <a:t>17</a:t>
+              <a:t>16</a:t>
             </a:fld>
             <a:endParaRPr lang="en"/>
           </a:p>
@@ -24363,6 +22195,133 @@
 </p:sld>
 </file>
 
+<file path=ppt/slides/slide18.xml><?xml version="1.0" encoding="utf-8"?>
+<p:sld xmlns:a="http://schemas.openxmlformats.org/drawingml/2006/main" xmlns:r="http://schemas.openxmlformats.org/officeDocument/2006/relationships" xmlns:p="http://schemas.openxmlformats.org/presentationml/2006/main">
+  <p:cSld>
+    <p:spTree>
+      <p:nvGrpSpPr>
+        <p:cNvPr id="1" name=""/>
+        <p:cNvGrpSpPr/>
+        <p:nvPr/>
+      </p:nvGrpSpPr>
+      <p:grpSpPr>
+        <a:xfrm>
+          <a:off x="0" y="0"/>
+          <a:ext cx="0" cy="0"/>
+          <a:chOff x="0" y="0"/>
+          <a:chExt cx="0" cy="0"/>
+        </a:xfrm>
+      </p:grpSpPr>
+      <p:sp>
+        <p:nvSpPr>
+          <p:cNvPr id="2" name="Title 1"/>
+          <p:cNvSpPr>
+            <a:spLocks noGrp="1"/>
+          </p:cNvSpPr>
+          <p:nvPr>
+            <p:ph type="title"/>
+          </p:nvPr>
+        </p:nvSpPr>
+        <p:spPr>
+          <a:xfrm>
+            <a:off x="844425" y="130112"/>
+            <a:ext cx="8002032" cy="879774"/>
+          </a:xfrm>
+        </p:spPr>
+        <p:txBody>
+          <a:bodyPr/>
+          <a:lstStyle/>
+          <a:p>
+            <a:r>
+              <a:rPr lang="en-US" dirty="0" smtClean="0"/>
+              <a:t>HASIL DAN PEMBAHASAN</a:t>
+            </a:r>
+            <a:br>
+              <a:rPr lang="en-US" dirty="0" smtClean="0"/>
+            </a:br>
+            <a:r>
+              <a:rPr lang="en-US" dirty="0" err="1" smtClean="0"/>
+              <a:t>Perancangan</a:t>
+            </a:r>
+            <a:r>
+              <a:rPr lang="en-US" dirty="0" smtClean="0"/>
+              <a:t> Class Diagram</a:t>
+            </a:r>
+            <a:endParaRPr lang="en-US" dirty="0"/>
+          </a:p>
+        </p:txBody>
+      </p:sp>
+      <p:sp>
+        <p:nvSpPr>
+          <p:cNvPr id="4" name="Slide Number Placeholder 3"/>
+          <p:cNvSpPr>
+            <a:spLocks noGrp="1"/>
+          </p:cNvSpPr>
+          <p:nvPr>
+            <p:ph type="sldNum" idx="12"/>
+          </p:nvPr>
+        </p:nvSpPr>
+        <p:spPr/>
+        <p:txBody>
+          <a:bodyPr/>
+          <a:lstStyle/>
+          <a:p>
+            <a:pPr lvl="0">
+              <a:spcBef>
+                <a:spcPts val="0"/>
+              </a:spcBef>
+              <a:buNone/>
+            </a:pPr>
+            <a:fld id="{00000000-1234-1234-1234-123412341234}" type="slidenum">
+              <a:rPr lang="en" smtClean="0"/>
+              <a:t>17</a:t>
+            </a:fld>
+            <a:endParaRPr lang="en"/>
+          </a:p>
+        </p:txBody>
+      </p:sp>
+      <p:pic>
+        <p:nvPicPr>
+          <p:cNvPr id="6" name="Picture 5"/>
+          <p:cNvPicPr/>
+          <p:nvPr/>
+        </p:nvPicPr>
+        <p:blipFill>
+          <a:blip r:embed="rId2"/>
+          <a:stretch>
+            <a:fillRect/>
+          </a:stretch>
+        </p:blipFill>
+        <p:spPr>
+          <a:xfrm>
+            <a:off x="1140987" y="1497098"/>
+            <a:ext cx="7446959" cy="3050189"/>
+          </a:xfrm>
+          <a:prstGeom prst="rect">
+            <a:avLst/>
+          </a:prstGeom>
+        </p:spPr>
+      </p:pic>
+    </p:spTree>
+    <p:extLst>
+      <p:ext uri="{BB962C8B-B14F-4D97-AF65-F5344CB8AC3E}">
+        <p14:creationId xmlns:p14="http://schemas.microsoft.com/office/powerpoint/2010/main" val="846286619"/>
+      </p:ext>
+    </p:extLst>
+  </p:cSld>
+  <p:clrMapOvr>
+    <a:masterClrMapping/>
+  </p:clrMapOvr>
+  <p:timing>
+    <p:tnLst>
+      <p:par>
+        <p:cTn id="1" dur="indefinite" restart="never" nodeType="tmRoot"/>
+      </p:par>
+    </p:tnLst>
+  </p:timing>
+</p:sld>
+</file>
+
 <file path=ppt/slides/slide19.xml><?xml version="1.0" encoding="utf-8"?>
 <p:sld xmlns:a="http://schemas.openxmlformats.org/drawingml/2006/main" xmlns:r="http://schemas.openxmlformats.org/officeDocument/2006/relationships" xmlns:p="http://schemas.openxmlformats.org/presentationml/2006/main">
   <p:cSld>
@@ -24413,7 +22372,11 @@
             </a:r>
             <a:r>
               <a:rPr lang="en-US" dirty="0" smtClean="0"/>
-              <a:t> Class Diagram</a:t>
+              <a:t> </a:t>
+            </a:r>
+            <a:r>
+              <a:rPr lang="en-US" dirty="0" err="1" smtClean="0"/>
+              <a:t>Antarmuka</a:t>
             </a:r>
             <a:endParaRPr lang="en-US" dirty="0"/>
           </a:p>
@@ -24450,30 +22413,116 @@
       </p:sp>
       <p:pic>
         <p:nvPicPr>
-          <p:cNvPr id="6" name="Picture 5"/>
-          <p:cNvPicPr/>
+          <p:cNvPr id="6146" name="Picture 2" descr="Home"/>
+          <p:cNvPicPr>
+            <a:picLocks noChangeAspect="1" noChangeArrowheads="1"/>
+          </p:cNvPicPr>
           <p:nvPr/>
         </p:nvPicPr>
         <p:blipFill>
-          <a:blip r:embed="rId2"/>
+          <a:blip r:embed="rId3">
+            <a:extLst>
+              <a:ext uri="{28A0092B-C50C-407E-A947-70E740481C1C}">
+                <a14:useLocalDpi xmlns:a14="http://schemas.microsoft.com/office/drawing/2010/main" val="0"/>
+              </a:ext>
+            </a:extLst>
+          </a:blip>
+          <a:srcRect/>
           <a:stretch>
             <a:fillRect/>
           </a:stretch>
         </p:blipFill>
-        <p:spPr>
+        <p:spPr bwMode="auto">
           <a:xfrm>
-            <a:off x="1140987" y="1497098"/>
-            <a:ext cx="7446959" cy="3050189"/>
+            <a:off x="764382" y="1820411"/>
+            <a:ext cx="4086734" cy="2410760"/>
           </a:xfrm>
           <a:prstGeom prst="rect">
             <a:avLst/>
           </a:prstGeom>
+          <a:noFill/>
+          <a:ln>
+            <a:noFill/>
+          </a:ln>
+          <a:extLst>
+            <a:ext uri="{909E8E84-426E-40DD-AFC4-6F175D3DCCD1}">
+              <a14:hiddenFill xmlns:a14="http://schemas.microsoft.com/office/drawing/2010/main">
+                <a:solidFill>
+                  <a:srgbClr val="FFFFFF"/>
+                </a:solidFill>
+              </a14:hiddenFill>
+            </a:ext>
+            <a:ext uri="{91240B29-F687-4F45-9708-019B960494DF}">
+              <a14:hiddenLine xmlns:a14="http://schemas.microsoft.com/office/drawing/2010/main" w="9525">
+                <a:solidFill>
+                  <a:srgbClr val="000000"/>
+                </a:solidFill>
+                <a:miter lim="800000"/>
+                <a:headEnd/>
+                <a:tailEnd/>
+              </a14:hiddenLine>
+            </a:ext>
+          </a:extLst>
+        </p:spPr>
+      </p:pic>
+      <p:pic>
+        <p:nvPicPr>
+          <p:cNvPr id="6147" name="Picture 3" descr="Home2"/>
+          <p:cNvPicPr>
+            <a:picLocks noChangeAspect="1" noChangeArrowheads="1"/>
+          </p:cNvPicPr>
+          <p:nvPr/>
+        </p:nvPicPr>
+        <p:blipFill>
+          <a:blip r:embed="rId4">
+            <a:extLst>
+              <a:ext uri="{28A0092B-C50C-407E-A947-70E740481C1C}">
+                <a14:useLocalDpi xmlns:a14="http://schemas.microsoft.com/office/drawing/2010/main" val="0"/>
+              </a:ext>
+            </a:extLst>
+          </a:blip>
+          <a:srcRect/>
+          <a:stretch>
+            <a:fillRect/>
+          </a:stretch>
+        </p:blipFill>
+        <p:spPr bwMode="auto">
+          <a:xfrm>
+            <a:off x="5128481" y="130112"/>
+            <a:ext cx="3596533" cy="5036622"/>
+          </a:xfrm>
+          <a:prstGeom prst="rect">
+            <a:avLst/>
+          </a:prstGeom>
+          <a:noFill/>
+          <a:ln>
+            <a:noFill/>
+          </a:ln>
+          <a:extLst>
+            <a:ext uri="{909E8E84-426E-40DD-AFC4-6F175D3DCCD1}">
+              <a14:hiddenFill xmlns:a14="http://schemas.microsoft.com/office/drawing/2010/main">
+                <a:solidFill>
+                  <a:srgbClr val="FFFFFF"/>
+                </a:solidFill>
+              </a14:hiddenFill>
+            </a:ext>
+            <a:ext uri="{91240B29-F687-4F45-9708-019B960494DF}">
+              <a14:hiddenLine xmlns:a14="http://schemas.microsoft.com/office/drawing/2010/main" w="9525">
+                <a:solidFill>
+                  <a:srgbClr val="000000"/>
+                </a:solidFill>
+                <a:miter lim="800000"/>
+                <a:headEnd/>
+                <a:tailEnd/>
+              </a14:hiddenLine>
+            </a:ext>
+          </a:extLst>
         </p:spPr>
       </p:pic>
     </p:spTree>
     <p:extLst>
       <p:ext uri="{BB962C8B-B14F-4D97-AF65-F5344CB8AC3E}">
-        <p14:creationId xmlns:p14="http://schemas.microsoft.com/office/powerpoint/2010/main" val="846286619"/>
+        <p14:creationId xmlns:p14="http://schemas.microsoft.com/office/powerpoint/2010/main" val="2721985801"/>
       </p:ext>
     </p:extLst>
   </p:cSld>
@@ -24870,7 +22919,7 @@
             </a:br>
             <a:r>
               <a:rPr lang="en-US" dirty="0" err="1" smtClean="0"/>
-              <a:t>Perancangan</a:t>
+              <a:t>Contoh</a:t>
             </a:r>
             <a:r>
               <a:rPr lang="en-US" dirty="0" smtClean="0"/>
@@ -24878,7 +22927,11 @@
             </a:r>
             <a:r>
               <a:rPr lang="en-US" dirty="0" err="1" smtClean="0"/>
-              <a:t>Antarmuka</a:t>
+              <a:t>kasus</a:t>
+            </a:r>
+            <a:r>
+              <a:rPr lang="en-US" dirty="0" smtClean="0"/>
+              <a:t> tA2008</a:t>
             </a:r>
             <a:endParaRPr lang="en-US" dirty="0"/>
           </a:p>
@@ -24908,227 +22961,6 @@
             <a:fld id="{00000000-1234-1234-1234-123412341234}" type="slidenum">
               <a:rPr lang="en" smtClean="0"/>
               <a:t>19</a:t>
-            </a:fld>
-            <a:endParaRPr lang="en"/>
-          </a:p>
-        </p:txBody>
-      </p:sp>
-      <p:pic>
-        <p:nvPicPr>
-          <p:cNvPr id="6146" name="Picture 2" descr="Home"/>
-          <p:cNvPicPr>
-            <a:picLocks noChangeAspect="1" noChangeArrowheads="1"/>
-          </p:cNvPicPr>
-          <p:nvPr/>
-        </p:nvPicPr>
-        <p:blipFill>
-          <a:blip r:embed="rId3">
-            <a:extLst>
-              <a:ext uri="{28A0092B-C50C-407E-A947-70E740481C1C}">
-                <a14:useLocalDpi xmlns:a14="http://schemas.microsoft.com/office/drawing/2010/main" val="0"/>
-              </a:ext>
-            </a:extLst>
-          </a:blip>
-          <a:srcRect/>
-          <a:stretch>
-            <a:fillRect/>
-          </a:stretch>
-        </p:blipFill>
-        <p:spPr bwMode="auto">
-          <a:xfrm>
-            <a:off x="764382" y="1820411"/>
-            <a:ext cx="4086734" cy="2410760"/>
-          </a:xfrm>
-          <a:prstGeom prst="rect">
-            <a:avLst/>
-          </a:prstGeom>
-          <a:noFill/>
-          <a:ln>
-            <a:noFill/>
-          </a:ln>
-          <a:extLst>
-            <a:ext uri="{909E8E84-426E-40DD-AFC4-6F175D3DCCD1}">
-              <a14:hiddenFill xmlns:a14="http://schemas.microsoft.com/office/drawing/2010/main">
-                <a:solidFill>
-                  <a:srgbClr val="FFFFFF"/>
-                </a:solidFill>
-              </a14:hiddenFill>
-            </a:ext>
-            <a:ext uri="{91240B29-F687-4F45-9708-019B960494DF}">
-              <a14:hiddenLine xmlns:a14="http://schemas.microsoft.com/office/drawing/2010/main" w="9525">
-                <a:solidFill>
-                  <a:srgbClr val="000000"/>
-                </a:solidFill>
-                <a:miter lim="800000"/>
-                <a:headEnd/>
-                <a:tailEnd/>
-              </a14:hiddenLine>
-            </a:ext>
-          </a:extLst>
-        </p:spPr>
-      </p:pic>
-      <p:pic>
-        <p:nvPicPr>
-          <p:cNvPr id="6147" name="Picture 3" descr="Home2"/>
-          <p:cNvPicPr>
-            <a:picLocks noChangeAspect="1" noChangeArrowheads="1"/>
-          </p:cNvPicPr>
-          <p:nvPr/>
-        </p:nvPicPr>
-        <p:blipFill>
-          <a:blip r:embed="rId4">
-            <a:extLst>
-              <a:ext uri="{28A0092B-C50C-407E-A947-70E740481C1C}">
-                <a14:useLocalDpi xmlns:a14="http://schemas.microsoft.com/office/drawing/2010/main" val="0"/>
-              </a:ext>
-            </a:extLst>
-          </a:blip>
-          <a:srcRect/>
-          <a:stretch>
-            <a:fillRect/>
-          </a:stretch>
-        </p:blipFill>
-        <p:spPr bwMode="auto">
-          <a:xfrm>
-            <a:off x="5128481" y="130112"/>
-            <a:ext cx="3596533" cy="5036622"/>
-          </a:xfrm>
-          <a:prstGeom prst="rect">
-            <a:avLst/>
-          </a:prstGeom>
-          <a:noFill/>
-          <a:ln>
-            <a:noFill/>
-          </a:ln>
-          <a:extLst>
-            <a:ext uri="{909E8E84-426E-40DD-AFC4-6F175D3DCCD1}">
-              <a14:hiddenFill xmlns:a14="http://schemas.microsoft.com/office/drawing/2010/main">
-                <a:solidFill>
-                  <a:srgbClr val="FFFFFF"/>
-                </a:solidFill>
-              </a14:hiddenFill>
-            </a:ext>
-            <a:ext uri="{91240B29-F687-4F45-9708-019B960494DF}">
-              <a14:hiddenLine xmlns:a14="http://schemas.microsoft.com/office/drawing/2010/main" w="9525">
-                <a:solidFill>
-                  <a:srgbClr val="000000"/>
-                </a:solidFill>
-                <a:miter lim="800000"/>
-                <a:headEnd/>
-                <a:tailEnd/>
-              </a14:hiddenLine>
-            </a:ext>
-          </a:extLst>
-        </p:spPr>
-      </p:pic>
-    </p:spTree>
-    <p:extLst>
-      <p:ext uri="{BB962C8B-B14F-4D97-AF65-F5344CB8AC3E}">
-        <p14:creationId xmlns:p14="http://schemas.microsoft.com/office/powerpoint/2010/main" val="2721985801"/>
-      </p:ext>
-    </p:extLst>
-  </p:cSld>
-  <p:clrMapOvr>
-    <a:masterClrMapping/>
-  </p:clrMapOvr>
-  <p:timing>
-    <p:tnLst>
-      <p:par>
-        <p:cTn id="1" dur="indefinite" restart="never" nodeType="tmRoot"/>
-      </p:par>
-    </p:tnLst>
-  </p:timing>
-</p:sld>
-</file>
-
-<file path=ppt/slides/slide21.xml><?xml version="1.0" encoding="utf-8"?>
-<p:sld xmlns:a="http://schemas.openxmlformats.org/drawingml/2006/main" xmlns:r="http://schemas.openxmlformats.org/officeDocument/2006/relationships" xmlns:p="http://schemas.openxmlformats.org/presentationml/2006/main">
-  <p:cSld>
-    <p:spTree>
-      <p:nvGrpSpPr>
-        <p:cNvPr id="1" name=""/>
-        <p:cNvGrpSpPr/>
-        <p:nvPr/>
-      </p:nvGrpSpPr>
-      <p:grpSpPr>
-        <a:xfrm>
-          <a:off x="0" y="0"/>
-          <a:ext cx="0" cy="0"/>
-          <a:chOff x="0" y="0"/>
-          <a:chExt cx="0" cy="0"/>
-        </a:xfrm>
-      </p:grpSpPr>
-      <p:sp>
-        <p:nvSpPr>
-          <p:cNvPr id="2" name="Title 1"/>
-          <p:cNvSpPr>
-            <a:spLocks noGrp="1"/>
-          </p:cNvSpPr>
-          <p:nvPr>
-            <p:ph type="title"/>
-          </p:nvPr>
-        </p:nvSpPr>
-        <p:spPr>
-          <a:xfrm>
-            <a:off x="844425" y="130112"/>
-            <a:ext cx="8002032" cy="879774"/>
-          </a:xfrm>
-        </p:spPr>
-        <p:txBody>
-          <a:bodyPr/>
-          <a:lstStyle/>
-          <a:p>
-            <a:r>
-              <a:rPr lang="en-US" dirty="0" smtClean="0"/>
-              <a:t>HASIL DAN PEMBAHASAN</a:t>
-            </a:r>
-            <a:br>
-              <a:rPr lang="en-US" dirty="0" smtClean="0"/>
-            </a:br>
-            <a:r>
-              <a:rPr lang="en-US" dirty="0" err="1" smtClean="0"/>
-              <a:t>Contoh</a:t>
-            </a:r>
-            <a:r>
-              <a:rPr lang="en-US" dirty="0" smtClean="0"/>
-              <a:t> </a:t>
-            </a:r>
-            <a:r>
-              <a:rPr lang="en-US" dirty="0" err="1" smtClean="0"/>
-              <a:t>kasus</a:t>
-            </a:r>
-            <a:r>
-              <a:rPr lang="en-US" dirty="0" smtClean="0"/>
-              <a:t> tA2008</a:t>
-            </a:r>
-            <a:endParaRPr lang="en-US" dirty="0"/>
-          </a:p>
-        </p:txBody>
-      </p:sp>
-      <p:sp>
-        <p:nvSpPr>
-          <p:cNvPr id="4" name="Slide Number Placeholder 3"/>
-          <p:cNvSpPr>
-            <a:spLocks noGrp="1"/>
-          </p:cNvSpPr>
-          <p:nvPr>
-            <p:ph type="sldNum" idx="12"/>
-          </p:nvPr>
-        </p:nvSpPr>
-        <p:spPr/>
-        <p:txBody>
-          <a:bodyPr/>
-          <a:lstStyle/>
-          <a:p>
-            <a:pPr lvl="0">
-              <a:spcBef>
-                <a:spcPts val="0"/>
-              </a:spcBef>
-              <a:buNone/>
-            </a:pPr>
-            <a:fld id="{00000000-1234-1234-1234-123412341234}" type="slidenum">
-              <a:rPr lang="en" smtClean="0"/>
-              <a:t>20</a:t>
             </a:fld>
             <a:endParaRPr lang="en"/>
           </a:p>
@@ -25897,7 +23729,7 @@
 </p:sld>
 </file>
 
-<file path=ppt/slides/slide22.xml><?xml version="1.0" encoding="utf-8"?>
+<file path=ppt/slides/slide21.xml><?xml version="1.0" encoding="utf-8"?>
 <p:sld xmlns:a="http://schemas.openxmlformats.org/drawingml/2006/main" xmlns:r="http://schemas.openxmlformats.org/officeDocument/2006/relationships" xmlns:p="http://schemas.openxmlformats.org/presentationml/2006/main">
   <p:cSld>
     <p:spTree>
@@ -26003,7 +23835,7 @@
             </a:pPr>
             <a:fld id="{00000000-1234-1234-1234-123412341234}" type="slidenum">
               <a:rPr lang="en" smtClean="0"/>
-              <a:t>21</a:t>
+              <a:t>20</a:t>
             </a:fld>
             <a:endParaRPr lang="en"/>
           </a:p>
@@ -26056,7 +23888,7 @@
 </p:sld>
 </file>
 
-<file path=ppt/slides/slide23.xml><?xml version="1.0" encoding="utf-8"?>
+<file path=ppt/slides/slide22.xml><?xml version="1.0" encoding="utf-8"?>
 <p:sld xmlns:a="http://schemas.openxmlformats.org/drawingml/2006/main" xmlns:r="http://schemas.openxmlformats.org/officeDocument/2006/relationships" xmlns:p="http://schemas.openxmlformats.org/presentationml/2006/main">
   <p:cSld>
     <p:spTree>
@@ -26139,7 +23971,7 @@
             </a:pPr>
             <a:fld id="{00000000-1234-1234-1234-123412341234}" type="slidenum">
               <a:rPr lang="en" smtClean="0"/>
-              <a:t>22</a:t>
+              <a:t>21</a:t>
             </a:fld>
             <a:endParaRPr lang="en"/>
           </a:p>
@@ -27210,7 +25042,7 @@
 </p:sld>
 </file>
 
-<file path=ppt/slides/slide24.xml><?xml version="1.0" encoding="utf-8"?>
+<file path=ppt/slides/slide23.xml><?xml version="1.0" encoding="utf-8"?>
 <p:sld xmlns:a="http://schemas.openxmlformats.org/drawingml/2006/main" xmlns:r="http://schemas.openxmlformats.org/officeDocument/2006/relationships" xmlns:p="http://schemas.openxmlformats.org/presentationml/2006/main">
   <p:cSld>
     <p:spTree>
@@ -27293,7 +25125,7 @@
             </a:pPr>
             <a:fld id="{00000000-1234-1234-1234-123412341234}" type="slidenum">
               <a:rPr lang="en" smtClean="0"/>
-              <a:t>23</a:t>
+              <a:t>22</a:t>
             </a:fld>
             <a:endParaRPr lang="en"/>
           </a:p>
@@ -28709,7 +26541,7 @@
 </p:sld>
 </file>
 
-<file path=ppt/slides/slide25.xml><?xml version="1.0" encoding="utf-8"?>
+<file path=ppt/slides/slide24.xml><?xml version="1.0" encoding="utf-8"?>
 <p:sld xmlns:a="http://schemas.openxmlformats.org/drawingml/2006/main" xmlns:r="http://schemas.openxmlformats.org/officeDocument/2006/relationships" xmlns:p="http://schemas.openxmlformats.org/presentationml/2006/main">
   <p:cSld>
     <p:spTree>
@@ -28792,7 +26624,7 @@
             </a:pPr>
             <a:fld id="{00000000-1234-1234-1234-123412341234}" type="slidenum">
               <a:rPr lang="en" smtClean="0"/>
-              <a:t>24</a:t>
+              <a:t>23</a:t>
             </a:fld>
             <a:endParaRPr lang="en"/>
           </a:p>
@@ -29093,7 +26925,7 @@
 </p:sld>
 </file>
 
-<file path=ppt/slides/slide26.xml><?xml version="1.0" encoding="utf-8"?>
+<file path=ppt/slides/slide25.xml><?xml version="1.0" encoding="utf-8"?>
 <p:sld xmlns:a="http://schemas.openxmlformats.org/drawingml/2006/main" xmlns:r="http://schemas.openxmlformats.org/officeDocument/2006/relationships" xmlns:p="http://schemas.openxmlformats.org/presentationml/2006/main">
   <p:cSld>
     <p:spTree>
@@ -29180,7 +27012,7 @@
             </a:pPr>
             <a:fld id="{00000000-1234-1234-1234-123412341234}" type="slidenum">
               <a:rPr lang="en" smtClean="0"/>
-              <a:t>25</a:t>
+              <a:t>24</a:t>
             </a:fld>
             <a:endParaRPr lang="en"/>
           </a:p>
@@ -29589,7 +27421,7 @@
 </p:sld>
 </file>
 
-<file path=ppt/slides/slide27.xml><?xml version="1.0" encoding="utf-8"?>
+<file path=ppt/slides/slide26.xml><?xml version="1.0" encoding="utf-8"?>
 <p:sld xmlns:a="http://schemas.openxmlformats.org/drawingml/2006/main" xmlns:r="http://schemas.openxmlformats.org/officeDocument/2006/relationships" xmlns:p="http://schemas.openxmlformats.org/presentationml/2006/main">
   <p:cSld>
     <p:spTree>
@@ -29680,7 +27512,7 @@
             </a:pPr>
             <a:fld id="{00000000-1234-1234-1234-123412341234}" type="slidenum">
               <a:rPr lang="en" smtClean="0"/>
-              <a:t>26</a:t>
+              <a:t>25</a:t>
             </a:fld>
             <a:endParaRPr lang="en"/>
           </a:p>
@@ -30602,7 +28434,7 @@
 </p:sld>
 </file>
 
-<file path=ppt/slides/slide28.xml><?xml version="1.0" encoding="utf-8"?>
+<file path=ppt/slides/slide27.xml><?xml version="1.0" encoding="utf-8"?>
 <p:sld xmlns:a="http://schemas.openxmlformats.org/drawingml/2006/main" xmlns:r="http://schemas.openxmlformats.org/officeDocument/2006/relationships" xmlns:p="http://schemas.openxmlformats.org/presentationml/2006/main">
   <p:cSld>
     <p:spTree>
@@ -30693,7 +28525,7 @@
             </a:pPr>
             <a:fld id="{00000000-1234-1234-1234-123412341234}" type="slidenum">
               <a:rPr lang="en" smtClean="0"/>
-              <a:t>27</a:t>
+              <a:t>26</a:t>
             </a:fld>
             <a:endParaRPr lang="en"/>
           </a:p>
@@ -33347,6 +31179,735 @@
 </p:sld>
 </file>
 
+<file path=ppt/slides/slide28.xml><?xml version="1.0" encoding="utf-8"?>
+<p:sld xmlns:a="http://schemas.openxmlformats.org/drawingml/2006/main" xmlns:r="http://schemas.openxmlformats.org/officeDocument/2006/relationships" xmlns:p="http://schemas.openxmlformats.org/presentationml/2006/main">
+  <p:cSld>
+    <p:spTree>
+      <p:nvGrpSpPr>
+        <p:cNvPr id="1" name=""/>
+        <p:cNvGrpSpPr/>
+        <p:nvPr/>
+      </p:nvGrpSpPr>
+      <p:grpSpPr>
+        <a:xfrm>
+          <a:off x="0" y="0"/>
+          <a:ext cx="0" cy="0"/>
+          <a:chOff x="0" y="0"/>
+          <a:chExt cx="0" cy="0"/>
+        </a:xfrm>
+      </p:grpSpPr>
+      <p:sp>
+        <p:nvSpPr>
+          <p:cNvPr id="2" name="Title 1"/>
+          <p:cNvSpPr>
+            <a:spLocks noGrp="1"/>
+          </p:cNvSpPr>
+          <p:nvPr>
+            <p:ph type="title"/>
+          </p:nvPr>
+        </p:nvSpPr>
+        <p:spPr>
+          <a:xfrm>
+            <a:off x="844425" y="130112"/>
+            <a:ext cx="8002032" cy="879774"/>
+          </a:xfrm>
+        </p:spPr>
+        <p:txBody>
+          <a:bodyPr/>
+          <a:lstStyle/>
+          <a:p>
+            <a:r>
+              <a:rPr lang="en-US" dirty="0" err="1" smtClean="0"/>
+              <a:t>Kesimpulan</a:t>
+            </a:r>
+            <a:r>
+              <a:rPr lang="en-US" dirty="0" smtClean="0"/>
+              <a:t> Dan Saran</a:t>
+            </a:r>
+            <a:r>
+              <a:rPr lang="en-US" dirty="0"/>
+              <a:t/>
+            </a:r>
+            <a:br>
+              <a:rPr lang="en-US" dirty="0"/>
+            </a:br>
+            <a:r>
+              <a:rPr lang="en-US" dirty="0" err="1" smtClean="0"/>
+              <a:t>Kesimpulan</a:t>
+            </a:r>
+            <a:endParaRPr lang="en-US" dirty="0"/>
+          </a:p>
+        </p:txBody>
+      </p:sp>
+      <p:sp>
+        <p:nvSpPr>
+          <p:cNvPr id="4" name="Slide Number Placeholder 3"/>
+          <p:cNvSpPr>
+            <a:spLocks noGrp="1"/>
+          </p:cNvSpPr>
+          <p:nvPr>
+            <p:ph type="sldNum" idx="12"/>
+          </p:nvPr>
+        </p:nvSpPr>
+        <p:spPr/>
+        <p:txBody>
+          <a:bodyPr/>
+          <a:lstStyle/>
+          <a:p>
+            <a:pPr lvl="0">
+              <a:spcBef>
+                <a:spcPts val="0"/>
+              </a:spcBef>
+              <a:buNone/>
+            </a:pPr>
+            <a:fld id="{00000000-1234-1234-1234-123412341234}" type="slidenum">
+              <a:rPr lang="en" smtClean="0"/>
+              <a:t>27</a:t>
+            </a:fld>
+            <a:endParaRPr lang="en"/>
+          </a:p>
+        </p:txBody>
+      </p:sp>
+      <p:sp>
+        <p:nvSpPr>
+          <p:cNvPr id="5" name="Text Placeholder 2"/>
+          <p:cNvSpPr>
+            <a:spLocks noGrp="1"/>
+          </p:cNvSpPr>
+          <p:nvPr>
+            <p:ph type="body" idx="1"/>
+          </p:nvPr>
+        </p:nvSpPr>
+        <p:spPr>
+          <a:xfrm>
+            <a:off x="844425" y="1357087"/>
+            <a:ext cx="8002032" cy="3560353"/>
+          </a:xfrm>
+        </p:spPr>
+        <p:txBody>
+          <a:bodyPr/>
+          <a:lstStyle/>
+          <a:p>
+            <a:r>
+              <a:rPr lang="en-US" sz="2200" dirty="0" err="1">
+                <a:latin typeface="Source Sans Pro" panose="020B0604020202020204" charset="0"/>
+              </a:rPr>
+              <a:t>Penelitian</a:t>
+            </a:r>
+            <a:r>
+              <a:rPr lang="en-US" sz="2200" dirty="0">
+                <a:latin typeface="Source Sans Pro" panose="020B0604020202020204" charset="0"/>
+              </a:rPr>
+              <a:t> </a:t>
+            </a:r>
+            <a:r>
+              <a:rPr lang="en-US" sz="2200" dirty="0" err="1">
+                <a:latin typeface="Source Sans Pro" panose="020B0604020202020204" charset="0"/>
+              </a:rPr>
+              <a:t>ini</a:t>
+            </a:r>
+            <a:r>
+              <a:rPr lang="en-US" sz="2200" dirty="0">
+                <a:latin typeface="Source Sans Pro" panose="020B0604020202020204" charset="0"/>
+              </a:rPr>
+              <a:t> </a:t>
+            </a:r>
+            <a:r>
+              <a:rPr lang="en-US" sz="2200" b="1" dirty="0" err="1">
+                <a:latin typeface="Source Sans Pro" panose="020B0604020202020204" charset="0"/>
+              </a:rPr>
+              <a:t>berhasil</a:t>
+            </a:r>
+            <a:r>
+              <a:rPr lang="en-US" sz="2200" b="1" dirty="0">
+                <a:latin typeface="Source Sans Pro" panose="020B0604020202020204" charset="0"/>
+              </a:rPr>
+              <a:t> </a:t>
+            </a:r>
+            <a:r>
+              <a:rPr lang="en-US" sz="2200" b="1" dirty="0" err="1">
+                <a:latin typeface="Source Sans Pro" panose="020B0604020202020204" charset="0"/>
+              </a:rPr>
+              <a:t>membangun</a:t>
+            </a:r>
+            <a:r>
+              <a:rPr lang="en-US" sz="2200" b="1" dirty="0">
+                <a:latin typeface="Source Sans Pro" panose="020B0604020202020204" charset="0"/>
+              </a:rPr>
+              <a:t> </a:t>
+            </a:r>
+            <a:r>
+              <a:rPr lang="en-US" sz="2200" b="1" dirty="0" err="1">
+                <a:latin typeface="Source Sans Pro" panose="020B0604020202020204" charset="0"/>
+              </a:rPr>
+              <a:t>sebuah</a:t>
+            </a:r>
+            <a:r>
+              <a:rPr lang="en-US" sz="2200" b="1" dirty="0">
+                <a:latin typeface="Source Sans Pro" panose="020B0604020202020204" charset="0"/>
+              </a:rPr>
+              <a:t> </a:t>
+            </a:r>
+            <a:r>
+              <a:rPr lang="en-US" sz="2200" b="1" dirty="0" err="1">
+                <a:latin typeface="Source Sans Pro" panose="020B0604020202020204" charset="0"/>
+              </a:rPr>
+              <a:t>aplikasi</a:t>
+            </a:r>
+            <a:r>
+              <a:rPr lang="en-US" sz="2200" b="1" dirty="0">
+                <a:latin typeface="Source Sans Pro" panose="020B0604020202020204" charset="0"/>
+              </a:rPr>
+              <a:t> </a:t>
+            </a:r>
+            <a:r>
+              <a:rPr lang="en-US" sz="2200" dirty="0">
+                <a:latin typeface="Source Sans Pro" panose="020B0604020202020204" charset="0"/>
+              </a:rPr>
+              <a:t>yang </a:t>
+            </a:r>
+            <a:r>
+              <a:rPr lang="en-US" sz="2200" dirty="0" err="1">
+                <a:latin typeface="Source Sans Pro" panose="020B0604020202020204" charset="0"/>
+              </a:rPr>
+              <a:t>dapat</a:t>
+            </a:r>
+            <a:r>
+              <a:rPr lang="en-US" sz="2200" dirty="0">
+                <a:latin typeface="Source Sans Pro" panose="020B0604020202020204" charset="0"/>
+              </a:rPr>
+              <a:t> </a:t>
+            </a:r>
+            <a:r>
+              <a:rPr lang="en-US" sz="2200" dirty="0" err="1">
+                <a:latin typeface="Source Sans Pro" panose="020B0604020202020204" charset="0"/>
+              </a:rPr>
+              <a:t>digunakan</a:t>
+            </a:r>
+            <a:r>
+              <a:rPr lang="en-US" sz="2200" dirty="0">
+                <a:latin typeface="Source Sans Pro" panose="020B0604020202020204" charset="0"/>
+              </a:rPr>
+              <a:t> </a:t>
+            </a:r>
+            <a:r>
+              <a:rPr lang="en-US" sz="2200" dirty="0" err="1">
+                <a:latin typeface="Source Sans Pro" panose="020B0604020202020204" charset="0"/>
+              </a:rPr>
+              <a:t>untuk</a:t>
+            </a:r>
+            <a:r>
+              <a:rPr lang="en-US" sz="2200" dirty="0">
+                <a:latin typeface="Source Sans Pro" panose="020B0604020202020204" charset="0"/>
+              </a:rPr>
+              <a:t> </a:t>
+            </a:r>
+            <a:r>
+              <a:rPr lang="en-US" sz="2200" dirty="0" err="1">
+                <a:latin typeface="Source Sans Pro" panose="020B0604020202020204" charset="0"/>
+              </a:rPr>
+              <a:t>melakukan</a:t>
+            </a:r>
+            <a:r>
+              <a:rPr lang="en-US" sz="2200" dirty="0">
+                <a:latin typeface="Source Sans Pro" panose="020B0604020202020204" charset="0"/>
+              </a:rPr>
+              <a:t> </a:t>
+            </a:r>
+            <a:r>
+              <a:rPr lang="en-US" sz="2200" dirty="0" err="1">
+                <a:latin typeface="Source Sans Pro" panose="020B0604020202020204" charset="0"/>
+              </a:rPr>
+              <a:t>instrumentasi</a:t>
+            </a:r>
+            <a:r>
+              <a:rPr lang="en-US" sz="2200" dirty="0">
+                <a:latin typeface="Source Sans Pro" panose="020B0604020202020204" charset="0"/>
+              </a:rPr>
+              <a:t> </a:t>
+            </a:r>
+            <a:r>
+              <a:rPr lang="en-US" sz="2200" dirty="0" err="1">
+                <a:latin typeface="Source Sans Pro" panose="020B0604020202020204" charset="0"/>
+              </a:rPr>
+              <a:t>secara</a:t>
+            </a:r>
+            <a:r>
+              <a:rPr lang="en-US" sz="2200" dirty="0">
+                <a:latin typeface="Source Sans Pro" panose="020B0604020202020204" charset="0"/>
+              </a:rPr>
+              <a:t> </a:t>
+            </a:r>
+            <a:r>
+              <a:rPr lang="en-US" sz="2200" dirty="0" err="1">
+                <a:latin typeface="Source Sans Pro" panose="020B0604020202020204" charset="0"/>
+              </a:rPr>
+              <a:t>otomatis</a:t>
+            </a:r>
+            <a:r>
+              <a:rPr lang="en-US" sz="2200" dirty="0">
+                <a:latin typeface="Source Sans Pro" panose="020B0604020202020204" charset="0"/>
+              </a:rPr>
+              <a:t>, </a:t>
+            </a:r>
+            <a:r>
+              <a:rPr lang="en-US" sz="2200" dirty="0" err="1">
+                <a:latin typeface="Source Sans Pro" panose="020B0604020202020204" charset="0"/>
+              </a:rPr>
+              <a:t>membangkitkan</a:t>
+            </a:r>
+            <a:r>
+              <a:rPr lang="en-US" sz="2200" dirty="0">
+                <a:latin typeface="Source Sans Pro" panose="020B0604020202020204" charset="0"/>
+              </a:rPr>
+              <a:t> CFG, </a:t>
+            </a:r>
+            <a:r>
+              <a:rPr lang="en-US" sz="2200" dirty="0" err="1">
+                <a:latin typeface="Source Sans Pro" panose="020B0604020202020204" charset="0"/>
+              </a:rPr>
+              <a:t>menghitung</a:t>
+            </a:r>
+            <a:r>
+              <a:rPr lang="en-US" sz="2200" dirty="0">
+                <a:latin typeface="Source Sans Pro" panose="020B0604020202020204" charset="0"/>
+              </a:rPr>
+              <a:t> </a:t>
+            </a:r>
+            <a:r>
+              <a:rPr lang="en-US" sz="2200" dirty="0" err="1">
+                <a:latin typeface="Source Sans Pro" panose="020B0604020202020204" charset="0"/>
+              </a:rPr>
+              <a:t>cyclomatic</a:t>
+            </a:r>
+            <a:r>
+              <a:rPr lang="en-US" sz="2200" dirty="0">
+                <a:latin typeface="Source Sans Pro" panose="020B0604020202020204" charset="0"/>
+              </a:rPr>
+              <a:t> complexity, </a:t>
+            </a:r>
+            <a:r>
+              <a:rPr lang="en-US" sz="2200" dirty="0" err="1">
+                <a:latin typeface="Source Sans Pro" panose="020B0604020202020204" charset="0"/>
+              </a:rPr>
+              <a:t>dan</a:t>
+            </a:r>
+            <a:r>
+              <a:rPr lang="en-US" sz="2200" dirty="0">
+                <a:latin typeface="Source Sans Pro" panose="020B0604020202020204" charset="0"/>
+              </a:rPr>
+              <a:t> </a:t>
+            </a:r>
+            <a:r>
+              <a:rPr lang="en-US" sz="2200" dirty="0" err="1">
+                <a:latin typeface="Source Sans Pro" panose="020B0604020202020204" charset="0"/>
+              </a:rPr>
+              <a:t>membangkitkan</a:t>
+            </a:r>
+            <a:r>
+              <a:rPr lang="en-US" sz="2200" dirty="0">
+                <a:latin typeface="Source Sans Pro" panose="020B0604020202020204" charset="0"/>
+              </a:rPr>
+              <a:t> </a:t>
+            </a:r>
+            <a:r>
+              <a:rPr lang="en-US" sz="2200" dirty="0" err="1">
+                <a:latin typeface="Source Sans Pro" panose="020B0604020202020204" charset="0"/>
+              </a:rPr>
+              <a:t>segala</a:t>
+            </a:r>
+            <a:r>
+              <a:rPr lang="en-US" sz="2200" dirty="0">
+                <a:latin typeface="Source Sans Pro" panose="020B0604020202020204" charset="0"/>
+              </a:rPr>
+              <a:t> </a:t>
+            </a:r>
+            <a:r>
+              <a:rPr lang="en-US" sz="2200" dirty="0" err="1">
+                <a:latin typeface="Source Sans Pro" panose="020B0604020202020204" charset="0"/>
+              </a:rPr>
+              <a:t>kemungkinan</a:t>
+            </a:r>
+            <a:r>
+              <a:rPr lang="en-US" sz="2200" dirty="0">
+                <a:latin typeface="Source Sans Pro" panose="020B0604020202020204" charset="0"/>
+              </a:rPr>
+              <a:t> </a:t>
+            </a:r>
+            <a:r>
+              <a:rPr lang="en-US" sz="2200" dirty="0" err="1">
+                <a:latin typeface="Source Sans Pro" panose="020B0604020202020204" charset="0"/>
+              </a:rPr>
+              <a:t>jalur</a:t>
+            </a:r>
+            <a:r>
+              <a:rPr lang="en-US" sz="2200" dirty="0">
+                <a:latin typeface="Source Sans Pro" panose="020B0604020202020204" charset="0"/>
+              </a:rPr>
+              <a:t> yang </a:t>
+            </a:r>
+            <a:r>
+              <a:rPr lang="en-US" sz="2200" dirty="0" err="1">
+                <a:latin typeface="Source Sans Pro" panose="020B0604020202020204" charset="0"/>
+              </a:rPr>
+              <a:t>dapat</a:t>
+            </a:r>
+            <a:r>
+              <a:rPr lang="en-US" sz="2200" dirty="0">
+                <a:latin typeface="Source Sans Pro" panose="020B0604020202020204" charset="0"/>
+              </a:rPr>
+              <a:t> </a:t>
+            </a:r>
+            <a:r>
+              <a:rPr lang="en-US" sz="2200" dirty="0" err="1">
+                <a:latin typeface="Source Sans Pro" panose="020B0604020202020204" charset="0"/>
+              </a:rPr>
+              <a:t>dilewati</a:t>
+            </a:r>
+            <a:r>
+              <a:rPr lang="en-US" sz="2200" dirty="0">
+                <a:latin typeface="Source Sans Pro" panose="020B0604020202020204" charset="0"/>
+              </a:rPr>
+              <a:t> </a:t>
+            </a:r>
+            <a:r>
+              <a:rPr lang="en-US" sz="2200" dirty="0" err="1">
+                <a:latin typeface="Source Sans Pro" panose="020B0604020202020204" charset="0"/>
+              </a:rPr>
+              <a:t>dari</a:t>
+            </a:r>
+            <a:r>
+              <a:rPr lang="en-US" sz="2200" dirty="0">
+                <a:latin typeface="Source Sans Pro" panose="020B0604020202020204" charset="0"/>
+              </a:rPr>
+              <a:t> </a:t>
+            </a:r>
+            <a:r>
+              <a:rPr lang="en-US" sz="2200" dirty="0" err="1">
+                <a:latin typeface="Source Sans Pro" panose="020B0604020202020204" charset="0"/>
+              </a:rPr>
+              <a:t>kode</a:t>
+            </a:r>
+            <a:r>
+              <a:rPr lang="en-US" sz="2200" dirty="0">
+                <a:latin typeface="Source Sans Pro" panose="020B0604020202020204" charset="0"/>
+              </a:rPr>
+              <a:t> program </a:t>
+            </a:r>
+            <a:r>
+              <a:rPr lang="en-US" sz="2200" dirty="0" err="1">
+                <a:latin typeface="Source Sans Pro" panose="020B0604020202020204" charset="0"/>
+              </a:rPr>
+              <a:t>matlab</a:t>
+            </a:r>
+            <a:r>
+              <a:rPr lang="en-US" sz="2200" dirty="0">
+                <a:latin typeface="Source Sans Pro" panose="020B0604020202020204" charset="0"/>
+              </a:rPr>
+              <a:t>. </a:t>
+            </a:r>
+            <a:endParaRPr lang="en-US" sz="2200" dirty="0" smtClean="0">
+              <a:latin typeface="Source Sans Pro" panose="020B0604020202020204" charset="0"/>
+            </a:endParaRPr>
+          </a:p>
+          <a:p>
+            <a:endParaRPr lang="en-US" sz="2200" dirty="0">
+              <a:latin typeface="Source Sans Pro" panose="020B0604020202020204" charset="0"/>
+            </a:endParaRPr>
+          </a:p>
+          <a:p>
+            <a:r>
+              <a:rPr lang="en-US" sz="2200" dirty="0" err="1">
+                <a:latin typeface="Source Sans Pro" panose="020B0604020202020204" charset="0"/>
+              </a:rPr>
+              <a:t>Hasil</a:t>
+            </a:r>
+            <a:r>
+              <a:rPr lang="en-US" sz="2200" dirty="0">
+                <a:latin typeface="Source Sans Pro" panose="020B0604020202020204" charset="0"/>
+              </a:rPr>
+              <a:t> </a:t>
+            </a:r>
+            <a:r>
+              <a:rPr lang="en-US" sz="2200" dirty="0" err="1">
+                <a:latin typeface="Source Sans Pro" panose="020B0604020202020204" charset="0"/>
+              </a:rPr>
+              <a:t>penelitian</a:t>
+            </a:r>
+            <a:r>
+              <a:rPr lang="en-US" sz="2200" dirty="0">
+                <a:latin typeface="Source Sans Pro" panose="020B0604020202020204" charset="0"/>
+              </a:rPr>
+              <a:t> </a:t>
+            </a:r>
+            <a:r>
+              <a:rPr lang="en-US" sz="2200" dirty="0" err="1">
+                <a:latin typeface="Source Sans Pro" panose="020B0604020202020204" charset="0"/>
+              </a:rPr>
+              <a:t>menunjukkan</a:t>
+            </a:r>
+            <a:r>
+              <a:rPr lang="en-US" sz="2200" dirty="0">
+                <a:latin typeface="Source Sans Pro" panose="020B0604020202020204" charset="0"/>
+              </a:rPr>
+              <a:t> </a:t>
+            </a:r>
+            <a:r>
+              <a:rPr lang="en-US" sz="2200" b="1" dirty="0" err="1">
+                <a:latin typeface="Source Sans Pro" panose="020B0604020202020204" charset="0"/>
+              </a:rPr>
+              <a:t>bahwa</a:t>
+            </a:r>
+            <a:r>
+              <a:rPr lang="en-US" sz="2200" b="1" dirty="0">
+                <a:latin typeface="Source Sans Pro" panose="020B0604020202020204" charset="0"/>
+              </a:rPr>
+              <a:t> </a:t>
+            </a:r>
+            <a:r>
+              <a:rPr lang="en-US" sz="2200" b="1" dirty="0" err="1">
+                <a:latin typeface="Source Sans Pro" panose="020B0604020202020204" charset="0"/>
+              </a:rPr>
+              <a:t>kecepatan</a:t>
+            </a:r>
+            <a:r>
+              <a:rPr lang="en-US" sz="2200" b="1" dirty="0">
+                <a:latin typeface="Source Sans Pro" panose="020B0604020202020204" charset="0"/>
+              </a:rPr>
+              <a:t> </a:t>
+            </a:r>
+            <a:r>
+              <a:rPr lang="en-US" sz="2200" b="1" dirty="0" err="1">
+                <a:latin typeface="Source Sans Pro" panose="020B0604020202020204" charset="0"/>
+              </a:rPr>
+              <a:t>eksekusi</a:t>
+            </a:r>
+            <a:r>
+              <a:rPr lang="en-US" sz="2200" b="1" dirty="0">
+                <a:latin typeface="Source Sans Pro" panose="020B0604020202020204" charset="0"/>
+              </a:rPr>
+              <a:t> </a:t>
+            </a:r>
+            <a:r>
+              <a:rPr lang="en-US" sz="2200" b="1" dirty="0" err="1">
+                <a:latin typeface="Source Sans Pro" panose="020B0604020202020204" charset="0"/>
+              </a:rPr>
+              <a:t>jauh</a:t>
+            </a:r>
+            <a:r>
+              <a:rPr lang="en-US" sz="2200" b="1" dirty="0">
+                <a:latin typeface="Source Sans Pro" panose="020B0604020202020204" charset="0"/>
+              </a:rPr>
+              <a:t> </a:t>
+            </a:r>
+            <a:r>
+              <a:rPr lang="en-US" sz="2200" b="1" dirty="0" err="1">
+                <a:latin typeface="Source Sans Pro" panose="020B0604020202020204" charset="0"/>
+              </a:rPr>
+              <a:t>lebih</a:t>
+            </a:r>
+            <a:r>
+              <a:rPr lang="en-US" sz="2200" b="1" dirty="0">
+                <a:latin typeface="Source Sans Pro" panose="020B0604020202020204" charset="0"/>
+              </a:rPr>
+              <a:t> </a:t>
+            </a:r>
+            <a:r>
+              <a:rPr lang="en-US" sz="2200" b="1" dirty="0" err="1">
+                <a:latin typeface="Source Sans Pro" panose="020B0604020202020204" charset="0"/>
+              </a:rPr>
+              <a:t>cepat</a:t>
+            </a:r>
+            <a:r>
+              <a:rPr lang="en-US" sz="2200" b="1" dirty="0">
+                <a:latin typeface="Source Sans Pro" panose="020B0604020202020204" charset="0"/>
+              </a:rPr>
+              <a:t> </a:t>
+            </a:r>
+            <a:r>
+              <a:rPr lang="en-US" sz="2200" b="1" dirty="0" err="1">
+                <a:latin typeface="Source Sans Pro" panose="020B0604020202020204" charset="0"/>
+              </a:rPr>
+              <a:t>dibandingkan</a:t>
+            </a:r>
+            <a:r>
+              <a:rPr lang="en-US" sz="2200" b="1" dirty="0">
+                <a:latin typeface="Source Sans Pro" panose="020B0604020202020204" charset="0"/>
+              </a:rPr>
+              <a:t> </a:t>
+            </a:r>
+            <a:r>
+              <a:rPr lang="en-US" sz="2200" b="1" dirty="0" err="1">
+                <a:latin typeface="Source Sans Pro" panose="020B0604020202020204" charset="0"/>
+              </a:rPr>
+              <a:t>dilakukan</a:t>
+            </a:r>
+            <a:r>
+              <a:rPr lang="en-US" sz="2200" b="1" dirty="0">
+                <a:latin typeface="Source Sans Pro" panose="020B0604020202020204" charset="0"/>
+              </a:rPr>
+              <a:t> </a:t>
+            </a:r>
+            <a:r>
+              <a:rPr lang="en-US" sz="2200" b="1" dirty="0" err="1">
+                <a:latin typeface="Source Sans Pro" panose="020B0604020202020204" charset="0"/>
+              </a:rPr>
+              <a:t>secara</a:t>
+            </a:r>
+            <a:r>
+              <a:rPr lang="en-US" sz="2200" b="1" dirty="0">
+                <a:latin typeface="Source Sans Pro" panose="020B0604020202020204" charset="0"/>
+              </a:rPr>
+              <a:t> manual </a:t>
+            </a:r>
+            <a:r>
+              <a:rPr lang="en-US" sz="2200" dirty="0" err="1">
+                <a:latin typeface="Source Sans Pro" panose="020B0604020202020204" charset="0"/>
+              </a:rPr>
+              <a:t>sehingga</a:t>
+            </a:r>
+            <a:r>
+              <a:rPr lang="en-US" sz="2200" dirty="0">
+                <a:latin typeface="Source Sans Pro" panose="020B0604020202020204" charset="0"/>
+              </a:rPr>
+              <a:t> </a:t>
+            </a:r>
+            <a:r>
+              <a:rPr lang="en-US" sz="2200" dirty="0" err="1">
+                <a:latin typeface="Source Sans Pro" panose="020B0604020202020204" charset="0"/>
+              </a:rPr>
+              <a:t>dapat</a:t>
+            </a:r>
+            <a:r>
+              <a:rPr lang="en-US" sz="2200" dirty="0">
+                <a:latin typeface="Source Sans Pro" panose="020B0604020202020204" charset="0"/>
+              </a:rPr>
+              <a:t> </a:t>
+            </a:r>
+            <a:r>
+              <a:rPr lang="en-US" sz="2200" b="1" dirty="0" err="1">
+                <a:latin typeface="Source Sans Pro" panose="020B0604020202020204" charset="0"/>
+              </a:rPr>
+              <a:t>menghemat</a:t>
+            </a:r>
+            <a:r>
+              <a:rPr lang="en-US" sz="2200" b="1" dirty="0">
+                <a:latin typeface="Source Sans Pro" panose="020B0604020202020204" charset="0"/>
+              </a:rPr>
+              <a:t> </a:t>
+            </a:r>
+            <a:r>
+              <a:rPr lang="en-US" sz="2200" b="1" dirty="0" err="1">
+                <a:latin typeface="Source Sans Pro" panose="020B0604020202020204" charset="0"/>
+              </a:rPr>
+              <a:t>sumber</a:t>
+            </a:r>
+            <a:r>
+              <a:rPr lang="en-US" sz="2200" b="1" dirty="0">
+                <a:latin typeface="Source Sans Pro" panose="020B0604020202020204" charset="0"/>
+              </a:rPr>
+              <a:t> </a:t>
+            </a:r>
+            <a:r>
+              <a:rPr lang="en-US" sz="2200" b="1" dirty="0" err="1">
+                <a:latin typeface="Source Sans Pro" panose="020B0604020202020204" charset="0"/>
+              </a:rPr>
+              <a:t>daya</a:t>
+            </a:r>
+            <a:r>
+              <a:rPr lang="en-US" sz="2200" b="1" dirty="0">
+                <a:latin typeface="Source Sans Pro" panose="020B0604020202020204" charset="0"/>
+              </a:rPr>
+              <a:t> </a:t>
+            </a:r>
+            <a:r>
+              <a:rPr lang="en-US" sz="2200" dirty="0" err="1">
+                <a:latin typeface="Source Sans Pro" panose="020B0604020202020204" charset="0"/>
+              </a:rPr>
+              <a:t>dalam</a:t>
+            </a:r>
+            <a:r>
+              <a:rPr lang="en-US" sz="2200" dirty="0">
+                <a:latin typeface="Source Sans Pro" panose="020B0604020202020204" charset="0"/>
+              </a:rPr>
+              <a:t> </a:t>
+            </a:r>
+            <a:r>
+              <a:rPr lang="en-US" sz="2200" dirty="0" err="1">
+                <a:latin typeface="Source Sans Pro" panose="020B0604020202020204" charset="0"/>
+              </a:rPr>
+              <a:t>melakukan</a:t>
+            </a:r>
+            <a:r>
+              <a:rPr lang="en-US" sz="2200" dirty="0">
+                <a:latin typeface="Source Sans Pro" panose="020B0604020202020204" charset="0"/>
+              </a:rPr>
+              <a:t> </a:t>
+            </a:r>
+            <a:r>
+              <a:rPr lang="en-US" sz="2200" dirty="0" err="1">
+                <a:latin typeface="Source Sans Pro" panose="020B0604020202020204" charset="0"/>
+              </a:rPr>
+              <a:t>pengujian</a:t>
+            </a:r>
+            <a:r>
+              <a:rPr lang="en-US" sz="2200" dirty="0">
+                <a:latin typeface="Source Sans Pro" panose="020B0604020202020204" charset="0"/>
+              </a:rPr>
+              <a:t> </a:t>
+            </a:r>
+            <a:r>
+              <a:rPr lang="en-US" sz="2200" dirty="0" err="1">
+                <a:latin typeface="Source Sans Pro" panose="020B0604020202020204" charset="0"/>
+              </a:rPr>
+              <a:t>perangkat</a:t>
+            </a:r>
+            <a:r>
+              <a:rPr lang="en-US" sz="2200" dirty="0">
+                <a:latin typeface="Source Sans Pro" panose="020B0604020202020204" charset="0"/>
+              </a:rPr>
+              <a:t> </a:t>
+            </a:r>
+            <a:r>
+              <a:rPr lang="en-US" sz="2200" dirty="0" err="1">
+                <a:latin typeface="Source Sans Pro" panose="020B0604020202020204" charset="0"/>
+              </a:rPr>
+              <a:t>lunak</a:t>
+            </a:r>
+            <a:r>
+              <a:rPr lang="en-US" sz="2200" dirty="0">
+                <a:latin typeface="Source Sans Pro" panose="020B0604020202020204" charset="0"/>
+              </a:rPr>
+              <a:t>.</a:t>
+            </a:r>
+          </a:p>
+          <a:p>
+            <a:endParaRPr lang="en-US" sz="2200" dirty="0">
+              <a:latin typeface="Source Sans Pro" panose="020B0604020202020204" charset="0"/>
+            </a:endParaRPr>
+          </a:p>
+        </p:txBody>
+      </p:sp>
+    </p:spTree>
+    <p:extLst>
+      <p:ext uri="{BB962C8B-B14F-4D97-AF65-F5344CB8AC3E}">
+        <p14:creationId xmlns:p14="http://schemas.microsoft.com/office/powerpoint/2010/main" val="455122135"/>
+      </p:ext>
+    </p:extLst>
+  </p:cSld>
+  <p:clrMapOvr>
+    <a:masterClrMapping/>
+  </p:clrMapOvr>
+  <p:timing>
+    <p:tnLst>
+      <p:par>
+        <p:cTn id="1" dur="indefinite" restart="never" nodeType="tmRoot"/>
+      </p:par>
+    </p:tnLst>
+  </p:timing>
+</p:sld>
+</file>
+
 <file path=ppt/slides/slide29.xml><?xml version="1.0" encoding="utf-8"?>
 <p:sld xmlns:a="http://schemas.openxmlformats.org/drawingml/2006/main" xmlns:r="http://schemas.openxmlformats.org/officeDocument/2006/relationships" xmlns:p="http://schemas.openxmlformats.org/presentationml/2006/main">
   <p:cSld>
@@ -33401,7 +31962,7 @@
             </a:br>
             <a:r>
               <a:rPr lang="en-US" dirty="0" err="1" smtClean="0"/>
-              <a:t>Kesimpulan</a:t>
+              <a:t>Saran</a:t>
             </a:r>
             <a:endParaRPr lang="en-US" dirty="0"/>
           </a:p>
@@ -33449,7 +32010,7 @@
         <p:spPr>
           <a:xfrm>
             <a:off x="844425" y="1357087"/>
-            <a:ext cx="8002032" cy="3560353"/>
+            <a:ext cx="8002032" cy="1254033"/>
           </a:xfrm>
         </p:spPr>
         <p:txBody>
@@ -33457,609 +32018,318 @@
           <a:lstStyle/>
           <a:p>
             <a:r>
-              <a:rPr lang="en-US" sz="2200" dirty="0" err="1">
-                <a:latin typeface="Source Sans Pro" panose="020B0604020202020204" charset="0"/>
-              </a:rPr>
+              <a:rPr lang="en-US" dirty="0" err="1"/>
               <a:t>Penelitian</a:t>
             </a:r>
             <a:r>
-              <a:rPr lang="en-US" sz="2200" dirty="0">
-                <a:latin typeface="Source Sans Pro" panose="020B0604020202020204" charset="0"/>
-              </a:rPr>
+              <a:rPr lang="en-US" dirty="0"/>
               <a:t> </a:t>
             </a:r>
             <a:r>
-              <a:rPr lang="en-US" sz="2200" dirty="0" err="1">
-                <a:latin typeface="Source Sans Pro" panose="020B0604020202020204" charset="0"/>
-              </a:rPr>
-              <a:t>ini</a:t>
-            </a:r>
-            <a:r>
-              <a:rPr lang="en-US" sz="2200" dirty="0">
-                <a:latin typeface="Source Sans Pro" panose="020B0604020202020204" charset="0"/>
-              </a:rPr>
+              <a:rPr lang="en-US" dirty="0" err="1"/>
+              <a:t>selanjutnya</a:t>
+            </a:r>
+            <a:r>
+              <a:rPr lang="en-US" dirty="0"/>
               <a:t> </a:t>
             </a:r>
             <a:r>
-              <a:rPr lang="en-US" sz="2200" b="1" dirty="0" err="1">
-                <a:latin typeface="Source Sans Pro" panose="020B0604020202020204" charset="0"/>
-              </a:rPr>
-              <a:t>berhasil</a:t>
-            </a:r>
-            <a:r>
-              <a:rPr lang="en-US" sz="2200" b="1" dirty="0">
-                <a:latin typeface="Source Sans Pro" panose="020B0604020202020204" charset="0"/>
-              </a:rPr>
+              <a:rPr lang="en-US" dirty="0" err="1"/>
+              <a:t>diharapkan</a:t>
+            </a:r>
+            <a:r>
+              <a:rPr lang="en-US" dirty="0"/>
               <a:t> </a:t>
             </a:r>
             <a:r>
-              <a:rPr lang="en-US" sz="2200" b="1" dirty="0" err="1">
-                <a:latin typeface="Source Sans Pro" panose="020B0604020202020204" charset="0"/>
-              </a:rPr>
-              <a:t>membangun</a:t>
-            </a:r>
-            <a:r>
-              <a:rPr lang="en-US" sz="2200" b="1" dirty="0">
-                <a:latin typeface="Source Sans Pro" panose="020B0604020202020204" charset="0"/>
-              </a:rPr>
+              <a:rPr lang="en-US" dirty="0" err="1"/>
+              <a:t>dapat</a:t>
+            </a:r>
+            <a:r>
+              <a:rPr lang="en-US" dirty="0"/>
               <a:t> </a:t>
             </a:r>
             <a:r>
-              <a:rPr lang="en-US" sz="2200" b="1" dirty="0" err="1">
-                <a:latin typeface="Source Sans Pro" panose="020B0604020202020204" charset="0"/>
-              </a:rPr>
-              <a:t>sebuah</a:t>
-            </a:r>
-            <a:r>
-              <a:rPr lang="en-US" sz="2200" b="1" dirty="0">
-                <a:latin typeface="Source Sans Pro" panose="020B0604020202020204" charset="0"/>
-              </a:rPr>
+              <a:rPr lang="en-US" dirty="0" err="1"/>
+              <a:t>mengakomodir</a:t>
+            </a:r>
+            <a:r>
+              <a:rPr lang="en-US" dirty="0"/>
               <a:t> </a:t>
             </a:r>
             <a:r>
-              <a:rPr lang="en-US" sz="2200" b="1" dirty="0" err="1">
-                <a:latin typeface="Source Sans Pro" panose="020B0604020202020204" charset="0"/>
-              </a:rPr>
-              <a:t>aplikasi</a:t>
-            </a:r>
-            <a:r>
-              <a:rPr lang="en-US" sz="2200" b="1" dirty="0">
-                <a:latin typeface="Source Sans Pro" panose="020B0604020202020204" charset="0"/>
-              </a:rPr>
+              <a:rPr lang="en-US" dirty="0" err="1"/>
+              <a:t>bahasa</a:t>
+            </a:r>
+            <a:r>
+              <a:rPr lang="en-US" dirty="0"/>
+              <a:t> lain </a:t>
+            </a:r>
+            <a:r>
+              <a:rPr lang="en-US" dirty="0" err="1"/>
+              <a:t>selain</a:t>
+            </a:r>
+            <a:r>
+              <a:rPr lang="en-US" dirty="0"/>
               <a:t> </a:t>
             </a:r>
             <a:r>
-              <a:rPr lang="en-US" sz="2200" dirty="0">
-                <a:latin typeface="Source Sans Pro" panose="020B0604020202020204" charset="0"/>
-              </a:rPr>
-              <a:t>yang </a:t>
-            </a:r>
-            <a:r>
-              <a:rPr lang="en-US" sz="2200" dirty="0" err="1">
-                <a:latin typeface="Source Sans Pro" panose="020B0604020202020204" charset="0"/>
-              </a:rPr>
-              <a:t>dapat</a:t>
-            </a:r>
-            <a:r>
-              <a:rPr lang="en-US" sz="2200" dirty="0">
-                <a:latin typeface="Source Sans Pro" panose="020B0604020202020204" charset="0"/>
-              </a:rPr>
+              <a:rPr lang="en-US" dirty="0" err="1"/>
+              <a:t>bahasa</a:t>
+            </a:r>
+            <a:r>
+              <a:rPr lang="en-US" dirty="0"/>
               <a:t> </a:t>
             </a:r>
             <a:r>
-              <a:rPr lang="en-US" sz="2200" dirty="0" err="1">
-                <a:latin typeface="Source Sans Pro" panose="020B0604020202020204" charset="0"/>
-              </a:rPr>
-              <a:t>digunakan</a:t>
-            </a:r>
-            <a:r>
-              <a:rPr lang="en-US" sz="2200" dirty="0">
-                <a:latin typeface="Source Sans Pro" panose="020B0604020202020204" charset="0"/>
-              </a:rPr>
-              <a:t> </a:t>
-            </a:r>
-            <a:r>
-              <a:rPr lang="en-US" sz="2200" dirty="0" err="1">
-                <a:latin typeface="Source Sans Pro" panose="020B0604020202020204" charset="0"/>
-              </a:rPr>
-              <a:t>untuk</a:t>
-            </a:r>
-            <a:r>
-              <a:rPr lang="en-US" sz="2200" dirty="0">
-                <a:latin typeface="Source Sans Pro" panose="020B0604020202020204" charset="0"/>
-              </a:rPr>
-              <a:t> </a:t>
-            </a:r>
-            <a:r>
-              <a:rPr lang="en-US" sz="2200" dirty="0" err="1">
-                <a:latin typeface="Source Sans Pro" panose="020B0604020202020204" charset="0"/>
-              </a:rPr>
-              <a:t>melakukan</a:t>
-            </a:r>
-            <a:r>
-              <a:rPr lang="en-US" sz="2200" dirty="0">
-                <a:latin typeface="Source Sans Pro" panose="020B0604020202020204" charset="0"/>
-              </a:rPr>
-              <a:t> </a:t>
-            </a:r>
-            <a:r>
-              <a:rPr lang="en-US" sz="2200" dirty="0" err="1">
-                <a:latin typeface="Source Sans Pro" panose="020B0604020202020204" charset="0"/>
-              </a:rPr>
-              <a:t>instrumentasi</a:t>
-            </a:r>
-            <a:r>
-              <a:rPr lang="en-US" sz="2200" dirty="0">
-                <a:latin typeface="Source Sans Pro" panose="020B0604020202020204" charset="0"/>
-              </a:rPr>
-              <a:t> </a:t>
-            </a:r>
-            <a:r>
-              <a:rPr lang="en-US" sz="2200" dirty="0" err="1">
-                <a:latin typeface="Source Sans Pro" panose="020B0604020202020204" charset="0"/>
-              </a:rPr>
-              <a:t>secara</a:t>
-            </a:r>
-            <a:r>
-              <a:rPr lang="en-US" sz="2200" dirty="0">
-                <a:latin typeface="Source Sans Pro" panose="020B0604020202020204" charset="0"/>
-              </a:rPr>
-              <a:t> </a:t>
-            </a:r>
-            <a:r>
-              <a:rPr lang="en-US" sz="2200" dirty="0" err="1">
-                <a:latin typeface="Source Sans Pro" panose="020B0604020202020204" charset="0"/>
-              </a:rPr>
-              <a:t>otomatis</a:t>
-            </a:r>
-            <a:r>
-              <a:rPr lang="en-US" sz="2200" dirty="0">
-                <a:latin typeface="Source Sans Pro" panose="020B0604020202020204" charset="0"/>
-              </a:rPr>
-              <a:t>, </a:t>
-            </a:r>
-            <a:r>
-              <a:rPr lang="en-US" sz="2200" dirty="0" err="1">
-                <a:latin typeface="Source Sans Pro" panose="020B0604020202020204" charset="0"/>
-              </a:rPr>
-              <a:t>membangkitkan</a:t>
-            </a:r>
-            <a:r>
-              <a:rPr lang="en-US" sz="2200" dirty="0">
-                <a:latin typeface="Source Sans Pro" panose="020B0604020202020204" charset="0"/>
-              </a:rPr>
-              <a:t> CFG, </a:t>
-            </a:r>
-            <a:r>
-              <a:rPr lang="en-US" sz="2200" dirty="0" err="1">
-                <a:latin typeface="Source Sans Pro" panose="020B0604020202020204" charset="0"/>
-              </a:rPr>
-              <a:t>menghitung</a:t>
-            </a:r>
-            <a:r>
-              <a:rPr lang="en-US" sz="2200" dirty="0">
-                <a:latin typeface="Source Sans Pro" panose="020B0604020202020204" charset="0"/>
-              </a:rPr>
-              <a:t> </a:t>
-            </a:r>
-            <a:r>
-              <a:rPr lang="en-US" sz="2200" dirty="0" err="1">
-                <a:latin typeface="Source Sans Pro" panose="020B0604020202020204" charset="0"/>
-              </a:rPr>
-              <a:t>cyclomatic</a:t>
-            </a:r>
-            <a:r>
-              <a:rPr lang="en-US" sz="2200" dirty="0">
-                <a:latin typeface="Source Sans Pro" panose="020B0604020202020204" charset="0"/>
-              </a:rPr>
-              <a:t> complexity, </a:t>
-            </a:r>
-            <a:r>
-              <a:rPr lang="en-US" sz="2200" dirty="0" err="1">
-                <a:latin typeface="Source Sans Pro" panose="020B0604020202020204" charset="0"/>
-              </a:rPr>
-              <a:t>dan</a:t>
-            </a:r>
-            <a:r>
-              <a:rPr lang="en-US" sz="2200" dirty="0">
-                <a:latin typeface="Source Sans Pro" panose="020B0604020202020204" charset="0"/>
-              </a:rPr>
-              <a:t> </a:t>
-            </a:r>
-            <a:r>
-              <a:rPr lang="en-US" sz="2200" dirty="0" err="1">
-                <a:latin typeface="Source Sans Pro" panose="020B0604020202020204" charset="0"/>
-              </a:rPr>
-              <a:t>membangkitkan</a:t>
-            </a:r>
-            <a:r>
-              <a:rPr lang="en-US" sz="2200" dirty="0">
-                <a:latin typeface="Source Sans Pro" panose="020B0604020202020204" charset="0"/>
-              </a:rPr>
-              <a:t> </a:t>
-            </a:r>
-            <a:r>
-              <a:rPr lang="en-US" sz="2200" dirty="0" err="1">
-                <a:latin typeface="Source Sans Pro" panose="020B0604020202020204" charset="0"/>
-              </a:rPr>
-              <a:t>segala</a:t>
-            </a:r>
-            <a:r>
-              <a:rPr lang="en-US" sz="2200" dirty="0">
-                <a:latin typeface="Source Sans Pro" panose="020B0604020202020204" charset="0"/>
-              </a:rPr>
-              <a:t> </a:t>
-            </a:r>
-            <a:r>
-              <a:rPr lang="en-US" sz="2200" dirty="0" err="1">
-                <a:latin typeface="Source Sans Pro" panose="020B0604020202020204" charset="0"/>
-              </a:rPr>
-              <a:t>kemungkinan</a:t>
-            </a:r>
-            <a:r>
-              <a:rPr lang="en-US" sz="2200" dirty="0">
-                <a:latin typeface="Source Sans Pro" panose="020B0604020202020204" charset="0"/>
-              </a:rPr>
-              <a:t> </a:t>
-            </a:r>
-            <a:r>
-              <a:rPr lang="en-US" sz="2200" dirty="0" err="1">
-                <a:latin typeface="Source Sans Pro" panose="020B0604020202020204" charset="0"/>
-              </a:rPr>
-              <a:t>jalur</a:t>
-            </a:r>
-            <a:r>
-              <a:rPr lang="en-US" sz="2200" dirty="0">
-                <a:latin typeface="Source Sans Pro" panose="020B0604020202020204" charset="0"/>
-              </a:rPr>
-              <a:t> yang </a:t>
-            </a:r>
-            <a:r>
-              <a:rPr lang="en-US" sz="2200" dirty="0" err="1">
-                <a:latin typeface="Source Sans Pro" panose="020B0604020202020204" charset="0"/>
-              </a:rPr>
-              <a:t>dapat</a:t>
-            </a:r>
-            <a:r>
-              <a:rPr lang="en-US" sz="2200" dirty="0">
-                <a:latin typeface="Source Sans Pro" panose="020B0604020202020204" charset="0"/>
-              </a:rPr>
-              <a:t> </a:t>
-            </a:r>
-            <a:r>
-              <a:rPr lang="en-US" sz="2200" dirty="0" err="1">
-                <a:latin typeface="Source Sans Pro" panose="020B0604020202020204" charset="0"/>
-              </a:rPr>
-              <a:t>dilewati</a:t>
-            </a:r>
-            <a:r>
-              <a:rPr lang="en-US" sz="2200" dirty="0">
-                <a:latin typeface="Source Sans Pro" panose="020B0604020202020204" charset="0"/>
-              </a:rPr>
-              <a:t> </a:t>
-            </a:r>
-            <a:r>
-              <a:rPr lang="en-US" sz="2200" dirty="0" err="1">
-                <a:latin typeface="Source Sans Pro" panose="020B0604020202020204" charset="0"/>
-              </a:rPr>
-              <a:t>dari</a:t>
-            </a:r>
-            <a:r>
-              <a:rPr lang="en-US" sz="2200" dirty="0">
-                <a:latin typeface="Source Sans Pro" panose="020B0604020202020204" charset="0"/>
-              </a:rPr>
-              <a:t> </a:t>
-            </a:r>
-            <a:r>
-              <a:rPr lang="en-US" sz="2200" dirty="0" err="1">
-                <a:latin typeface="Source Sans Pro" panose="020B0604020202020204" charset="0"/>
-              </a:rPr>
-              <a:t>kode</a:t>
-            </a:r>
-            <a:r>
-              <a:rPr lang="en-US" sz="2200" dirty="0">
-                <a:latin typeface="Source Sans Pro" panose="020B0604020202020204" charset="0"/>
-              </a:rPr>
-              <a:t> program </a:t>
-            </a:r>
-            <a:r>
-              <a:rPr lang="en-US" sz="2200" dirty="0" err="1">
-                <a:latin typeface="Source Sans Pro" panose="020B0604020202020204" charset="0"/>
-              </a:rPr>
+              <a:rPr lang="en-US" dirty="0" err="1"/>
               <a:t>matlab</a:t>
             </a:r>
             <a:r>
-              <a:rPr lang="en-US" sz="2200" dirty="0">
-                <a:latin typeface="Source Sans Pro" panose="020B0604020202020204" charset="0"/>
-              </a:rPr>
+              <a:rPr lang="en-US" dirty="0"/>
               <a:t>. </a:t>
             </a:r>
-            <a:endParaRPr lang="en-US" sz="2200" dirty="0" smtClean="0">
-              <a:latin typeface="Source Sans Pro" panose="020B0604020202020204" charset="0"/>
-            </a:endParaRPr>
+            <a:endParaRPr lang="en-US" dirty="0" smtClean="0"/>
           </a:p>
           <a:p>
-            <a:endParaRPr lang="en-US" sz="2200" dirty="0">
-              <a:latin typeface="Source Sans Pro" panose="020B0604020202020204" charset="0"/>
-            </a:endParaRPr>
+            <a:endParaRPr lang="en-US" dirty="0" smtClean="0"/>
           </a:p>
           <a:p>
             <a:r>
-              <a:rPr lang="en-US" sz="2200" dirty="0" err="1">
-                <a:latin typeface="Source Sans Pro" panose="020B0604020202020204" charset="0"/>
-              </a:rPr>
-              <a:t>Hasil</a:t>
-            </a:r>
-            <a:r>
-              <a:rPr lang="en-US" sz="2200" dirty="0">
-                <a:latin typeface="Source Sans Pro" panose="020B0604020202020204" charset="0"/>
-              </a:rPr>
+              <a:rPr lang="en-US" dirty="0" err="1"/>
+              <a:t>I</a:t>
+            </a:r>
+            <a:r>
+              <a:rPr lang="en-US" dirty="0" err="1" smtClean="0"/>
+              <a:t>nstrumentasi</a:t>
+            </a:r>
+            <a:r>
+              <a:rPr lang="en-US" dirty="0" smtClean="0"/>
               <a:t> </a:t>
             </a:r>
             <a:r>
-              <a:rPr lang="en-US" sz="2200" dirty="0" err="1">
-                <a:latin typeface="Source Sans Pro" panose="020B0604020202020204" charset="0"/>
-              </a:rPr>
+              <a:rPr lang="en-US" dirty="0" err="1" smtClean="0"/>
+              <a:t>dapat</a:t>
+            </a:r>
+            <a:r>
+              <a:rPr lang="en-US" dirty="0" smtClean="0"/>
+              <a:t> </a:t>
+            </a:r>
+            <a:r>
+              <a:rPr lang="en-US" dirty="0" err="1"/>
+              <a:t>dilakukan</a:t>
+            </a:r>
+            <a:r>
+              <a:rPr lang="en-US" dirty="0"/>
+              <a:t> </a:t>
+            </a:r>
+            <a:r>
+              <a:rPr lang="en-US" dirty="0" err="1"/>
+              <a:t>dinamis</a:t>
+            </a:r>
+            <a:r>
+              <a:rPr lang="en-US" dirty="0"/>
+              <a:t> </a:t>
+            </a:r>
+            <a:r>
+              <a:rPr lang="en-US" dirty="0" err="1"/>
+              <a:t>sesuai</a:t>
+            </a:r>
+            <a:r>
+              <a:rPr lang="en-US" dirty="0"/>
+              <a:t> </a:t>
+            </a:r>
+            <a:r>
+              <a:rPr lang="en-US" dirty="0" err="1"/>
+              <a:t>dengan</a:t>
+            </a:r>
+            <a:r>
+              <a:rPr lang="en-US" dirty="0"/>
+              <a:t> </a:t>
+            </a:r>
+            <a:r>
+              <a:rPr lang="en-US" dirty="0" err="1"/>
+              <a:t>kondisi</a:t>
+            </a:r>
+            <a:r>
+              <a:rPr lang="en-US" dirty="0"/>
+              <a:t> yang </a:t>
+            </a:r>
+            <a:r>
+              <a:rPr lang="en-US" dirty="0" err="1"/>
+              <a:t>dibutuhkan</a:t>
+            </a:r>
+            <a:r>
+              <a:rPr lang="en-US" dirty="0"/>
+              <a:t>. </a:t>
+            </a:r>
+            <a:r>
+              <a:rPr lang="en-US" dirty="0" err="1"/>
+              <a:t>Seperti</a:t>
+            </a:r>
+            <a:r>
+              <a:rPr lang="en-US" dirty="0"/>
+              <a:t> yang </a:t>
+            </a:r>
+            <a:r>
+              <a:rPr lang="en-US" dirty="0" err="1"/>
+              <a:t>dilakukan</a:t>
+            </a:r>
+            <a:r>
+              <a:rPr lang="en-US" dirty="0"/>
+              <a:t> </a:t>
+            </a:r>
+            <a:r>
+              <a:rPr lang="en-US" dirty="0" err="1"/>
+              <a:t>oleh</a:t>
+            </a:r>
+            <a:r>
+              <a:rPr lang="en-US" dirty="0"/>
+              <a:t> </a:t>
+            </a:r>
+            <a:r>
+              <a:rPr lang="en-US" dirty="0" err="1"/>
+              <a:t>Hermadi</a:t>
+            </a:r>
+            <a:r>
+              <a:rPr lang="en-US" dirty="0"/>
+              <a:t>, </a:t>
+            </a:r>
+            <a:r>
+              <a:rPr lang="en-US" dirty="0" err="1"/>
+              <a:t>selain</a:t>
+            </a:r>
+            <a:r>
+              <a:rPr lang="en-US" dirty="0"/>
+              <a:t> </a:t>
+            </a:r>
+            <a:r>
+              <a:rPr lang="en-US" dirty="0" err="1"/>
+              <a:t>menyimpan</a:t>
+            </a:r>
+            <a:r>
+              <a:rPr lang="en-US" dirty="0"/>
+              <a:t> </a:t>
+            </a:r>
+            <a:r>
+              <a:rPr lang="en-US" dirty="0" err="1"/>
+              <a:t>informasi</a:t>
+            </a:r>
+            <a:r>
+              <a:rPr lang="en-US" dirty="0"/>
+              <a:t> </a:t>
+            </a:r>
+            <a:r>
+              <a:rPr lang="en-US" dirty="0" err="1"/>
+              <a:t>jalur</a:t>
+            </a:r>
+            <a:r>
+              <a:rPr lang="en-US" dirty="0"/>
+              <a:t> mana yang </a:t>
+            </a:r>
+            <a:r>
+              <a:rPr lang="en-US" dirty="0" err="1"/>
+              <a:t>dilewati</a:t>
+            </a:r>
+            <a:r>
+              <a:rPr lang="en-US" dirty="0"/>
+              <a:t>, </a:t>
+            </a:r>
+            <a:r>
+              <a:rPr lang="en-US" dirty="0" err="1"/>
+              <a:t>instrumentasi</a:t>
+            </a:r>
+            <a:r>
+              <a:rPr lang="en-US" dirty="0"/>
+              <a:t> yang </a:t>
+            </a:r>
+            <a:r>
+              <a:rPr lang="en-US" dirty="0" err="1"/>
+              <a:t>dilakukan</a:t>
+            </a:r>
+            <a:r>
+              <a:rPr lang="en-US" dirty="0"/>
+              <a:t> </a:t>
+            </a:r>
+            <a:r>
+              <a:rPr lang="en-US" dirty="0" err="1"/>
+              <a:t>pada</a:t>
+            </a:r>
+            <a:r>
+              <a:rPr lang="en-US" dirty="0"/>
+              <a:t>  </a:t>
+            </a:r>
+            <a:r>
+              <a:rPr lang="en-US" dirty="0" err="1"/>
               <a:t>penelitian</a:t>
             </a:r>
             <a:r>
-              <a:rPr lang="en-US" sz="2200" dirty="0">
-                <a:latin typeface="Source Sans Pro" panose="020B0604020202020204" charset="0"/>
-              </a:rPr>
+              <a:rPr lang="en-US" dirty="0"/>
               <a:t> </a:t>
             </a:r>
             <a:r>
-              <a:rPr lang="en-US" sz="2200" dirty="0" err="1">
-                <a:latin typeface="Source Sans Pro" panose="020B0604020202020204" charset="0"/>
-              </a:rPr>
-              <a:t>menunjukkan</a:t>
-            </a:r>
-            <a:r>
-              <a:rPr lang="en-US" sz="2200" dirty="0">
-                <a:latin typeface="Source Sans Pro" panose="020B0604020202020204" charset="0"/>
-              </a:rPr>
+              <a:rPr lang="en-US" dirty="0" err="1"/>
+              <a:t>tersebut</a:t>
+            </a:r>
+            <a:r>
+              <a:rPr lang="en-US" dirty="0"/>
+              <a:t> juga </a:t>
+            </a:r>
+            <a:r>
+              <a:rPr lang="en-US" dirty="0" err="1"/>
+              <a:t>menyisipkan</a:t>
+            </a:r>
+            <a:r>
+              <a:rPr lang="en-US" dirty="0"/>
               <a:t> </a:t>
             </a:r>
             <a:r>
-              <a:rPr lang="en-US" sz="2200" b="1" dirty="0" err="1">
-                <a:latin typeface="Source Sans Pro" panose="020B0604020202020204" charset="0"/>
-              </a:rPr>
-              <a:t>bahwa</a:t>
-            </a:r>
-            <a:r>
-              <a:rPr lang="en-US" sz="2200" b="1" dirty="0">
-                <a:latin typeface="Source Sans Pro" panose="020B0604020202020204" charset="0"/>
-              </a:rPr>
+              <a:rPr lang="en-US" dirty="0" err="1"/>
+              <a:t>kode</a:t>
+            </a:r>
+            <a:r>
+              <a:rPr lang="en-US" dirty="0"/>
+              <a:t> program </a:t>
+            </a:r>
+            <a:r>
+              <a:rPr lang="en-US" dirty="0" err="1"/>
+              <a:t>untuk</a:t>
+            </a:r>
+            <a:r>
+              <a:rPr lang="en-US" dirty="0"/>
               <a:t> </a:t>
             </a:r>
             <a:r>
-              <a:rPr lang="en-US" sz="2200" b="1" dirty="0" err="1">
-                <a:latin typeface="Source Sans Pro" panose="020B0604020202020204" charset="0"/>
-              </a:rPr>
-              <a:t>kecepatan</a:t>
-            </a:r>
-            <a:r>
-              <a:rPr lang="en-US" sz="2200" b="1" dirty="0">
-                <a:latin typeface="Source Sans Pro" panose="020B0604020202020204" charset="0"/>
-              </a:rPr>
+              <a:rPr lang="en-US" dirty="0" err="1"/>
+              <a:t>menghitung</a:t>
+            </a:r>
+            <a:r>
+              <a:rPr lang="en-US" dirty="0"/>
               <a:t> </a:t>
             </a:r>
             <a:r>
-              <a:rPr lang="en-US" sz="2200" b="1" dirty="0" err="1">
-                <a:latin typeface="Source Sans Pro" panose="020B0604020202020204" charset="0"/>
-              </a:rPr>
-              <a:t>eksekusi</a:t>
-            </a:r>
-            <a:r>
-              <a:rPr lang="en-US" sz="2200" b="1" dirty="0">
-                <a:latin typeface="Source Sans Pro" panose="020B0604020202020204" charset="0"/>
-              </a:rPr>
+              <a:rPr lang="en-US" dirty="0" err="1"/>
+              <a:t>nilai</a:t>
+            </a:r>
+            <a:r>
+              <a:rPr lang="en-US" dirty="0"/>
               <a:t> </a:t>
             </a:r>
             <a:r>
-              <a:rPr lang="en-US" sz="2200" b="1" dirty="0" err="1">
-                <a:latin typeface="Source Sans Pro" panose="020B0604020202020204" charset="0"/>
-              </a:rPr>
-              <a:t>jauh</a:t>
-            </a:r>
-            <a:r>
-              <a:rPr lang="en-US" sz="2200" b="1" dirty="0">
-                <a:latin typeface="Source Sans Pro" panose="020B0604020202020204" charset="0"/>
-              </a:rPr>
-              <a:t> </a:t>
-            </a:r>
-            <a:r>
-              <a:rPr lang="en-US" sz="2200" b="1" dirty="0" err="1">
-                <a:latin typeface="Source Sans Pro" panose="020B0604020202020204" charset="0"/>
-              </a:rPr>
-              <a:t>lebih</a:t>
-            </a:r>
-            <a:r>
-              <a:rPr lang="en-US" sz="2200" b="1" dirty="0">
-                <a:latin typeface="Source Sans Pro" panose="020B0604020202020204" charset="0"/>
-              </a:rPr>
-              <a:t> </a:t>
-            </a:r>
-            <a:r>
-              <a:rPr lang="en-US" sz="2200" b="1" dirty="0" err="1">
-                <a:latin typeface="Source Sans Pro" panose="020B0604020202020204" charset="0"/>
-              </a:rPr>
-              <a:t>cepat</a:t>
-            </a:r>
-            <a:r>
-              <a:rPr lang="en-US" sz="2200" b="1" dirty="0">
-                <a:latin typeface="Source Sans Pro" panose="020B0604020202020204" charset="0"/>
-              </a:rPr>
-              <a:t> </a:t>
-            </a:r>
-            <a:r>
-              <a:rPr lang="en-US" sz="2200" b="1" dirty="0" err="1">
-                <a:latin typeface="Source Sans Pro" panose="020B0604020202020204" charset="0"/>
-              </a:rPr>
-              <a:t>dibandingkan</a:t>
-            </a:r>
-            <a:r>
-              <a:rPr lang="en-US" sz="2200" b="1" dirty="0">
-                <a:latin typeface="Source Sans Pro" panose="020B0604020202020204" charset="0"/>
-              </a:rPr>
-              <a:t> </a:t>
-            </a:r>
-            <a:r>
-              <a:rPr lang="en-US" sz="2200" b="1" dirty="0" err="1">
-                <a:latin typeface="Source Sans Pro" panose="020B0604020202020204" charset="0"/>
-              </a:rPr>
-              <a:t>dilakukan</a:t>
-            </a:r>
-            <a:r>
-              <a:rPr lang="en-US" sz="2200" b="1" dirty="0">
-                <a:latin typeface="Source Sans Pro" panose="020B0604020202020204" charset="0"/>
-              </a:rPr>
-              <a:t> </a:t>
-            </a:r>
-            <a:r>
-              <a:rPr lang="en-US" sz="2200" b="1" dirty="0" err="1">
-                <a:latin typeface="Source Sans Pro" panose="020B0604020202020204" charset="0"/>
-              </a:rPr>
-              <a:t>secara</a:t>
-            </a:r>
-            <a:r>
-              <a:rPr lang="en-US" sz="2200" b="1" dirty="0">
-                <a:latin typeface="Source Sans Pro" panose="020B0604020202020204" charset="0"/>
-              </a:rPr>
-              <a:t> manual </a:t>
-            </a:r>
-            <a:r>
-              <a:rPr lang="en-US" sz="2200" dirty="0" err="1">
-                <a:latin typeface="Source Sans Pro" panose="020B0604020202020204" charset="0"/>
-              </a:rPr>
-              <a:t>sehingga</a:t>
-            </a:r>
-            <a:r>
-              <a:rPr lang="en-US" sz="2200" dirty="0">
-                <a:latin typeface="Source Sans Pro" panose="020B0604020202020204" charset="0"/>
-              </a:rPr>
-              <a:t> </a:t>
-            </a:r>
-            <a:r>
-              <a:rPr lang="en-US" sz="2200" dirty="0" err="1">
-                <a:latin typeface="Source Sans Pro" panose="020B0604020202020204" charset="0"/>
-              </a:rPr>
-              <a:t>dapat</a:t>
-            </a:r>
-            <a:r>
-              <a:rPr lang="en-US" sz="2200" dirty="0">
-                <a:latin typeface="Source Sans Pro" panose="020B0604020202020204" charset="0"/>
-              </a:rPr>
-              <a:t> </a:t>
-            </a:r>
-            <a:r>
-              <a:rPr lang="en-US" sz="2200" b="1" dirty="0" err="1">
-                <a:latin typeface="Source Sans Pro" panose="020B0604020202020204" charset="0"/>
-              </a:rPr>
-              <a:t>menghemat</a:t>
-            </a:r>
-            <a:r>
-              <a:rPr lang="en-US" sz="2200" b="1" dirty="0">
-                <a:latin typeface="Source Sans Pro" panose="020B0604020202020204" charset="0"/>
-              </a:rPr>
-              <a:t> </a:t>
-            </a:r>
-            <a:r>
-              <a:rPr lang="en-US" sz="2200" b="1" dirty="0" err="1">
-                <a:latin typeface="Source Sans Pro" panose="020B0604020202020204" charset="0"/>
-              </a:rPr>
-              <a:t>sumber</a:t>
-            </a:r>
-            <a:r>
-              <a:rPr lang="en-US" sz="2200" b="1" dirty="0">
-                <a:latin typeface="Source Sans Pro" panose="020B0604020202020204" charset="0"/>
-              </a:rPr>
-              <a:t> </a:t>
-            </a:r>
-            <a:r>
-              <a:rPr lang="en-US" sz="2200" b="1" dirty="0" err="1">
-                <a:latin typeface="Source Sans Pro" panose="020B0604020202020204" charset="0"/>
-              </a:rPr>
-              <a:t>daya</a:t>
-            </a:r>
-            <a:r>
-              <a:rPr lang="en-US" sz="2200" b="1" dirty="0">
-                <a:latin typeface="Source Sans Pro" panose="020B0604020202020204" charset="0"/>
-              </a:rPr>
-              <a:t> </a:t>
-            </a:r>
-            <a:r>
-              <a:rPr lang="en-US" sz="2200" dirty="0" err="1">
-                <a:latin typeface="Source Sans Pro" panose="020B0604020202020204" charset="0"/>
-              </a:rPr>
-              <a:t>dalam</a:t>
-            </a:r>
-            <a:r>
-              <a:rPr lang="en-US" sz="2200" dirty="0">
-                <a:latin typeface="Source Sans Pro" panose="020B0604020202020204" charset="0"/>
-              </a:rPr>
-              <a:t> </a:t>
-            </a:r>
-            <a:r>
-              <a:rPr lang="en-US" sz="2200" dirty="0" err="1">
-                <a:latin typeface="Source Sans Pro" panose="020B0604020202020204" charset="0"/>
-              </a:rPr>
-              <a:t>melakukan</a:t>
-            </a:r>
-            <a:r>
-              <a:rPr lang="en-US" sz="2200" dirty="0">
-                <a:latin typeface="Source Sans Pro" panose="020B0604020202020204" charset="0"/>
-              </a:rPr>
-              <a:t> </a:t>
-            </a:r>
-            <a:r>
-              <a:rPr lang="en-US" sz="2200" dirty="0" err="1">
-                <a:latin typeface="Source Sans Pro" panose="020B0604020202020204" charset="0"/>
-              </a:rPr>
-              <a:t>pengujian</a:t>
-            </a:r>
-            <a:r>
-              <a:rPr lang="en-US" sz="2200" dirty="0">
-                <a:latin typeface="Source Sans Pro" panose="020B0604020202020204" charset="0"/>
-              </a:rPr>
-              <a:t> </a:t>
-            </a:r>
-            <a:r>
-              <a:rPr lang="en-US" sz="2200" dirty="0" err="1">
-                <a:latin typeface="Source Sans Pro" panose="020B0604020202020204" charset="0"/>
-              </a:rPr>
-              <a:t>perangkat</a:t>
-            </a:r>
-            <a:r>
-              <a:rPr lang="en-US" sz="2200" dirty="0">
-                <a:latin typeface="Source Sans Pro" panose="020B0604020202020204" charset="0"/>
-              </a:rPr>
-              <a:t> </a:t>
-            </a:r>
-            <a:r>
-              <a:rPr lang="en-US" sz="2200" dirty="0" err="1">
-                <a:latin typeface="Source Sans Pro" panose="020B0604020202020204" charset="0"/>
-              </a:rPr>
-              <a:t>lunak</a:t>
-            </a:r>
-            <a:r>
-              <a:rPr lang="en-US" sz="2200" dirty="0">
-                <a:latin typeface="Source Sans Pro" panose="020B0604020202020204" charset="0"/>
-              </a:rPr>
+              <a:rPr lang="en-US" i="1" dirty="0" smtClean="0"/>
+              <a:t>fitness</a:t>
+            </a:r>
+            <a:r>
+              <a:rPr lang="en-US" dirty="0"/>
               <a:t>.</a:t>
             </a:r>
-          </a:p>
-          <a:p>
-            <a:endParaRPr lang="en-US" sz="2200" dirty="0">
-              <a:latin typeface="Source Sans Pro" panose="020B0604020202020204" charset="0"/>
-            </a:endParaRPr>
           </a:p>
         </p:txBody>
       </p:sp>
     </p:spTree>
     <p:extLst>
       <p:ext uri="{BB962C8B-B14F-4D97-AF65-F5344CB8AC3E}">
-        <p14:creationId xmlns:p14="http://schemas.microsoft.com/office/powerpoint/2010/main" val="455122135"/>
+        <p14:creationId xmlns:p14="http://schemas.microsoft.com/office/powerpoint/2010/main" val="1866059628"/>
       </p:ext>
     </p:extLst>
   </p:cSld>
@@ -35130,50 +33400,7 @@
       </p:grpSpPr>
       <p:sp>
         <p:nvSpPr>
-          <p:cNvPr id="2" name="Title 1"/>
-          <p:cNvSpPr>
-            <a:spLocks noGrp="1"/>
-          </p:cNvSpPr>
-          <p:nvPr>
-            <p:ph type="title"/>
-          </p:nvPr>
-        </p:nvSpPr>
-        <p:spPr>
-          <a:xfrm>
-            <a:off x="844425" y="130112"/>
-            <a:ext cx="8002032" cy="879774"/>
-          </a:xfrm>
-        </p:spPr>
-        <p:txBody>
-          <a:bodyPr/>
-          <a:lstStyle/>
-          <a:p>
-            <a:r>
-              <a:rPr lang="en-US" dirty="0" err="1" smtClean="0"/>
-              <a:t>Kesimpulan</a:t>
-            </a:r>
-            <a:r>
-              <a:rPr lang="en-US" dirty="0" smtClean="0"/>
-              <a:t> Dan Saran</a:t>
-            </a:r>
-            <a:r>
-              <a:rPr lang="en-US" dirty="0"/>
-              <a:t/>
-            </a:r>
-            <a:br>
-              <a:rPr lang="en-US" dirty="0"/>
-            </a:br>
-            <a:r>
-              <a:rPr lang="en-US" dirty="0" err="1" smtClean="0"/>
-              <a:t>Saran</a:t>
-            </a:r>
-            <a:endParaRPr lang="en-US" dirty="0"/>
-          </a:p>
-        </p:txBody>
-      </p:sp>
-      <p:sp>
-        <p:nvSpPr>
-          <p:cNvPr id="4" name="Slide Number Placeholder 3"/>
+          <p:cNvPr id="2" name="Slide Number Placeholder 1"/>
           <p:cNvSpPr>
             <a:spLocks noGrp="1"/>
           </p:cNvSpPr>
@@ -35195,401 +33422,6 @@
             <a:fld id="{00000000-1234-1234-1234-123412341234}" type="slidenum">
               <a:rPr lang="en" smtClean="0"/>
               <a:t>29</a:t>
-            </a:fld>
-            <a:endParaRPr lang="en"/>
-          </a:p>
-        </p:txBody>
-      </p:sp>
-      <p:sp>
-        <p:nvSpPr>
-          <p:cNvPr id="5" name="Text Placeholder 2"/>
-          <p:cNvSpPr>
-            <a:spLocks noGrp="1"/>
-          </p:cNvSpPr>
-          <p:nvPr>
-            <p:ph type="body" idx="1"/>
-          </p:nvPr>
-        </p:nvSpPr>
-        <p:spPr>
-          <a:xfrm>
-            <a:off x="844425" y="1357087"/>
-            <a:ext cx="8002032" cy="1254033"/>
-          </a:xfrm>
-        </p:spPr>
-        <p:txBody>
-          <a:bodyPr/>
-          <a:lstStyle/>
-          <a:p>
-            <a:r>
-              <a:rPr lang="en-US" dirty="0" err="1"/>
-              <a:t>Penelitian</a:t>
-            </a:r>
-            <a:r>
-              <a:rPr lang="en-US" dirty="0"/>
-              <a:t> </a:t>
-            </a:r>
-            <a:r>
-              <a:rPr lang="en-US" dirty="0" err="1"/>
-              <a:t>selanjutnya</a:t>
-            </a:r>
-            <a:r>
-              <a:rPr lang="en-US" dirty="0"/>
-              <a:t> </a:t>
-            </a:r>
-            <a:r>
-              <a:rPr lang="en-US" dirty="0" err="1"/>
-              <a:t>diharapkan</a:t>
-            </a:r>
-            <a:r>
-              <a:rPr lang="en-US" dirty="0"/>
-              <a:t> </a:t>
-            </a:r>
-            <a:r>
-              <a:rPr lang="en-US" dirty="0" err="1"/>
-              <a:t>dapat</a:t>
-            </a:r>
-            <a:r>
-              <a:rPr lang="en-US" dirty="0"/>
-              <a:t> </a:t>
-            </a:r>
-            <a:r>
-              <a:rPr lang="en-US" dirty="0" err="1"/>
-              <a:t>mengakomodir</a:t>
-            </a:r>
-            <a:r>
-              <a:rPr lang="en-US" dirty="0"/>
-              <a:t> </a:t>
-            </a:r>
-            <a:r>
-              <a:rPr lang="en-US" dirty="0" err="1"/>
-              <a:t>bahasa</a:t>
-            </a:r>
-            <a:r>
-              <a:rPr lang="en-US" dirty="0"/>
-              <a:t> lain </a:t>
-            </a:r>
-            <a:r>
-              <a:rPr lang="en-US" dirty="0" err="1"/>
-              <a:t>selain</a:t>
-            </a:r>
-            <a:r>
-              <a:rPr lang="en-US" dirty="0"/>
-              <a:t> </a:t>
-            </a:r>
-            <a:r>
-              <a:rPr lang="en-US" dirty="0" err="1"/>
-              <a:t>bahasa</a:t>
-            </a:r>
-            <a:r>
-              <a:rPr lang="en-US" dirty="0"/>
-              <a:t> </a:t>
-            </a:r>
-            <a:r>
-              <a:rPr lang="en-US" dirty="0" err="1"/>
-              <a:t>matlab</a:t>
-            </a:r>
-            <a:r>
-              <a:rPr lang="en-US" dirty="0"/>
-              <a:t>. </a:t>
-            </a:r>
-            <a:endParaRPr lang="en-US" dirty="0" smtClean="0"/>
-          </a:p>
-          <a:p>
-            <a:endParaRPr lang="en-US" dirty="0" smtClean="0"/>
-          </a:p>
-          <a:p>
-            <a:r>
-              <a:rPr lang="en-US" dirty="0" err="1"/>
-              <a:t>I</a:t>
-            </a:r>
-            <a:r>
-              <a:rPr lang="en-US" dirty="0" err="1" smtClean="0"/>
-              <a:t>nstrumentasi</a:t>
-            </a:r>
-            <a:r>
-              <a:rPr lang="en-US" dirty="0" smtClean="0"/>
-              <a:t> </a:t>
-            </a:r>
-            <a:r>
-              <a:rPr lang="en-US" dirty="0" err="1" smtClean="0"/>
-              <a:t>dapat</a:t>
-            </a:r>
-            <a:r>
-              <a:rPr lang="en-US" dirty="0" smtClean="0"/>
-              <a:t> </a:t>
-            </a:r>
-            <a:r>
-              <a:rPr lang="en-US" dirty="0" err="1"/>
-              <a:t>dilakukan</a:t>
-            </a:r>
-            <a:r>
-              <a:rPr lang="en-US" dirty="0"/>
-              <a:t> </a:t>
-            </a:r>
-            <a:r>
-              <a:rPr lang="en-US" dirty="0" err="1"/>
-              <a:t>dinamis</a:t>
-            </a:r>
-            <a:r>
-              <a:rPr lang="en-US" dirty="0"/>
-              <a:t> </a:t>
-            </a:r>
-            <a:r>
-              <a:rPr lang="en-US" dirty="0" err="1"/>
-              <a:t>sesuai</a:t>
-            </a:r>
-            <a:r>
-              <a:rPr lang="en-US" dirty="0"/>
-              <a:t> </a:t>
-            </a:r>
-            <a:r>
-              <a:rPr lang="en-US" dirty="0" err="1"/>
-              <a:t>dengan</a:t>
-            </a:r>
-            <a:r>
-              <a:rPr lang="en-US" dirty="0"/>
-              <a:t> </a:t>
-            </a:r>
-            <a:r>
-              <a:rPr lang="en-US" dirty="0" err="1"/>
-              <a:t>kondisi</a:t>
-            </a:r>
-            <a:r>
-              <a:rPr lang="en-US" dirty="0"/>
-              <a:t> yang </a:t>
-            </a:r>
-            <a:r>
-              <a:rPr lang="en-US" dirty="0" err="1"/>
-              <a:t>dibutuhkan</a:t>
-            </a:r>
-            <a:r>
-              <a:rPr lang="en-US" dirty="0"/>
-              <a:t>. </a:t>
-            </a:r>
-            <a:r>
-              <a:rPr lang="en-US" dirty="0" err="1"/>
-              <a:t>Seperti</a:t>
-            </a:r>
-            <a:r>
-              <a:rPr lang="en-US" dirty="0"/>
-              <a:t> yang </a:t>
-            </a:r>
-            <a:r>
-              <a:rPr lang="en-US" dirty="0" err="1"/>
-              <a:t>dilakukan</a:t>
-            </a:r>
-            <a:r>
-              <a:rPr lang="en-US" dirty="0"/>
-              <a:t> </a:t>
-            </a:r>
-            <a:r>
-              <a:rPr lang="en-US" dirty="0" err="1"/>
-              <a:t>oleh</a:t>
-            </a:r>
-            <a:r>
-              <a:rPr lang="en-US" dirty="0"/>
-              <a:t> </a:t>
-            </a:r>
-            <a:r>
-              <a:rPr lang="en-US" dirty="0" err="1"/>
-              <a:t>Hermadi</a:t>
-            </a:r>
-            <a:r>
-              <a:rPr lang="en-US" dirty="0"/>
-              <a:t>, </a:t>
-            </a:r>
-            <a:r>
-              <a:rPr lang="en-US" dirty="0" err="1"/>
-              <a:t>selain</a:t>
-            </a:r>
-            <a:r>
-              <a:rPr lang="en-US" dirty="0"/>
-              <a:t> </a:t>
-            </a:r>
-            <a:r>
-              <a:rPr lang="en-US" dirty="0" err="1"/>
-              <a:t>menyimpan</a:t>
-            </a:r>
-            <a:r>
-              <a:rPr lang="en-US" dirty="0"/>
-              <a:t> </a:t>
-            </a:r>
-            <a:r>
-              <a:rPr lang="en-US" dirty="0" err="1"/>
-              <a:t>informasi</a:t>
-            </a:r>
-            <a:r>
-              <a:rPr lang="en-US" dirty="0"/>
-              <a:t> </a:t>
-            </a:r>
-            <a:r>
-              <a:rPr lang="en-US" dirty="0" err="1"/>
-              <a:t>jalur</a:t>
-            </a:r>
-            <a:r>
-              <a:rPr lang="en-US" dirty="0"/>
-              <a:t> mana yang </a:t>
-            </a:r>
-            <a:r>
-              <a:rPr lang="en-US" dirty="0" err="1"/>
-              <a:t>dilewati</a:t>
-            </a:r>
-            <a:r>
-              <a:rPr lang="en-US" dirty="0"/>
-              <a:t>, </a:t>
-            </a:r>
-            <a:r>
-              <a:rPr lang="en-US" dirty="0" err="1"/>
-              <a:t>instrumentasi</a:t>
-            </a:r>
-            <a:r>
-              <a:rPr lang="en-US" dirty="0"/>
-              <a:t> yang </a:t>
-            </a:r>
-            <a:r>
-              <a:rPr lang="en-US" dirty="0" err="1"/>
-              <a:t>dilakukan</a:t>
-            </a:r>
-            <a:r>
-              <a:rPr lang="en-US" dirty="0"/>
-              <a:t> </a:t>
-            </a:r>
-            <a:r>
-              <a:rPr lang="en-US" dirty="0" err="1"/>
-              <a:t>pada</a:t>
-            </a:r>
-            <a:r>
-              <a:rPr lang="en-US" dirty="0"/>
-              <a:t>  </a:t>
-            </a:r>
-            <a:r>
-              <a:rPr lang="en-US" dirty="0" err="1"/>
-              <a:t>penelitian</a:t>
-            </a:r>
-            <a:r>
-              <a:rPr lang="en-US" dirty="0"/>
-              <a:t> </a:t>
-            </a:r>
-            <a:r>
-              <a:rPr lang="en-US" dirty="0" err="1"/>
-              <a:t>tersebut</a:t>
-            </a:r>
-            <a:r>
-              <a:rPr lang="en-US" dirty="0"/>
-              <a:t> juga </a:t>
-            </a:r>
-            <a:r>
-              <a:rPr lang="en-US" dirty="0" err="1"/>
-              <a:t>menyisipkan</a:t>
-            </a:r>
-            <a:r>
-              <a:rPr lang="en-US" dirty="0"/>
-              <a:t> </a:t>
-            </a:r>
-            <a:r>
-              <a:rPr lang="en-US" dirty="0" err="1"/>
-              <a:t>kode</a:t>
-            </a:r>
-            <a:r>
-              <a:rPr lang="en-US" dirty="0"/>
-              <a:t> program </a:t>
-            </a:r>
-            <a:r>
-              <a:rPr lang="en-US" dirty="0" err="1"/>
-              <a:t>untuk</a:t>
-            </a:r>
-            <a:r>
-              <a:rPr lang="en-US" dirty="0"/>
-              <a:t> </a:t>
-            </a:r>
-            <a:r>
-              <a:rPr lang="en-US" dirty="0" err="1"/>
-              <a:t>menghitung</a:t>
-            </a:r>
-            <a:r>
-              <a:rPr lang="en-US" dirty="0"/>
-              <a:t> </a:t>
-            </a:r>
-            <a:r>
-              <a:rPr lang="en-US" dirty="0" err="1"/>
-              <a:t>nilai</a:t>
-            </a:r>
-            <a:r>
-              <a:rPr lang="en-US" dirty="0"/>
-              <a:t> </a:t>
-            </a:r>
-            <a:r>
-              <a:rPr lang="en-US" i="1" dirty="0" smtClean="0"/>
-              <a:t>fitness</a:t>
-            </a:r>
-            <a:r>
-              <a:rPr lang="en-US" dirty="0"/>
-              <a:t>.</a:t>
-            </a:r>
-          </a:p>
-        </p:txBody>
-      </p:sp>
-    </p:spTree>
-    <p:extLst>
-      <p:ext uri="{BB962C8B-B14F-4D97-AF65-F5344CB8AC3E}">
-        <p14:creationId xmlns:p14="http://schemas.microsoft.com/office/powerpoint/2010/main" val="1866059628"/>
-      </p:ext>
-    </p:extLst>
-  </p:cSld>
-  <p:clrMapOvr>
-    <a:masterClrMapping/>
-  </p:clrMapOvr>
-  <p:timing>
-    <p:tnLst>
-      <p:par>
-        <p:cTn id="1" dur="indefinite" restart="never" nodeType="tmRoot"/>
-      </p:par>
-    </p:tnLst>
-  </p:timing>
-</p:sld>
-</file>
-
-<file path=ppt/slides/slide31.xml><?xml version="1.0" encoding="utf-8"?>
-<p:sld xmlns:a="http://schemas.openxmlformats.org/drawingml/2006/main" xmlns:r="http://schemas.openxmlformats.org/officeDocument/2006/relationships" xmlns:p="http://schemas.openxmlformats.org/presentationml/2006/main">
-  <p:cSld>
-    <p:spTree>
-      <p:nvGrpSpPr>
-        <p:cNvPr id="1" name=""/>
-        <p:cNvGrpSpPr/>
-        <p:nvPr/>
-      </p:nvGrpSpPr>
-      <p:grpSpPr>
-        <a:xfrm>
-          <a:off x="0" y="0"/>
-          <a:ext cx="0" cy="0"/>
-          <a:chOff x="0" y="0"/>
-          <a:chExt cx="0" cy="0"/>
-        </a:xfrm>
-      </p:grpSpPr>
-      <p:sp>
-        <p:nvSpPr>
-          <p:cNvPr id="2" name="Slide Number Placeholder 1"/>
-          <p:cNvSpPr>
-            <a:spLocks noGrp="1"/>
-          </p:cNvSpPr>
-          <p:nvPr>
-            <p:ph type="sldNum" idx="12"/>
-          </p:nvPr>
-        </p:nvSpPr>
-        <p:spPr/>
-        <p:txBody>
-          <a:bodyPr/>
-          <a:lstStyle/>
-          <a:p>
-            <a:pPr lvl="0">
-              <a:spcBef>
-                <a:spcPts val="0"/>
-              </a:spcBef>
-              <a:buNone/>
-            </a:pPr>
-            <a:fld id="{00000000-1234-1234-1234-123412341234}" type="slidenum">
-              <a:rPr lang="en" smtClean="0"/>
-              <a:t>30</a:t>
             </a:fld>
             <a:endParaRPr lang="en"/>
           </a:p>
@@ -36872,7 +34704,7 @@
 </p:sld>
 </file>
 
-<file path=ppt/slides/slide32.xml><?xml version="1.0" encoding="utf-8"?>
+<file path=ppt/slides/slide31.xml><?xml version="1.0" encoding="utf-8"?>
 <p:sld xmlns:a="http://schemas.openxmlformats.org/drawingml/2006/main" xmlns:r="http://schemas.openxmlformats.org/officeDocument/2006/relationships" xmlns:p="http://schemas.openxmlformats.org/presentationml/2006/main">
   <p:cSld>
     <p:spTree>
@@ -36912,7 +34744,7 @@
             </a:pPr>
             <a:fld id="{00000000-1234-1234-1234-123412341234}" type="slidenum">
               <a:rPr lang="en" smtClean="0"/>
-              <a:t>31</a:t>
+              <a:t>30</a:t>
             </a:fld>
             <a:endParaRPr lang="en"/>
           </a:p>
@@ -37490,7 +35322,7 @@
 </p:sld>
 </file>
 
-<file path=ppt/slides/slide33.xml><?xml version="1.0" encoding="utf-8"?>
+<file path=ppt/slides/slide32.xml><?xml version="1.0" encoding="utf-8"?>
 <p:sld xmlns:a="http://schemas.openxmlformats.org/drawingml/2006/main" xmlns:r="http://schemas.openxmlformats.org/officeDocument/2006/relationships" xmlns:p="http://schemas.openxmlformats.org/presentationml/2006/main">
   <p:cSld>
     <p:spTree>
@@ -37536,7 +35368,7 @@
             </a:pPr>
             <a:fld id="{00000000-1234-1234-1234-123412341234}" type="slidenum">
               <a:rPr lang="en"/>
-              <a:t>32</a:t>
+              <a:t>31</a:t>
             </a:fld>
             <a:endParaRPr lang="en"/>
           </a:p>
@@ -39023,297 +36855,6 @@
       </p:grpSpPr>
       <p:sp>
         <p:nvSpPr>
-          <p:cNvPr id="4" name="Slide Number Placeholder 3"/>
-          <p:cNvSpPr>
-            <a:spLocks noGrp="1"/>
-          </p:cNvSpPr>
-          <p:nvPr>
-            <p:ph type="sldNum" idx="12"/>
-          </p:nvPr>
-        </p:nvSpPr>
-        <p:spPr/>
-        <p:txBody>
-          <a:bodyPr/>
-          <a:lstStyle/>
-          <a:p>
-            <a:pPr lvl="0">
-              <a:spcBef>
-                <a:spcPts val="0"/>
-              </a:spcBef>
-              <a:buNone/>
-            </a:pPr>
-            <a:fld id="{00000000-1234-1234-1234-123412341234}" type="slidenum">
-              <a:rPr lang="en" smtClean="0"/>
-              <a:t>4</a:t>
-            </a:fld>
-            <a:endParaRPr lang="en"/>
-          </a:p>
-        </p:txBody>
-      </p:sp>
-      <p:sp>
-        <p:nvSpPr>
-          <p:cNvPr id="6" name="Text Placeholder 7"/>
-          <p:cNvSpPr>
-            <a:spLocks noGrp="1"/>
-          </p:cNvSpPr>
-          <p:nvPr>
-            <p:ph type="body" idx="1"/>
-          </p:nvPr>
-        </p:nvSpPr>
-        <p:spPr>
-          <a:xfrm>
-            <a:off x="763402" y="1248032"/>
-            <a:ext cx="7415655" cy="3838318"/>
-          </a:xfrm>
-        </p:spPr>
-        <p:txBody>
-          <a:bodyPr/>
-          <a:lstStyle/>
-          <a:p>
-            <a:r>
-              <a:rPr lang="en-US" sz="2000" dirty="0" err="1" smtClean="0"/>
-              <a:t>Tahapan</a:t>
-            </a:r>
-            <a:endParaRPr lang="en-US" sz="2000" dirty="0" smtClean="0"/>
-          </a:p>
-          <a:p>
-            <a:pPr marL="185738" lvl="2"/>
-            <a:r>
-              <a:rPr lang="en-US" sz="2000" dirty="0" err="1"/>
-              <a:t>Menggambarkan</a:t>
-            </a:r>
-            <a:r>
-              <a:rPr lang="en-US" sz="2000" dirty="0"/>
-              <a:t> </a:t>
-            </a:r>
-            <a:r>
-              <a:rPr lang="en-US" sz="2000" dirty="0" err="1"/>
-              <a:t>jalur</a:t>
-            </a:r>
-            <a:r>
-              <a:rPr lang="en-US" sz="2000" dirty="0"/>
-              <a:t> </a:t>
-            </a:r>
-            <a:r>
-              <a:rPr lang="en-US" sz="2000" dirty="0" err="1"/>
-              <a:t>dalam</a:t>
-            </a:r>
-            <a:r>
-              <a:rPr lang="en-US" sz="2000" dirty="0"/>
-              <a:t> </a:t>
-            </a:r>
-            <a:r>
-              <a:rPr lang="en-US" sz="2000" dirty="0" err="1"/>
-              <a:t>bentuk</a:t>
-            </a:r>
-            <a:r>
-              <a:rPr lang="en-US" sz="2000" dirty="0"/>
-              <a:t> </a:t>
-            </a:r>
-            <a:r>
-              <a:rPr lang="en-US" sz="2000" i="1" dirty="0"/>
-              <a:t>Control Flow Graph </a:t>
-            </a:r>
-            <a:r>
-              <a:rPr lang="en-US" sz="2000" dirty="0"/>
-              <a:t>(CFG)</a:t>
-            </a:r>
-          </a:p>
-          <a:p>
-            <a:pPr marL="185738" lvl="2"/>
-            <a:r>
-              <a:rPr lang="en-US" sz="2000" dirty="0" err="1"/>
-              <a:t>Menghitung</a:t>
-            </a:r>
-            <a:r>
-              <a:rPr lang="en-US" sz="2000" dirty="0"/>
-              <a:t> </a:t>
-            </a:r>
-            <a:r>
-              <a:rPr lang="en-US" sz="2000" i="1" dirty="0" err="1"/>
-              <a:t>cyclomatic</a:t>
-            </a:r>
-            <a:r>
-              <a:rPr lang="en-US" sz="2000" i="1" dirty="0"/>
-              <a:t> complexity</a:t>
-            </a:r>
-            <a:endParaRPr lang="en-US" sz="2000" dirty="0"/>
-          </a:p>
-          <a:p>
-            <a:pPr marL="185738" lvl="2"/>
-            <a:r>
-              <a:rPr lang="en-US" sz="2000" dirty="0" err="1"/>
-              <a:t>Memilih</a:t>
-            </a:r>
-            <a:r>
-              <a:rPr lang="en-US" sz="2000" dirty="0"/>
-              <a:t> </a:t>
-            </a:r>
-            <a:r>
-              <a:rPr lang="en-US" sz="2000" dirty="0" err="1"/>
-              <a:t>satu</a:t>
-            </a:r>
-            <a:r>
-              <a:rPr lang="en-US" sz="2000" dirty="0"/>
-              <a:t> set </a:t>
-            </a:r>
-            <a:r>
-              <a:rPr lang="en-US" sz="2000" dirty="0" err="1"/>
-              <a:t>jalur</a:t>
-            </a:r>
-            <a:r>
-              <a:rPr lang="en-US" sz="2000" dirty="0"/>
-              <a:t> </a:t>
-            </a:r>
-            <a:r>
-              <a:rPr lang="en-US" sz="2000" dirty="0" err="1"/>
-              <a:t>dasar</a:t>
-            </a:r>
-            <a:endParaRPr lang="en-US" sz="2000" dirty="0"/>
-          </a:p>
-          <a:p>
-            <a:pPr marL="185738" lvl="2"/>
-            <a:r>
-              <a:rPr lang="en-US" sz="2000" dirty="0" err="1"/>
-              <a:t>Membangkitkan</a:t>
-            </a:r>
-            <a:r>
-              <a:rPr lang="en-US" sz="2000" dirty="0"/>
-              <a:t> data </a:t>
-            </a:r>
-            <a:r>
-              <a:rPr lang="en-US" sz="2000" dirty="0" err="1"/>
-              <a:t>uji</a:t>
-            </a:r>
-            <a:r>
-              <a:rPr lang="en-US" sz="2000" dirty="0"/>
-              <a:t> </a:t>
-            </a:r>
-            <a:r>
-              <a:rPr lang="en-US" sz="2000" dirty="0" err="1"/>
-              <a:t>untuk</a:t>
-            </a:r>
-            <a:r>
-              <a:rPr lang="en-US" sz="2000" dirty="0"/>
-              <a:t> </a:t>
-            </a:r>
-            <a:r>
-              <a:rPr lang="en-US" sz="2000" dirty="0" err="1"/>
-              <a:t>setiap</a:t>
-            </a:r>
-            <a:r>
-              <a:rPr lang="en-US" sz="2000" dirty="0"/>
-              <a:t> </a:t>
-            </a:r>
-            <a:r>
-              <a:rPr lang="en-US" sz="2000" dirty="0" err="1"/>
-              <a:t>jalur</a:t>
-            </a:r>
-            <a:r>
-              <a:rPr lang="en-US" sz="2000" dirty="0"/>
-              <a:t> </a:t>
-            </a:r>
-            <a:r>
-              <a:rPr lang="en-US" sz="2000" dirty="0" err="1"/>
-              <a:t>dasar</a:t>
-            </a:r>
-            <a:endParaRPr lang="en-US" sz="2000" dirty="0"/>
-          </a:p>
-        </p:txBody>
-      </p:sp>
-      <p:sp>
-        <p:nvSpPr>
-          <p:cNvPr id="5" name="Title 4"/>
-          <p:cNvSpPr>
-            <a:spLocks noGrp="1"/>
-          </p:cNvSpPr>
-          <p:nvPr>
-            <p:ph type="title"/>
-          </p:nvPr>
-        </p:nvSpPr>
-        <p:spPr/>
-        <p:txBody>
-          <a:bodyPr/>
-          <a:lstStyle/>
-          <a:p>
-            <a:r>
-              <a:rPr lang="en-US" dirty="0" smtClean="0"/>
-              <a:t>Basis Path Testing</a:t>
-            </a:r>
-            <a:endParaRPr lang="en-US" dirty="0"/>
-          </a:p>
-        </p:txBody>
-      </p:sp>
-    </p:spTree>
-    <p:extLst>
-      <p:ext uri="{BB962C8B-B14F-4D97-AF65-F5344CB8AC3E}">
-        <p14:creationId xmlns:p14="http://schemas.microsoft.com/office/powerpoint/2010/main" val="3335502183"/>
-      </p:ext>
-    </p:extLst>
-  </p:cSld>
-  <p:clrMapOvr>
-    <a:masterClrMapping/>
-  </p:clrMapOvr>
-  <p:timing>
-    <p:tnLst>
-      <p:par>
-        <p:cTn id="1" dur="indefinite" restart="never" nodeType="tmRoot"/>
-      </p:par>
-    </p:tnLst>
-  </p:timing>
-</p:sld>
-</file>
-
-<file path=ppt/slides/slide6.xml><?xml version="1.0" encoding="utf-8"?>
-<p:sld xmlns:a="http://schemas.openxmlformats.org/drawingml/2006/main" xmlns:r="http://schemas.openxmlformats.org/officeDocument/2006/relationships" xmlns:p="http://schemas.openxmlformats.org/presentationml/2006/main">
-  <p:cSld>
-    <p:spTree>
-      <p:nvGrpSpPr>
-        <p:cNvPr id="1" name=""/>
-        <p:cNvGrpSpPr/>
-        <p:nvPr/>
-      </p:nvGrpSpPr>
-      <p:grpSpPr>
-        <a:xfrm>
-          <a:off x="0" y="0"/>
-          <a:ext cx="0" cy="0"/>
-          <a:chOff x="0" y="0"/>
-          <a:chExt cx="0" cy="0"/>
-        </a:xfrm>
-      </p:grpSpPr>
-      <p:sp>
-        <p:nvSpPr>
-          <p:cNvPr id="2" name="Title 1"/>
-          <p:cNvSpPr>
-            <a:spLocks noGrp="1"/>
-          </p:cNvSpPr>
-          <p:nvPr>
-            <p:ph type="title"/>
-          </p:nvPr>
-        </p:nvSpPr>
-        <p:spPr/>
-        <p:txBody>
-          <a:bodyPr/>
-          <a:lstStyle/>
-          <a:p>
-            <a:r>
-              <a:rPr lang="en-US" dirty="0" err="1"/>
-              <a:t>Latar</a:t>
-            </a:r>
-            <a:r>
-              <a:rPr lang="en-US" dirty="0"/>
-              <a:t> </a:t>
-            </a:r>
-            <a:r>
-              <a:rPr lang="en-US" dirty="0" err="1"/>
-              <a:t>Belakang</a:t>
-            </a:r>
-            <a:endParaRPr lang="en-US" dirty="0"/>
-          </a:p>
-        </p:txBody>
-      </p:sp>
-      <p:sp>
-        <p:nvSpPr>
           <p:cNvPr id="3" name="Text Placeholder 2"/>
           <p:cNvSpPr>
             <a:spLocks noGrp="1"/>
@@ -39675,6 +37216,61 @@
           </a:p>
         </p:txBody>
       </p:sp>
+      <p:pic>
+        <p:nvPicPr>
+          <p:cNvPr id="5" name="Picture 4"/>
+          <p:cNvPicPr>
+            <a:picLocks noChangeAspect="1"/>
+          </p:cNvPicPr>
+          <p:nvPr/>
+        </p:nvPicPr>
+        <p:blipFill>
+          <a:blip r:embed="rId2"/>
+          <a:stretch>
+            <a:fillRect/>
+          </a:stretch>
+        </p:blipFill>
+        <p:spPr>
+          <a:xfrm>
+            <a:off x="1449628" y="2103238"/>
+            <a:ext cx="5866670" cy="2117070"/>
+          </a:xfrm>
+          <a:prstGeom prst="rect">
+            <a:avLst/>
+          </a:prstGeom>
+        </p:spPr>
+      </p:pic>
+      <p:sp>
+        <p:nvSpPr>
+          <p:cNvPr id="2" name="Title 1"/>
+          <p:cNvSpPr>
+            <a:spLocks noGrp="1"/>
+          </p:cNvSpPr>
+          <p:nvPr>
+            <p:ph type="title"/>
+          </p:nvPr>
+        </p:nvSpPr>
+        <p:spPr/>
+        <p:txBody>
+          <a:bodyPr/>
+          <a:lstStyle/>
+          <a:p>
+            <a:r>
+              <a:rPr lang="en-US" dirty="0" err="1"/>
+              <a:t>Latar</a:t>
+            </a:r>
+            <a:r>
+              <a:rPr lang="en-US" dirty="0"/>
+              <a:t> </a:t>
+            </a:r>
+            <a:r>
+              <a:rPr lang="en-US" dirty="0" err="1"/>
+              <a:t>Belakang</a:t>
+            </a:r>
+            <a:endParaRPr lang="en-US" dirty="0"/>
+          </a:p>
+        </p:txBody>
+      </p:sp>
       <p:sp>
         <p:nvSpPr>
           <p:cNvPr id="4" name="Slide Number Placeholder 3"/>
@@ -39698,36 +37294,12 @@
             </a:pPr>
             <a:fld id="{00000000-1234-1234-1234-123412341234}" type="slidenum">
               <a:rPr lang="en" smtClean="0"/>
-              <a:t>5</a:t>
+              <a:t>4</a:t>
             </a:fld>
             <a:endParaRPr lang="en"/>
           </a:p>
         </p:txBody>
       </p:sp>
-      <p:pic>
-        <p:nvPicPr>
-          <p:cNvPr id="6" name="Picture 5"/>
-          <p:cNvPicPr>
-            <a:picLocks noChangeAspect="1"/>
-          </p:cNvPicPr>
-          <p:nvPr/>
-        </p:nvPicPr>
-        <p:blipFill>
-          <a:blip r:embed="rId2"/>
-          <a:stretch>
-            <a:fillRect/>
-          </a:stretch>
-        </p:blipFill>
-        <p:spPr>
-          <a:xfrm>
-            <a:off x="1413936" y="2114552"/>
-            <a:ext cx="6401327" cy="2153510"/>
-          </a:xfrm>
-          <a:prstGeom prst="rect">
-            <a:avLst/>
-          </a:prstGeom>
-        </p:spPr>
-      </p:pic>
       <p:sp>
         <p:nvSpPr>
           <p:cNvPr id="11" name="Rectangle 10"/>
@@ -39736,8 +37308,8 @@
         </p:nvSpPr>
         <p:spPr>
           <a:xfrm>
-            <a:off x="5062930" y="3850909"/>
-            <a:ext cx="3529012" cy="1323439"/>
+            <a:off x="4802271" y="3964698"/>
+            <a:ext cx="3529012" cy="1015663"/>
           </a:xfrm>
           <a:prstGeom prst="rect">
             <a:avLst/>
@@ -39890,24 +37462,15 @@
               <a:t>kesalahan</a:t>
             </a:r>
             <a:r>
-              <a:rPr lang="en-US" sz="2000" dirty="0">
+              <a:rPr lang="en-US" sz="2000" dirty="0" smtClean="0">
                 <a:solidFill>
                   <a:srgbClr val="415665"/>
                 </a:solidFill>
                 <a:latin typeface="Source Sans Pro" panose="020B0604020202020204" charset="0"/>
                 <a:sym typeface="Source Sans Pro"/>
               </a:rPr>
-              <a:t>. </a:t>
-            </a:r>
-            <a:br>
-              <a:rPr lang="en-US" sz="2000" dirty="0">
-                <a:solidFill>
-                  <a:srgbClr val="415665"/>
-                </a:solidFill>
-                <a:latin typeface="Source Sans Pro" panose="020B0604020202020204" charset="0"/>
-                <a:sym typeface="Source Sans Pro"/>
-              </a:rPr>
-            </a:br>
+              <a:t>.</a:t>
+            </a:r>
             <a:endParaRPr lang="en-US" sz="2000" dirty="0">
               <a:solidFill>
                 <a:srgbClr val="415665"/>
@@ -40029,7 +37592,7 @@
 </p:sld>
 </file>
 
-<file path=ppt/slides/slide7.xml><?xml version="1.0" encoding="utf-8"?>
+<file path=ppt/slides/slide6.xml><?xml version="1.0" encoding="utf-8"?>
 <p:sld xmlns:a="http://schemas.openxmlformats.org/drawingml/2006/main" xmlns:r="http://schemas.openxmlformats.org/officeDocument/2006/relationships" xmlns:p="http://schemas.openxmlformats.org/presentationml/2006/main">
   <p:cSld>
     <p:spTree>
@@ -40404,6 +37967,318 @@
           </a:p>
           <a:p>
             <a:endParaRPr lang="en-US" sz="2000" dirty="0">
+              <a:latin typeface="Source Sans Pro" panose="020B0604020202020204" charset="0"/>
+            </a:endParaRPr>
+          </a:p>
+        </p:txBody>
+      </p:sp>
+      <p:sp>
+        <p:nvSpPr>
+          <p:cNvPr id="4" name="Slide Number Placeholder 3"/>
+          <p:cNvSpPr>
+            <a:spLocks noGrp="1"/>
+          </p:cNvSpPr>
+          <p:nvPr>
+            <p:ph type="sldNum" idx="12"/>
+          </p:nvPr>
+        </p:nvSpPr>
+        <p:spPr/>
+        <p:txBody>
+          <a:bodyPr/>
+          <a:lstStyle/>
+          <a:p>
+            <a:pPr lvl="0">
+              <a:spcBef>
+                <a:spcPts val="0"/>
+              </a:spcBef>
+              <a:buNone/>
+            </a:pPr>
+            <a:fld id="{00000000-1234-1234-1234-123412341234}" type="slidenum">
+              <a:rPr lang="en" smtClean="0"/>
+              <a:t>5</a:t>
+            </a:fld>
+            <a:endParaRPr lang="en"/>
+          </a:p>
+        </p:txBody>
+      </p:sp>
+    </p:spTree>
+    <p:extLst>
+      <p:ext uri="{BB962C8B-B14F-4D97-AF65-F5344CB8AC3E}">
+        <p14:creationId xmlns:p14="http://schemas.microsoft.com/office/powerpoint/2010/main" val="734703541"/>
+      </p:ext>
+    </p:extLst>
+  </p:cSld>
+  <p:clrMapOvr>
+    <a:masterClrMapping/>
+  </p:clrMapOvr>
+  <p:timing>
+    <p:tnLst>
+      <p:par>
+        <p:cTn id="1" dur="indefinite" restart="never" nodeType="tmRoot"/>
+      </p:par>
+    </p:tnLst>
+  </p:timing>
+</p:sld>
+</file>
+
+<file path=ppt/slides/slide7.xml><?xml version="1.0" encoding="utf-8"?>
+<p:sld xmlns:a="http://schemas.openxmlformats.org/drawingml/2006/main" xmlns:r="http://schemas.openxmlformats.org/officeDocument/2006/relationships" xmlns:p="http://schemas.openxmlformats.org/presentationml/2006/main">
+  <p:cSld>
+    <p:spTree>
+      <p:nvGrpSpPr>
+        <p:cNvPr id="1" name=""/>
+        <p:cNvGrpSpPr/>
+        <p:nvPr/>
+      </p:nvGrpSpPr>
+      <p:grpSpPr>
+        <a:xfrm>
+          <a:off x="0" y="0"/>
+          <a:ext cx="0" cy="0"/>
+          <a:chOff x="0" y="0"/>
+          <a:chExt cx="0" cy="0"/>
+        </a:xfrm>
+      </p:grpSpPr>
+      <p:sp>
+        <p:nvSpPr>
+          <p:cNvPr id="7" name="Title 6"/>
+          <p:cNvSpPr>
+            <a:spLocks noGrp="1"/>
+          </p:cNvSpPr>
+          <p:nvPr>
+            <p:ph type="title"/>
+          </p:nvPr>
+        </p:nvSpPr>
+        <p:spPr/>
+        <p:txBody>
+          <a:bodyPr/>
+          <a:lstStyle/>
+          <a:p>
+            <a:r>
+              <a:rPr lang="en-US" dirty="0" err="1" smtClean="0"/>
+              <a:t>Rumusan</a:t>
+            </a:r>
+            <a:r>
+              <a:rPr lang="en-US" dirty="0" smtClean="0"/>
+              <a:t> </a:t>
+            </a:r>
+            <a:r>
+              <a:rPr lang="en-US" dirty="0" err="1" smtClean="0"/>
+              <a:t>Masalah</a:t>
+            </a:r>
+            <a:endParaRPr lang="en-US" dirty="0"/>
+          </a:p>
+        </p:txBody>
+      </p:sp>
+      <p:sp>
+        <p:nvSpPr>
+          <p:cNvPr id="8" name="Text Placeholder 7"/>
+          <p:cNvSpPr>
+            <a:spLocks noGrp="1"/>
+          </p:cNvSpPr>
+          <p:nvPr>
+            <p:ph type="body" idx="1"/>
+          </p:nvPr>
+        </p:nvSpPr>
+        <p:spPr>
+          <a:xfrm>
+            <a:off x="844425" y="1333402"/>
+            <a:ext cx="7334632" cy="3280055"/>
+          </a:xfrm>
+        </p:spPr>
+        <p:txBody>
+          <a:bodyPr/>
+          <a:lstStyle/>
+          <a:p>
+            <a:pPr>
+              <a:buNone/>
+            </a:pPr>
+            <a:r>
+              <a:rPr lang="en-US" sz="2200" dirty="0" err="1">
+                <a:latin typeface="Source Sans Pro" panose="020B0604020202020204" charset="0"/>
+              </a:rPr>
+              <a:t>Bagaimana</a:t>
+            </a:r>
+            <a:r>
+              <a:rPr lang="en-US" sz="2200" dirty="0">
+                <a:latin typeface="Source Sans Pro" panose="020B0604020202020204" charset="0"/>
+              </a:rPr>
+              <a:t> </a:t>
+            </a:r>
+            <a:r>
+              <a:rPr lang="en-US" sz="2200" dirty="0" err="1">
+                <a:latin typeface="Source Sans Pro" panose="020B0604020202020204" charset="0"/>
+              </a:rPr>
+              <a:t>membangun</a:t>
+            </a:r>
+            <a:r>
+              <a:rPr lang="en-US" sz="2200" dirty="0">
+                <a:latin typeface="Source Sans Pro" panose="020B0604020202020204" charset="0"/>
+              </a:rPr>
+              <a:t> </a:t>
+            </a:r>
+            <a:r>
+              <a:rPr lang="en-US" sz="2200" dirty="0" err="1">
+                <a:latin typeface="Source Sans Pro" panose="020B0604020202020204" charset="0"/>
+              </a:rPr>
+              <a:t>sebuah</a:t>
+            </a:r>
+            <a:r>
+              <a:rPr lang="en-US" sz="2200" dirty="0">
+                <a:latin typeface="Source Sans Pro" panose="020B0604020202020204" charset="0"/>
+              </a:rPr>
+              <a:t> </a:t>
+            </a:r>
+            <a:r>
+              <a:rPr lang="en-US" sz="2200" dirty="0" err="1">
+                <a:latin typeface="Source Sans Pro" panose="020B0604020202020204" charset="0"/>
+              </a:rPr>
+              <a:t>aplikasi</a:t>
+            </a:r>
+            <a:r>
+              <a:rPr lang="en-US" sz="2200" dirty="0">
+                <a:latin typeface="Source Sans Pro" panose="020B0604020202020204" charset="0"/>
+              </a:rPr>
+              <a:t> </a:t>
+            </a:r>
+            <a:r>
+              <a:rPr lang="en-US" sz="2200" dirty="0" err="1">
+                <a:latin typeface="Source Sans Pro" panose="020B0604020202020204" charset="0"/>
+              </a:rPr>
+              <a:t>untuk</a:t>
+            </a:r>
+            <a:r>
+              <a:rPr lang="en-US" sz="2200" dirty="0">
+                <a:latin typeface="Source Sans Pro" panose="020B0604020202020204" charset="0"/>
+              </a:rPr>
+              <a:t> </a:t>
+            </a:r>
+            <a:r>
+              <a:rPr lang="en-US" sz="2200" dirty="0" err="1">
+                <a:latin typeface="Source Sans Pro" panose="020B0604020202020204" charset="0"/>
+              </a:rPr>
+              <a:t>melakukan</a:t>
+            </a:r>
+            <a:r>
+              <a:rPr lang="en-US" sz="2200" dirty="0">
+                <a:latin typeface="Source Sans Pro" panose="020B0604020202020204" charset="0"/>
+              </a:rPr>
+              <a:t> </a:t>
+            </a:r>
+            <a:r>
+              <a:rPr lang="en-US" sz="2200" dirty="0" err="1" smtClean="0">
+                <a:latin typeface="Source Sans Pro" panose="020B0604020202020204" charset="0"/>
+              </a:rPr>
+              <a:t>pembangkitan</a:t>
+            </a:r>
+            <a:r>
+              <a:rPr lang="en-US" sz="2200" dirty="0" smtClean="0">
+                <a:latin typeface="Source Sans Pro" panose="020B0604020202020204" charset="0"/>
+              </a:rPr>
+              <a:t> </a:t>
+            </a:r>
+            <a:r>
+              <a:rPr lang="en-US" sz="2200" dirty="0" err="1" smtClean="0">
+                <a:latin typeface="Source Sans Pro" panose="020B0604020202020204" charset="0"/>
+              </a:rPr>
+              <a:t>jalur</a:t>
+            </a:r>
+            <a:r>
+              <a:rPr lang="en-US" sz="2200" dirty="0" smtClean="0">
+                <a:latin typeface="Source Sans Pro" panose="020B0604020202020204" charset="0"/>
+              </a:rPr>
+              <a:t> </a:t>
+            </a:r>
+            <a:r>
+              <a:rPr lang="en-US" sz="2200" dirty="0" err="1" smtClean="0">
+                <a:latin typeface="Source Sans Pro" panose="020B0604020202020204" charset="0"/>
+              </a:rPr>
+              <a:t>dasar</a:t>
+            </a:r>
+            <a:r>
+              <a:rPr lang="en-US" sz="2200" dirty="0" smtClean="0">
+                <a:latin typeface="Source Sans Pro" panose="020B0604020202020204" charset="0"/>
+              </a:rPr>
+              <a:t> </a:t>
+            </a:r>
+            <a:r>
+              <a:rPr lang="en-US" sz="2200" dirty="0" err="1" smtClean="0">
+                <a:latin typeface="Source Sans Pro" panose="020B0604020202020204" charset="0"/>
+              </a:rPr>
+              <a:t>dan</a:t>
+            </a:r>
+            <a:r>
+              <a:rPr lang="en-US" sz="2200" dirty="0" smtClean="0">
+                <a:latin typeface="Source Sans Pro" panose="020B0604020202020204" charset="0"/>
+              </a:rPr>
+              <a:t> </a:t>
+            </a:r>
+            <a:r>
+              <a:rPr lang="en-US" sz="2200" dirty="0" err="1" smtClean="0">
+                <a:latin typeface="Source Sans Pro" panose="020B0604020202020204" charset="0"/>
+              </a:rPr>
+              <a:t>instrumentasi</a:t>
+            </a:r>
+            <a:r>
+              <a:rPr lang="en-US" sz="2200" dirty="0" smtClean="0">
+                <a:latin typeface="Source Sans Pro" panose="020B0604020202020204" charset="0"/>
+              </a:rPr>
+              <a:t> </a:t>
+            </a:r>
+            <a:r>
+              <a:rPr lang="en-US" sz="2200" dirty="0" err="1">
+                <a:latin typeface="Source Sans Pro" panose="020B0604020202020204" charset="0"/>
+              </a:rPr>
+              <a:t>secara</a:t>
+            </a:r>
+            <a:r>
+              <a:rPr lang="en-US" sz="2200" dirty="0">
+                <a:latin typeface="Source Sans Pro" panose="020B0604020202020204" charset="0"/>
+              </a:rPr>
+              <a:t> </a:t>
+            </a:r>
+            <a:r>
+              <a:rPr lang="en-US" sz="2200" dirty="0" err="1">
+                <a:latin typeface="Source Sans Pro" panose="020B0604020202020204" charset="0"/>
+              </a:rPr>
+              <a:t>otomatis</a:t>
+            </a:r>
+            <a:r>
+              <a:rPr lang="en-US" sz="2200" dirty="0">
+                <a:latin typeface="Source Sans Pro" panose="020B0604020202020204" charset="0"/>
+              </a:rPr>
+              <a:t> </a:t>
+            </a:r>
+            <a:r>
+              <a:rPr lang="en-US" sz="2200" dirty="0" err="1" smtClean="0">
+                <a:latin typeface="Source Sans Pro" panose="020B0604020202020204" charset="0"/>
+              </a:rPr>
+              <a:t>untuk</a:t>
+            </a:r>
+            <a:r>
+              <a:rPr lang="en-US" sz="2200" dirty="0" smtClean="0">
+                <a:latin typeface="Source Sans Pro" panose="020B0604020202020204" charset="0"/>
+              </a:rPr>
+              <a:t> </a:t>
+            </a:r>
+            <a:r>
+              <a:rPr lang="en-US" sz="2200" dirty="0" err="1" smtClean="0">
+                <a:latin typeface="Source Sans Pro" panose="020B0604020202020204" charset="0"/>
+              </a:rPr>
+              <a:t>pengujian</a:t>
+            </a:r>
+            <a:r>
+              <a:rPr lang="en-US" sz="2200" dirty="0" smtClean="0">
+                <a:latin typeface="Source Sans Pro" panose="020B0604020202020204" charset="0"/>
+              </a:rPr>
+              <a:t> </a:t>
+            </a:r>
+            <a:r>
+              <a:rPr lang="en-US" sz="2200" dirty="0" err="1" smtClean="0">
+                <a:latin typeface="Source Sans Pro" panose="020B0604020202020204" charset="0"/>
+              </a:rPr>
+              <a:t>jalur</a:t>
+            </a:r>
+            <a:endParaRPr lang="en-US" sz="2200" dirty="0">
               <a:latin typeface="Source Sans Pro" panose="020B0604020202020204" charset="0"/>
             </a:endParaRPr>
           </a:p>
@@ -40441,7 +38316,7 @@
     </p:spTree>
     <p:extLst>
       <p:ext uri="{BB962C8B-B14F-4D97-AF65-F5344CB8AC3E}">
-        <p14:creationId xmlns:p14="http://schemas.microsoft.com/office/powerpoint/2010/main" val="734703541"/>
+        <p14:creationId xmlns:p14="http://schemas.microsoft.com/office/powerpoint/2010/main" val="1725568124"/>
       </p:ext>
     </p:extLst>
   </p:cSld>
@@ -40477,318 +38352,6 @@
       </p:grpSpPr>
       <p:sp>
         <p:nvSpPr>
-          <p:cNvPr id="7" name="Title 6"/>
-          <p:cNvSpPr>
-            <a:spLocks noGrp="1"/>
-          </p:cNvSpPr>
-          <p:nvPr>
-            <p:ph type="title"/>
-          </p:nvPr>
-        </p:nvSpPr>
-        <p:spPr/>
-        <p:txBody>
-          <a:bodyPr/>
-          <a:lstStyle/>
-          <a:p>
-            <a:r>
-              <a:rPr lang="en-US" dirty="0" err="1" smtClean="0"/>
-              <a:t>Rumusan</a:t>
-            </a:r>
-            <a:r>
-              <a:rPr lang="en-US" dirty="0" smtClean="0"/>
-              <a:t> </a:t>
-            </a:r>
-            <a:r>
-              <a:rPr lang="en-US" dirty="0" err="1" smtClean="0"/>
-              <a:t>Masalah</a:t>
-            </a:r>
-            <a:endParaRPr lang="en-US" dirty="0"/>
-          </a:p>
-        </p:txBody>
-      </p:sp>
-      <p:sp>
-        <p:nvSpPr>
-          <p:cNvPr id="8" name="Text Placeholder 7"/>
-          <p:cNvSpPr>
-            <a:spLocks noGrp="1"/>
-          </p:cNvSpPr>
-          <p:nvPr>
-            <p:ph type="body" idx="1"/>
-          </p:nvPr>
-        </p:nvSpPr>
-        <p:spPr>
-          <a:xfrm>
-            <a:off x="844425" y="1333402"/>
-            <a:ext cx="7334632" cy="3280055"/>
-          </a:xfrm>
-        </p:spPr>
-        <p:txBody>
-          <a:bodyPr/>
-          <a:lstStyle/>
-          <a:p>
-            <a:pPr>
-              <a:buNone/>
-            </a:pPr>
-            <a:r>
-              <a:rPr lang="en-US" sz="2200" dirty="0" err="1">
-                <a:latin typeface="Source Sans Pro" panose="020B0604020202020204" charset="0"/>
-              </a:rPr>
-              <a:t>Bagaimana</a:t>
-            </a:r>
-            <a:r>
-              <a:rPr lang="en-US" sz="2200" dirty="0">
-                <a:latin typeface="Source Sans Pro" panose="020B0604020202020204" charset="0"/>
-              </a:rPr>
-              <a:t> </a:t>
-            </a:r>
-            <a:r>
-              <a:rPr lang="en-US" sz="2200" dirty="0" err="1">
-                <a:latin typeface="Source Sans Pro" panose="020B0604020202020204" charset="0"/>
-              </a:rPr>
-              <a:t>membangun</a:t>
-            </a:r>
-            <a:r>
-              <a:rPr lang="en-US" sz="2200" dirty="0">
-                <a:latin typeface="Source Sans Pro" panose="020B0604020202020204" charset="0"/>
-              </a:rPr>
-              <a:t> </a:t>
-            </a:r>
-            <a:r>
-              <a:rPr lang="en-US" sz="2200" dirty="0" err="1">
-                <a:latin typeface="Source Sans Pro" panose="020B0604020202020204" charset="0"/>
-              </a:rPr>
-              <a:t>sebuah</a:t>
-            </a:r>
-            <a:r>
-              <a:rPr lang="en-US" sz="2200" dirty="0">
-                <a:latin typeface="Source Sans Pro" panose="020B0604020202020204" charset="0"/>
-              </a:rPr>
-              <a:t> </a:t>
-            </a:r>
-            <a:r>
-              <a:rPr lang="en-US" sz="2200" dirty="0" err="1">
-                <a:latin typeface="Source Sans Pro" panose="020B0604020202020204" charset="0"/>
-              </a:rPr>
-              <a:t>aplikasi</a:t>
-            </a:r>
-            <a:r>
-              <a:rPr lang="en-US" sz="2200" dirty="0">
-                <a:latin typeface="Source Sans Pro" panose="020B0604020202020204" charset="0"/>
-              </a:rPr>
-              <a:t> </a:t>
-            </a:r>
-            <a:r>
-              <a:rPr lang="en-US" sz="2200" dirty="0" err="1">
-                <a:latin typeface="Source Sans Pro" panose="020B0604020202020204" charset="0"/>
-              </a:rPr>
-              <a:t>untuk</a:t>
-            </a:r>
-            <a:r>
-              <a:rPr lang="en-US" sz="2200" dirty="0">
-                <a:latin typeface="Source Sans Pro" panose="020B0604020202020204" charset="0"/>
-              </a:rPr>
-              <a:t> </a:t>
-            </a:r>
-            <a:r>
-              <a:rPr lang="en-US" sz="2200" dirty="0" err="1">
-                <a:latin typeface="Source Sans Pro" panose="020B0604020202020204" charset="0"/>
-              </a:rPr>
-              <a:t>melakukan</a:t>
-            </a:r>
-            <a:r>
-              <a:rPr lang="en-US" sz="2200" dirty="0">
-                <a:latin typeface="Source Sans Pro" panose="020B0604020202020204" charset="0"/>
-              </a:rPr>
-              <a:t> </a:t>
-            </a:r>
-            <a:r>
-              <a:rPr lang="en-US" sz="2200" dirty="0" err="1" smtClean="0">
-                <a:latin typeface="Source Sans Pro" panose="020B0604020202020204" charset="0"/>
-              </a:rPr>
-              <a:t>pembangkitan</a:t>
-            </a:r>
-            <a:r>
-              <a:rPr lang="en-US" sz="2200" dirty="0" smtClean="0">
-                <a:latin typeface="Source Sans Pro" panose="020B0604020202020204" charset="0"/>
-              </a:rPr>
-              <a:t> </a:t>
-            </a:r>
-            <a:r>
-              <a:rPr lang="en-US" sz="2200" dirty="0" err="1" smtClean="0">
-                <a:latin typeface="Source Sans Pro" panose="020B0604020202020204" charset="0"/>
-              </a:rPr>
-              <a:t>jalur</a:t>
-            </a:r>
-            <a:r>
-              <a:rPr lang="en-US" sz="2200" dirty="0" smtClean="0">
-                <a:latin typeface="Source Sans Pro" panose="020B0604020202020204" charset="0"/>
-              </a:rPr>
-              <a:t> </a:t>
-            </a:r>
-            <a:r>
-              <a:rPr lang="en-US" sz="2200" dirty="0" err="1" smtClean="0">
-                <a:latin typeface="Source Sans Pro" panose="020B0604020202020204" charset="0"/>
-              </a:rPr>
-              <a:t>dasar</a:t>
-            </a:r>
-            <a:r>
-              <a:rPr lang="en-US" sz="2200" dirty="0" smtClean="0">
-                <a:latin typeface="Source Sans Pro" panose="020B0604020202020204" charset="0"/>
-              </a:rPr>
-              <a:t> </a:t>
-            </a:r>
-            <a:r>
-              <a:rPr lang="en-US" sz="2200" dirty="0" err="1" smtClean="0">
-                <a:latin typeface="Source Sans Pro" panose="020B0604020202020204" charset="0"/>
-              </a:rPr>
-              <a:t>dan</a:t>
-            </a:r>
-            <a:r>
-              <a:rPr lang="en-US" sz="2200" dirty="0" smtClean="0">
-                <a:latin typeface="Source Sans Pro" panose="020B0604020202020204" charset="0"/>
-              </a:rPr>
-              <a:t> </a:t>
-            </a:r>
-            <a:r>
-              <a:rPr lang="en-US" sz="2200" dirty="0" err="1" smtClean="0">
-                <a:latin typeface="Source Sans Pro" panose="020B0604020202020204" charset="0"/>
-              </a:rPr>
-              <a:t>instrumentasi</a:t>
-            </a:r>
-            <a:r>
-              <a:rPr lang="en-US" sz="2200" dirty="0" smtClean="0">
-                <a:latin typeface="Source Sans Pro" panose="020B0604020202020204" charset="0"/>
-              </a:rPr>
-              <a:t> </a:t>
-            </a:r>
-            <a:r>
-              <a:rPr lang="en-US" sz="2200" dirty="0" err="1">
-                <a:latin typeface="Source Sans Pro" panose="020B0604020202020204" charset="0"/>
-              </a:rPr>
-              <a:t>secara</a:t>
-            </a:r>
-            <a:r>
-              <a:rPr lang="en-US" sz="2200" dirty="0">
-                <a:latin typeface="Source Sans Pro" panose="020B0604020202020204" charset="0"/>
-              </a:rPr>
-              <a:t> </a:t>
-            </a:r>
-            <a:r>
-              <a:rPr lang="en-US" sz="2200" dirty="0" err="1">
-                <a:latin typeface="Source Sans Pro" panose="020B0604020202020204" charset="0"/>
-              </a:rPr>
-              <a:t>otomatis</a:t>
-            </a:r>
-            <a:r>
-              <a:rPr lang="en-US" sz="2200" dirty="0">
-                <a:latin typeface="Source Sans Pro" panose="020B0604020202020204" charset="0"/>
-              </a:rPr>
-              <a:t> </a:t>
-            </a:r>
-            <a:r>
-              <a:rPr lang="en-US" sz="2200" dirty="0" err="1" smtClean="0">
-                <a:latin typeface="Source Sans Pro" panose="020B0604020202020204" charset="0"/>
-              </a:rPr>
-              <a:t>untuk</a:t>
-            </a:r>
-            <a:r>
-              <a:rPr lang="en-US" sz="2200" dirty="0" smtClean="0">
-                <a:latin typeface="Source Sans Pro" panose="020B0604020202020204" charset="0"/>
-              </a:rPr>
-              <a:t> </a:t>
-            </a:r>
-            <a:r>
-              <a:rPr lang="en-US" sz="2200" dirty="0" err="1" smtClean="0">
-                <a:latin typeface="Source Sans Pro" panose="020B0604020202020204" charset="0"/>
-              </a:rPr>
-              <a:t>pengujian</a:t>
-            </a:r>
-            <a:r>
-              <a:rPr lang="en-US" sz="2200" dirty="0" smtClean="0">
-                <a:latin typeface="Source Sans Pro" panose="020B0604020202020204" charset="0"/>
-              </a:rPr>
-              <a:t> </a:t>
-            </a:r>
-            <a:r>
-              <a:rPr lang="en-US" sz="2200" dirty="0" err="1" smtClean="0">
-                <a:latin typeface="Source Sans Pro" panose="020B0604020202020204" charset="0"/>
-              </a:rPr>
-              <a:t>jalur</a:t>
-            </a:r>
-            <a:endParaRPr lang="en-US" sz="2200" dirty="0">
-              <a:latin typeface="Source Sans Pro" panose="020B0604020202020204" charset="0"/>
-            </a:endParaRPr>
-          </a:p>
-        </p:txBody>
-      </p:sp>
-      <p:sp>
-        <p:nvSpPr>
-          <p:cNvPr id="4" name="Slide Number Placeholder 3"/>
-          <p:cNvSpPr>
-            <a:spLocks noGrp="1"/>
-          </p:cNvSpPr>
-          <p:nvPr>
-            <p:ph type="sldNum" idx="12"/>
-          </p:nvPr>
-        </p:nvSpPr>
-        <p:spPr/>
-        <p:txBody>
-          <a:bodyPr/>
-          <a:lstStyle/>
-          <a:p>
-            <a:pPr lvl="0">
-              <a:spcBef>
-                <a:spcPts val="0"/>
-              </a:spcBef>
-              <a:buNone/>
-            </a:pPr>
-            <a:fld id="{00000000-1234-1234-1234-123412341234}" type="slidenum">
-              <a:rPr lang="en" smtClean="0"/>
-              <a:t>7</a:t>
-            </a:fld>
-            <a:endParaRPr lang="en"/>
-          </a:p>
-        </p:txBody>
-      </p:sp>
-    </p:spTree>
-    <p:extLst>
-      <p:ext uri="{BB962C8B-B14F-4D97-AF65-F5344CB8AC3E}">
-        <p14:creationId xmlns:p14="http://schemas.microsoft.com/office/powerpoint/2010/main" val="1725568124"/>
-      </p:ext>
-    </p:extLst>
-  </p:cSld>
-  <p:clrMapOvr>
-    <a:masterClrMapping/>
-  </p:clrMapOvr>
-  <p:timing>
-    <p:tnLst>
-      <p:par>
-        <p:cTn id="1" dur="indefinite" restart="never" nodeType="tmRoot"/>
-      </p:par>
-    </p:tnLst>
-  </p:timing>
-</p:sld>
-</file>
-
-<file path=ppt/slides/slide9.xml><?xml version="1.0" encoding="utf-8"?>
-<p:sld xmlns:a="http://schemas.openxmlformats.org/drawingml/2006/main" xmlns:r="http://schemas.openxmlformats.org/officeDocument/2006/relationships" xmlns:p="http://schemas.openxmlformats.org/presentationml/2006/main">
-  <p:cSld>
-    <p:spTree>
-      <p:nvGrpSpPr>
-        <p:cNvPr id="1" name=""/>
-        <p:cNvGrpSpPr/>
-        <p:nvPr/>
-      </p:nvGrpSpPr>
-      <p:grpSpPr>
-        <a:xfrm>
-          <a:off x="0" y="0"/>
-          <a:ext cx="0" cy="0"/>
-          <a:chOff x="0" y="0"/>
-          <a:chExt cx="0" cy="0"/>
-        </a:xfrm>
-      </p:grpSpPr>
-      <p:sp>
-        <p:nvSpPr>
           <p:cNvPr id="2" name="Title 1"/>
           <p:cNvSpPr>
             <a:spLocks noGrp="1"/>
@@ -41008,7 +38571,7 @@
             </a:pPr>
             <a:fld id="{00000000-1234-1234-1234-123412341234}" type="slidenum">
               <a:rPr lang="en" smtClean="0"/>
-              <a:t>8</a:t>
+              <a:t>7</a:t>
             </a:fld>
             <a:endParaRPr lang="en"/>
           </a:p>
@@ -41509,6 +39072,117 @@
     <p:extLst>
       <p:ext uri="{BB962C8B-B14F-4D97-AF65-F5344CB8AC3E}">
         <p14:creationId xmlns:p14="http://schemas.microsoft.com/office/powerpoint/2010/main" val="621454838"/>
+      </p:ext>
+    </p:extLst>
+  </p:cSld>
+  <p:clrMapOvr>
+    <a:masterClrMapping/>
+  </p:clrMapOvr>
+  <p:timing>
+    <p:tnLst>
+      <p:par>
+        <p:cTn id="1" dur="indefinite" restart="never" nodeType="tmRoot"/>
+      </p:par>
+    </p:tnLst>
+  </p:timing>
+</p:sld>
+</file>
+
+<file path=ppt/slides/slide9.xml><?xml version="1.0" encoding="utf-8"?>
+<p:sld xmlns:a="http://schemas.openxmlformats.org/drawingml/2006/main" xmlns:r="http://schemas.openxmlformats.org/officeDocument/2006/relationships" xmlns:p="http://schemas.openxmlformats.org/presentationml/2006/main">
+  <p:cSld>
+    <p:spTree>
+      <p:nvGrpSpPr>
+        <p:cNvPr id="1" name=""/>
+        <p:cNvGrpSpPr/>
+        <p:nvPr/>
+      </p:nvGrpSpPr>
+      <p:grpSpPr>
+        <a:xfrm>
+          <a:off x="0" y="0"/>
+          <a:ext cx="0" cy="0"/>
+          <a:chOff x="0" y="0"/>
+          <a:chExt cx="0" cy="0"/>
+        </a:xfrm>
+      </p:grpSpPr>
+      <p:sp>
+        <p:nvSpPr>
+          <p:cNvPr id="2" name="Title 1"/>
+          <p:cNvSpPr>
+            <a:spLocks noGrp="1"/>
+          </p:cNvSpPr>
+          <p:nvPr>
+            <p:ph type="title"/>
+          </p:nvPr>
+        </p:nvSpPr>
+        <p:spPr/>
+        <p:txBody>
+          <a:bodyPr/>
+          <a:lstStyle/>
+          <a:p>
+            <a:r>
+              <a:rPr lang="en-US" dirty="0" err="1" smtClean="0"/>
+              <a:t>Manfaat</a:t>
+            </a:r>
+            <a:endParaRPr lang="en-US" dirty="0"/>
+          </a:p>
+        </p:txBody>
+      </p:sp>
+      <p:sp>
+        <p:nvSpPr>
+          <p:cNvPr id="4" name="Slide Number Placeholder 3"/>
+          <p:cNvSpPr>
+            <a:spLocks noGrp="1"/>
+          </p:cNvSpPr>
+          <p:nvPr>
+            <p:ph type="sldNum" idx="12"/>
+          </p:nvPr>
+        </p:nvSpPr>
+        <p:spPr/>
+        <p:txBody>
+          <a:bodyPr/>
+          <a:lstStyle/>
+          <a:p>
+            <a:pPr lvl="0">
+              <a:spcBef>
+                <a:spcPts val="0"/>
+              </a:spcBef>
+              <a:buNone/>
+            </a:pPr>
+            <a:fld id="{00000000-1234-1234-1234-123412341234}" type="slidenum">
+              <a:rPr lang="en" smtClean="0"/>
+              <a:t>8</a:t>
+            </a:fld>
+            <a:endParaRPr lang="en"/>
+          </a:p>
+        </p:txBody>
+      </p:sp>
+      <p:graphicFrame>
+        <p:nvGraphicFramePr>
+          <p:cNvPr id="6" name="Diagram 5"/>
+          <p:cNvGraphicFramePr/>
+          <p:nvPr>
+            <p:extLst>
+              <p:ext uri="{D42A27DB-BD31-4B8C-83A1-F6EECF244321}">
+                <p14:modId xmlns:p14="http://schemas.microsoft.com/office/powerpoint/2010/main" val="2561141939"/>
+              </p:ext>
+            </p:extLst>
+          </p:nvPr>
+        </p:nvGraphicFramePr>
+        <p:xfrm>
+          <a:off x="801524" y="1377387"/>
+          <a:ext cx="8168855" cy="3414532"/>
+        </p:xfrm>
+        <a:graphic>
+          <a:graphicData uri="http://schemas.openxmlformats.org/drawingml/2006/diagram">
+            <dgm:relIds xmlns:dgm="http://schemas.openxmlformats.org/drawingml/2006/diagram" xmlns:r="http://schemas.openxmlformats.org/officeDocument/2006/relationships" r:dm="rId2" r:lo="rId3" r:qs="rId4" r:cs="rId5"/>
+          </a:graphicData>
+        </a:graphic>
+      </p:graphicFrame>
+    </p:spTree>
+    <p:extLst>
+      <p:ext uri="{BB962C8B-B14F-4D97-AF65-F5344CB8AC3E}">
+        <p14:creationId xmlns:p14="http://schemas.microsoft.com/office/powerpoint/2010/main" val="554514951"/>
       </p:ext>
     </p:extLst>
   </p:cSld>
